--- a/Lecture Slides/VideoLectureSlides/9.4.pptx
+++ b/Lecture Slides/VideoLectureSlides/9.4.pptx
@@ -5,19 +5,18 @@
     <p:sldMasterId id="2147483660" r:id="rId4"/>
   </p:sldMasterIdLst>
   <p:notesMasterIdLst>
-    <p:notesMasterId r:id="rId15"/>
+    <p:notesMasterId r:id="rId14"/>
   </p:notesMasterIdLst>
   <p:sldIdLst>
     <p:sldId id="256" r:id="rId5"/>
-    <p:sldId id="302" r:id="rId6"/>
-    <p:sldId id="303" r:id="rId7"/>
-    <p:sldId id="304" r:id="rId8"/>
-    <p:sldId id="305" r:id="rId9"/>
-    <p:sldId id="306" r:id="rId10"/>
-    <p:sldId id="307" r:id="rId11"/>
-    <p:sldId id="287" r:id="rId12"/>
-    <p:sldId id="260" r:id="rId13"/>
-    <p:sldId id="261" r:id="rId14"/>
+    <p:sldId id="258" r:id="rId6"/>
+    <p:sldId id="269" r:id="rId7"/>
+    <p:sldId id="266" r:id="rId8"/>
+    <p:sldId id="259" r:id="rId9"/>
+    <p:sldId id="268" r:id="rId10"/>
+    <p:sldId id="287" r:id="rId11"/>
+    <p:sldId id="260" r:id="rId12"/>
+    <p:sldId id="261" r:id="rId13"/>
   </p:sldIdLst>
   <p:sldSz cx="9144000" cy="6858000" type="screen4x3"/>
   <p:notesSz cx="6858000" cy="9144000"/>
@@ -3681,7 +3680,7 @@
           <a:p>
             <a:r>
               <a:rPr lang="en-US" dirty="0"/>
-              <a:t>The Conservation of Energy for Systems of Particles</a:t>
+              <a:t>The Equations of Motion with Polar Coordinates</a:t>
             </a:r>
           </a:p>
         </p:txBody>
@@ -3726,709 +3725,6 @@
     <p:extLst>
       <p:ext uri="{BB962C8B-B14F-4D97-AF65-F5344CB8AC3E}">
         <p14:creationId xmlns:p14="http://schemas.microsoft.com/office/powerpoint/2010/main" val="3080430471"/>
-      </p:ext>
-    </p:extLst>
-  </p:cSld>
-  <p:clrMapOvr>
-    <a:masterClrMapping/>
-  </p:clrMapOvr>
-</p:sld>
-</file>
-
-<file path=ppt/slides/slide10.xml><?xml version="1.0" encoding="utf-8"?>
-<p:sld xmlns:a="http://schemas.openxmlformats.org/drawingml/2006/main" xmlns:r="http://schemas.openxmlformats.org/officeDocument/2006/relationships" xmlns:p="http://schemas.openxmlformats.org/presentationml/2006/main">
-  <p:cSld>
-    <p:spTree>
-      <p:nvGrpSpPr>
-        <p:cNvPr id="1" name=""/>
-        <p:cNvGrpSpPr/>
-        <p:nvPr/>
-      </p:nvGrpSpPr>
-      <p:grpSpPr>
-        <a:xfrm>
-          <a:off x="0" y="0"/>
-          <a:ext cx="0" cy="0"/>
-          <a:chOff x="0" y="0"/>
-          <a:chExt cx="0" cy="0"/>
-        </a:xfrm>
-      </p:grpSpPr>
-      <p:sp>
-        <p:nvSpPr>
-          <p:cNvPr id="2" name="Title 1"/>
-          <p:cNvSpPr>
-            <a:spLocks noGrp="1"/>
-          </p:cNvSpPr>
-          <p:nvPr>
-            <p:ph type="title"/>
-          </p:nvPr>
-        </p:nvSpPr>
-        <p:spPr/>
-        <p:txBody>
-          <a:bodyPr>
-            <a:normAutofit fontScale="90000"/>
-          </a:bodyPr>
-          <a:lstStyle/>
-          <a:p>
-            <a:r>
-              <a:rPr lang="en-US" dirty="0"/>
-              <a:t>Work and Energy for Systems of Participles Worked Example</a:t>
-            </a:r>
-          </a:p>
-        </p:txBody>
-      </p:sp>
-      <p:sp>
-        <p:nvSpPr>
-          <p:cNvPr id="3" name="Content Placeholder 2"/>
-          <p:cNvSpPr>
-            <a:spLocks noGrp="1"/>
-          </p:cNvSpPr>
-          <p:nvPr>
-            <p:ph idx="1"/>
-          </p:nvPr>
-        </p:nvSpPr>
-        <p:spPr>
-          <a:xfrm>
-            <a:off x="457200" y="1600200"/>
-            <a:ext cx="4800600" cy="4525963"/>
-          </a:xfrm>
-        </p:spPr>
-        <p:txBody>
-          <a:bodyPr>
-            <a:normAutofit fontScale="77500" lnSpcReduction="20000"/>
-          </a:bodyPr>
-          <a:lstStyle/>
-          <a:p>
-            <a:r>
-              <a:rPr lang="en-US" dirty="0"/>
-              <a:t>The elevator shown to the right has a mass of 1500 kg and the counterweight has a mass of 500kg.  At some point the cable attached to the motor snaps, causing the elevator to begin falling.</a:t>
-            </a:r>
-          </a:p>
-          <a:p>
-            <a:pPr lvl="1"/>
-            <a:r>
-              <a:rPr lang="en-US" dirty="0"/>
-              <a:t>After falling 3 meters, what is the speed of the elevator?</a:t>
-            </a:r>
-          </a:p>
-          <a:p>
-            <a:pPr lvl="1"/>
-            <a:r>
-              <a:rPr lang="en-US" dirty="0"/>
-              <a:t>If the emergency brake is applied at this point (3m down) exerting a constant force of 15,000 N, how much further will the elevator fall?</a:t>
-            </a:r>
-          </a:p>
-        </p:txBody>
-      </p:sp>
-      <p:sp>
-        <p:nvSpPr>
-          <p:cNvPr id="4" name="Slide Number Placeholder 3"/>
-          <p:cNvSpPr>
-            <a:spLocks noGrp="1"/>
-          </p:cNvSpPr>
-          <p:nvPr>
-            <p:ph type="sldNum" sz="quarter" idx="12"/>
-          </p:nvPr>
-        </p:nvSpPr>
-        <p:spPr/>
-        <p:txBody>
-          <a:bodyPr/>
-          <a:lstStyle/>
-          <a:p>
-            <a:fld id="{929262FE-7F58-4A1E-8AF3-5A510A86DEBD}" type="slidenum">
-              <a:rPr lang="en-US" smtClean="0"/>
-              <a:t>10</a:t>
-            </a:fld>
-            <a:endParaRPr lang="en-US"/>
-          </a:p>
-        </p:txBody>
-      </p:sp>
-      <p:cxnSp>
-        <p:nvCxnSpPr>
-          <p:cNvPr id="5" name="Straight Connector 4"/>
-          <p:cNvCxnSpPr/>
-          <p:nvPr/>
-        </p:nvCxnSpPr>
-        <p:spPr>
-          <a:xfrm>
-            <a:off x="7391400" y="2642507"/>
-            <a:ext cx="0" cy="1015093"/>
-          </a:xfrm>
-          <a:prstGeom prst="line">
-            <a:avLst/>
-          </a:prstGeom>
-        </p:spPr>
-        <p:style>
-          <a:lnRef idx="2">
-            <a:schemeClr val="dk1"/>
-          </a:lnRef>
-          <a:fillRef idx="0">
-            <a:schemeClr val="dk1"/>
-          </a:fillRef>
-          <a:effectRef idx="1">
-            <a:schemeClr val="dk1"/>
-          </a:effectRef>
-          <a:fontRef idx="minor">
-            <a:schemeClr val="tx1"/>
-          </a:fontRef>
-        </p:style>
-      </p:cxnSp>
-      <p:sp>
-        <p:nvSpPr>
-          <p:cNvPr id="7" name="Rectangle 6"/>
-          <p:cNvSpPr/>
-          <p:nvPr/>
-        </p:nvSpPr>
-        <p:spPr>
-          <a:xfrm>
-            <a:off x="6248400" y="3886200"/>
-            <a:ext cx="1524000" cy="2209800"/>
-          </a:xfrm>
-          <a:prstGeom prst="rect">
-            <a:avLst/>
-          </a:prstGeom>
-        </p:spPr>
-        <p:style>
-          <a:lnRef idx="1">
-            <a:schemeClr val="dk1"/>
-          </a:lnRef>
-          <a:fillRef idx="2">
-            <a:schemeClr val="dk1"/>
-          </a:fillRef>
-          <a:effectRef idx="1">
-            <a:schemeClr val="dk1"/>
-          </a:effectRef>
-          <a:fontRef idx="minor">
-            <a:schemeClr val="dk1"/>
-          </a:fontRef>
-        </p:style>
-        <p:txBody>
-          <a:bodyPr rtlCol="0" anchor="ctr"/>
-          <a:lstStyle/>
-          <a:p>
-            <a:pPr algn="ctr"/>
-            <a:r>
-              <a:rPr lang="en-US" dirty="0"/>
-              <a:t>Elevator</a:t>
-            </a:r>
-          </a:p>
-        </p:txBody>
-      </p:sp>
-      <p:sp>
-        <p:nvSpPr>
-          <p:cNvPr id="8" name="Rectangle 7"/>
-          <p:cNvSpPr/>
-          <p:nvPr/>
-        </p:nvSpPr>
-        <p:spPr>
-          <a:xfrm rot="5400000">
-            <a:off x="7211787" y="5154387"/>
-            <a:ext cx="1578425" cy="304800"/>
-          </a:xfrm>
-          <a:prstGeom prst="rect">
-            <a:avLst/>
-          </a:prstGeom>
-        </p:spPr>
-        <p:style>
-          <a:lnRef idx="1">
-            <a:schemeClr val="dk1"/>
-          </a:lnRef>
-          <a:fillRef idx="2">
-            <a:schemeClr val="dk1"/>
-          </a:fillRef>
-          <a:effectRef idx="1">
-            <a:schemeClr val="dk1"/>
-          </a:effectRef>
-          <a:fontRef idx="minor">
-            <a:schemeClr val="dk1"/>
-          </a:fontRef>
-        </p:style>
-        <p:txBody>
-          <a:bodyPr rtlCol="0" anchor="ctr"/>
-          <a:lstStyle/>
-          <a:p>
-            <a:pPr algn="ctr"/>
-            <a:r>
-              <a:rPr lang="en-US" dirty="0"/>
-              <a:t>Counterweight</a:t>
-            </a:r>
-          </a:p>
-        </p:txBody>
-      </p:sp>
-      <p:sp>
-        <p:nvSpPr>
-          <p:cNvPr id="9" name="Oval 8"/>
-          <p:cNvSpPr/>
-          <p:nvPr/>
-        </p:nvSpPr>
-        <p:spPr>
-          <a:xfrm>
-            <a:off x="6324600" y="3472543"/>
-            <a:ext cx="304800" cy="304800"/>
-          </a:xfrm>
-          <a:prstGeom prst="ellipse">
-            <a:avLst/>
-          </a:prstGeom>
-        </p:spPr>
-        <p:style>
-          <a:lnRef idx="1">
-            <a:schemeClr val="dk1"/>
-          </a:lnRef>
-          <a:fillRef idx="2">
-            <a:schemeClr val="dk1"/>
-          </a:fillRef>
-          <a:effectRef idx="1">
-            <a:schemeClr val="dk1"/>
-          </a:effectRef>
-          <a:fontRef idx="minor">
-            <a:schemeClr val="dk1"/>
-          </a:fontRef>
-        </p:style>
-        <p:txBody>
-          <a:bodyPr rtlCol="0" anchor="ctr"/>
-          <a:lstStyle/>
-          <a:p>
-            <a:pPr algn="ctr"/>
-            <a:endParaRPr lang="en-US"/>
-          </a:p>
-        </p:txBody>
-      </p:sp>
-      <p:sp>
-        <p:nvSpPr>
-          <p:cNvPr id="10" name="Oval 9"/>
-          <p:cNvSpPr/>
-          <p:nvPr/>
-        </p:nvSpPr>
-        <p:spPr>
-          <a:xfrm>
-            <a:off x="7391400" y="3472543"/>
-            <a:ext cx="304800" cy="304800"/>
-          </a:xfrm>
-          <a:prstGeom prst="ellipse">
-            <a:avLst/>
-          </a:prstGeom>
-        </p:spPr>
-        <p:style>
-          <a:lnRef idx="1">
-            <a:schemeClr val="dk1"/>
-          </a:lnRef>
-          <a:fillRef idx="2">
-            <a:schemeClr val="dk1"/>
-          </a:fillRef>
-          <a:effectRef idx="1">
-            <a:schemeClr val="dk1"/>
-          </a:effectRef>
-          <a:fontRef idx="minor">
-            <a:schemeClr val="dk1"/>
-          </a:fontRef>
-        </p:style>
-        <p:txBody>
-          <a:bodyPr rtlCol="0" anchor="ctr"/>
-          <a:lstStyle/>
-          <a:p>
-            <a:pPr algn="ctr"/>
-            <a:endParaRPr lang="en-US"/>
-          </a:p>
-        </p:txBody>
-      </p:sp>
-      <p:sp>
-        <p:nvSpPr>
-          <p:cNvPr id="11" name="Oval 10"/>
-          <p:cNvSpPr/>
-          <p:nvPr/>
-        </p:nvSpPr>
-        <p:spPr>
-          <a:xfrm>
-            <a:off x="7696200" y="2819400"/>
-            <a:ext cx="304800" cy="304800"/>
-          </a:xfrm>
-          <a:prstGeom prst="ellipse">
-            <a:avLst/>
-          </a:prstGeom>
-        </p:spPr>
-        <p:style>
-          <a:lnRef idx="1">
-            <a:schemeClr val="dk1"/>
-          </a:lnRef>
-          <a:fillRef idx="2">
-            <a:schemeClr val="dk1"/>
-          </a:fillRef>
-          <a:effectRef idx="1">
-            <a:schemeClr val="dk1"/>
-          </a:effectRef>
-          <a:fontRef idx="minor">
-            <a:schemeClr val="dk1"/>
-          </a:fontRef>
-        </p:style>
-        <p:txBody>
-          <a:bodyPr rtlCol="0" anchor="ctr"/>
-          <a:lstStyle/>
-          <a:p>
-            <a:pPr algn="ctr"/>
-            <a:endParaRPr lang="en-US"/>
-          </a:p>
-        </p:txBody>
-      </p:sp>
-      <p:sp>
-        <p:nvSpPr>
-          <p:cNvPr id="12" name="Rectangle 11"/>
-          <p:cNvSpPr/>
-          <p:nvPr/>
-        </p:nvSpPr>
-        <p:spPr>
-          <a:xfrm>
-            <a:off x="6438900" y="3537857"/>
-            <a:ext cx="76200" cy="337457"/>
-          </a:xfrm>
-          <a:prstGeom prst="rect">
-            <a:avLst/>
-          </a:prstGeom>
-        </p:spPr>
-        <p:style>
-          <a:lnRef idx="1">
-            <a:schemeClr val="dk1"/>
-          </a:lnRef>
-          <a:fillRef idx="2">
-            <a:schemeClr val="dk1"/>
-          </a:fillRef>
-          <a:effectRef idx="1">
-            <a:schemeClr val="dk1"/>
-          </a:effectRef>
-          <a:fontRef idx="minor">
-            <a:schemeClr val="dk1"/>
-          </a:fontRef>
-        </p:style>
-        <p:txBody>
-          <a:bodyPr rtlCol="0" anchor="ctr"/>
-          <a:lstStyle/>
-          <a:p>
-            <a:pPr algn="ctr"/>
-            <a:endParaRPr lang="en-US"/>
-          </a:p>
-        </p:txBody>
-      </p:sp>
-      <p:sp>
-        <p:nvSpPr>
-          <p:cNvPr id="13" name="Rectangle 12"/>
-          <p:cNvSpPr/>
-          <p:nvPr/>
-        </p:nvSpPr>
-        <p:spPr>
-          <a:xfrm>
-            <a:off x="7505700" y="3537856"/>
-            <a:ext cx="76200" cy="337457"/>
-          </a:xfrm>
-          <a:prstGeom prst="rect">
-            <a:avLst/>
-          </a:prstGeom>
-        </p:spPr>
-        <p:style>
-          <a:lnRef idx="1">
-            <a:schemeClr val="dk1"/>
-          </a:lnRef>
-          <a:fillRef idx="2">
-            <a:schemeClr val="dk1"/>
-          </a:fillRef>
-          <a:effectRef idx="1">
-            <a:schemeClr val="dk1"/>
-          </a:effectRef>
-          <a:fontRef idx="minor">
-            <a:schemeClr val="dk1"/>
-          </a:fontRef>
-        </p:style>
-        <p:txBody>
-          <a:bodyPr rtlCol="0" anchor="ctr"/>
-          <a:lstStyle/>
-          <a:p>
-            <a:pPr algn="ctr"/>
-            <a:endParaRPr lang="en-US"/>
-          </a:p>
-        </p:txBody>
-      </p:sp>
-      <p:sp>
-        <p:nvSpPr>
-          <p:cNvPr id="14" name="Rectangle 13"/>
-          <p:cNvSpPr/>
-          <p:nvPr/>
-        </p:nvSpPr>
-        <p:spPr>
-          <a:xfrm>
-            <a:off x="7810500" y="2691491"/>
-            <a:ext cx="76200" cy="337457"/>
-          </a:xfrm>
-          <a:prstGeom prst="rect">
-            <a:avLst/>
-          </a:prstGeom>
-        </p:spPr>
-        <p:style>
-          <a:lnRef idx="1">
-            <a:schemeClr val="dk1"/>
-          </a:lnRef>
-          <a:fillRef idx="2">
-            <a:schemeClr val="dk1"/>
-          </a:fillRef>
-          <a:effectRef idx="1">
-            <a:schemeClr val="dk1"/>
-          </a:effectRef>
-          <a:fontRef idx="minor">
-            <a:schemeClr val="dk1"/>
-          </a:fontRef>
-        </p:style>
-        <p:txBody>
-          <a:bodyPr rtlCol="0" anchor="ctr"/>
-          <a:lstStyle/>
-          <a:p>
-            <a:pPr algn="ctr"/>
-            <a:endParaRPr lang="en-US"/>
-          </a:p>
-        </p:txBody>
-      </p:sp>
-      <p:sp>
-        <p:nvSpPr>
-          <p:cNvPr id="15" name="Rectangle 14"/>
-          <p:cNvSpPr/>
-          <p:nvPr/>
-        </p:nvSpPr>
-        <p:spPr>
-          <a:xfrm>
-            <a:off x="6408964" y="2079171"/>
-            <a:ext cx="250916" cy="312964"/>
-          </a:xfrm>
-          <a:prstGeom prst="rect">
-            <a:avLst/>
-          </a:prstGeom>
-        </p:spPr>
-        <p:style>
-          <a:lnRef idx="1">
-            <a:schemeClr val="dk1"/>
-          </a:lnRef>
-          <a:fillRef idx="2">
-            <a:schemeClr val="dk1"/>
-          </a:fillRef>
-          <a:effectRef idx="1">
-            <a:schemeClr val="dk1"/>
-          </a:effectRef>
-          <a:fontRef idx="minor">
-            <a:schemeClr val="dk1"/>
-          </a:fontRef>
-        </p:style>
-        <p:txBody>
-          <a:bodyPr rtlCol="0" anchor="ctr"/>
-          <a:lstStyle/>
-          <a:p>
-            <a:pPr algn="ctr"/>
-            <a:endParaRPr lang="en-US"/>
-          </a:p>
-        </p:txBody>
-      </p:sp>
-      <p:sp>
-        <p:nvSpPr>
-          <p:cNvPr id="16" name="Rectangle 15"/>
-          <p:cNvSpPr/>
-          <p:nvPr/>
-        </p:nvSpPr>
-        <p:spPr>
-          <a:xfrm>
-            <a:off x="5486400" y="2392135"/>
-            <a:ext cx="3603172" cy="299356"/>
-          </a:xfrm>
-          <a:prstGeom prst="rect">
-            <a:avLst/>
-          </a:prstGeom>
-        </p:spPr>
-        <p:style>
-          <a:lnRef idx="2">
-            <a:schemeClr val="accent2">
-              <a:shade val="50000"/>
-            </a:schemeClr>
-          </a:lnRef>
-          <a:fillRef idx="1">
-            <a:schemeClr val="accent2"/>
-          </a:fillRef>
-          <a:effectRef idx="0">
-            <a:schemeClr val="accent2"/>
-          </a:effectRef>
-          <a:fontRef idx="minor">
-            <a:schemeClr val="lt1"/>
-          </a:fontRef>
-        </p:style>
-        <p:txBody>
-          <a:bodyPr rtlCol="0" anchor="ctr"/>
-          <a:lstStyle/>
-          <a:p>
-            <a:pPr algn="ctr"/>
-            <a:r>
-              <a:rPr lang="en-US" dirty="0"/>
-              <a:t>Roof (fixed)</a:t>
-            </a:r>
-          </a:p>
-        </p:txBody>
-      </p:sp>
-      <p:sp>
-        <p:nvSpPr>
-          <p:cNvPr id="18" name="Oval 17"/>
-          <p:cNvSpPr/>
-          <p:nvPr/>
-        </p:nvSpPr>
-        <p:spPr>
-          <a:xfrm>
-            <a:off x="6248400" y="1872343"/>
-            <a:ext cx="411480" cy="413657"/>
-          </a:xfrm>
-          <a:prstGeom prst="ellipse">
-            <a:avLst/>
-          </a:prstGeom>
-        </p:spPr>
-        <p:style>
-          <a:lnRef idx="1">
-            <a:schemeClr val="dk1"/>
-          </a:lnRef>
-          <a:fillRef idx="2">
-            <a:schemeClr val="dk1"/>
-          </a:fillRef>
-          <a:effectRef idx="1">
-            <a:schemeClr val="dk1"/>
-          </a:effectRef>
-          <a:fontRef idx="minor">
-            <a:schemeClr val="dk1"/>
-          </a:fontRef>
-        </p:style>
-        <p:txBody>
-          <a:bodyPr rtlCol="0" anchor="ctr"/>
-          <a:lstStyle/>
-          <a:p>
-            <a:pPr algn="ctr"/>
-            <a:endParaRPr lang="en-US"/>
-          </a:p>
-        </p:txBody>
-      </p:sp>
-      <p:cxnSp>
-        <p:nvCxnSpPr>
-          <p:cNvPr id="19" name="Straight Connector 18"/>
-          <p:cNvCxnSpPr>
-            <a:stCxn id="11" idx="2"/>
-          </p:cNvCxnSpPr>
-          <p:nvPr/>
-        </p:nvCxnSpPr>
-        <p:spPr>
-          <a:xfrm>
-            <a:off x="7696200" y="2971800"/>
-            <a:ext cx="0" cy="710293"/>
-          </a:xfrm>
-          <a:prstGeom prst="line">
-            <a:avLst/>
-          </a:prstGeom>
-        </p:spPr>
-        <p:style>
-          <a:lnRef idx="2">
-            <a:schemeClr val="dk1"/>
-          </a:lnRef>
-          <a:fillRef idx="0">
-            <a:schemeClr val="dk1"/>
-          </a:fillRef>
-          <a:effectRef idx="1">
-            <a:schemeClr val="dk1"/>
-          </a:effectRef>
-          <a:fontRef idx="minor">
-            <a:schemeClr val="tx1"/>
-          </a:fontRef>
-        </p:style>
-      </p:cxnSp>
-      <p:cxnSp>
-        <p:nvCxnSpPr>
-          <p:cNvPr id="20" name="Straight Connector 19"/>
-          <p:cNvCxnSpPr>
-            <a:endCxn id="8" idx="1"/>
-          </p:cNvCxnSpPr>
-          <p:nvPr/>
-        </p:nvCxnSpPr>
-        <p:spPr>
-          <a:xfrm>
-            <a:off x="8001000" y="2971800"/>
-            <a:ext cx="0" cy="1545775"/>
-          </a:xfrm>
-          <a:prstGeom prst="line">
-            <a:avLst/>
-          </a:prstGeom>
-        </p:spPr>
-        <p:style>
-          <a:lnRef idx="2">
-            <a:schemeClr val="dk1"/>
-          </a:lnRef>
-          <a:fillRef idx="0">
-            <a:schemeClr val="dk1"/>
-          </a:fillRef>
-          <a:effectRef idx="1">
-            <a:schemeClr val="dk1"/>
-          </a:effectRef>
-          <a:fontRef idx="minor">
-            <a:schemeClr val="tx1"/>
-          </a:fontRef>
-        </p:style>
-      </p:cxnSp>
-      <p:cxnSp>
-        <p:nvCxnSpPr>
-          <p:cNvPr id="21" name="Straight Connector 20"/>
-          <p:cNvCxnSpPr/>
-          <p:nvPr/>
-        </p:nvCxnSpPr>
-        <p:spPr>
-          <a:xfrm>
-            <a:off x="6583678" y="2686051"/>
-            <a:ext cx="209006" cy="507546"/>
-          </a:xfrm>
-          <a:prstGeom prst="line">
-            <a:avLst/>
-          </a:prstGeom>
-        </p:spPr>
-        <p:style>
-          <a:lnRef idx="2">
-            <a:schemeClr val="dk1"/>
-          </a:lnRef>
-          <a:fillRef idx="0">
-            <a:schemeClr val="dk1"/>
-          </a:fillRef>
-          <a:effectRef idx="1">
-            <a:schemeClr val="dk1"/>
-          </a:effectRef>
-          <a:fontRef idx="minor">
-            <a:schemeClr val="tx1"/>
-          </a:fontRef>
-        </p:style>
-      </p:cxnSp>
-      <p:cxnSp>
-        <p:nvCxnSpPr>
-          <p:cNvPr id="22" name="Straight Connector 21"/>
-          <p:cNvCxnSpPr/>
-          <p:nvPr/>
-        </p:nvCxnSpPr>
-        <p:spPr>
-          <a:xfrm flipH="1">
-            <a:off x="6030684" y="2100943"/>
-            <a:ext cx="228600" cy="1371600"/>
-          </a:xfrm>
-          <a:prstGeom prst="line">
-            <a:avLst/>
-          </a:prstGeom>
-        </p:spPr>
-        <p:style>
-          <a:lnRef idx="2">
-            <a:schemeClr val="dk1"/>
-          </a:lnRef>
-          <a:fillRef idx="0">
-            <a:schemeClr val="dk1"/>
-          </a:fillRef>
-          <a:effectRef idx="1">
-            <a:schemeClr val="dk1"/>
-          </a:effectRef>
-          <a:fontRef idx="minor">
-            <a:schemeClr val="tx1"/>
-          </a:fontRef>
-        </p:style>
-      </p:cxnSp>
-    </p:spTree>
-    <p:extLst>
-      <p:ext uri="{BB962C8B-B14F-4D97-AF65-F5344CB8AC3E}">
-        <p14:creationId xmlns:p14="http://schemas.microsoft.com/office/powerpoint/2010/main" val="475597520"/>
       </p:ext>
     </p:extLst>
   </p:cSld>
@@ -4474,7 +3770,7 @@
           <a:p>
             <a:r>
               <a:rPr lang="en-US" dirty="0"/>
-              <a:t>Work and Energy for Systems of Particles</a:t>
+              <a:t>Newton’s Second Law and the Force Mass and Acceleration Method</a:t>
             </a:r>
           </a:p>
         </p:txBody>
@@ -4491,24 +3787,49 @@
                 <p:ph idx="1"/>
               </p:nvPr>
             </p:nvSpPr>
-            <p:spPr/>
+            <p:spPr>
+              <a:xfrm>
+                <a:off x="457200" y="1600200"/>
+                <a:ext cx="8229600" cy="4648200"/>
+              </a:xfrm>
+            </p:spPr>
             <p:txBody>
-              <a:bodyPr/>
+              <a:bodyPr>
+                <a:normAutofit fontScale="77500" lnSpcReduction="20000"/>
+              </a:bodyPr>
               <a:lstStyle/>
               <a:p>
                 <a:r>
                   <a:rPr lang="en-US" dirty="0"/>
-                  <a:t>So far, we have defined our system as a single particle, where work can be done to this particle causing the energy of that particle (kinetic and potential) to be changed.</a:t>
+                  <a:t>The </a:t>
+                </a:r>
+                <a:r>
+                  <a:rPr lang="en-US" b="1" dirty="0"/>
+                  <a:t>force mass and acceleration method</a:t>
+                </a:r>
+                <a:r>
+                  <a:rPr lang="en-US" dirty="0"/>
+                  <a:t> in </a:t>
+                </a:r>
+                <a:r>
+                  <a:rPr lang="en-US" b="1" dirty="0"/>
+                  <a:t>kinetics</a:t>
+                </a:r>
+                <a:r>
+                  <a:rPr lang="en-US" dirty="0"/>
+                  <a:t> builds directly on </a:t>
+                </a:r>
+                <a:r>
+                  <a:rPr lang="en-US" b="1" dirty="0"/>
+                  <a:t>Newton’s Second Law</a:t>
+                </a:r>
+                <a:r>
+                  <a:rPr lang="en-US" dirty="0"/>
+                  <a:t> which states that...</a:t>
                 </a:r>
               </a:p>
               <a:p>
-                <a:r>
-                  <a:rPr lang="en-US" dirty="0"/>
-                  <a:t>If we redefine our system to include multiple particles, can still apply the same formula we used before:</a:t>
-                </a:r>
-              </a:p>
-              <a:p>
-                <a:pPr marL="0" indent="0">
+                <a:pPr marL="0" indent="0" algn="ctr">
                   <a:buNone/>
                 </a:pPr>
                 <a14:m>
@@ -4517,42 +3838,162 @@
                       <m:jc m:val="centerGroup"/>
                     </m:oMathParaPr>
                     <m:oMath xmlns:m="http://schemas.openxmlformats.org/officeDocument/2006/math">
+                      <m:nary>
+                        <m:naryPr>
+                          <m:chr m:val="∑"/>
+                          <m:subHide m:val="on"/>
+                          <m:supHide m:val="on"/>
+                          <m:ctrlPr>
+                            <a:rPr lang="en-US" i="1" smtClean="0">
+                              <a:latin typeface="Cambria Math" panose="02040503050406030204" pitchFamily="18" charset="0"/>
+                            </a:rPr>
+                          </m:ctrlPr>
+                        </m:naryPr>
+                        <m:sub/>
+                        <m:sup/>
+                        <m:e>
+                          <m:acc>
+                            <m:accPr>
+                              <m:chr m:val="⃗"/>
+                              <m:ctrlPr>
+                                <a:rPr lang="en-US" i="1">
+                                  <a:latin typeface="Cambria Math" panose="02040503050406030204" pitchFamily="18" charset="0"/>
+                                </a:rPr>
+                              </m:ctrlPr>
+                            </m:accPr>
+                            <m:e>
+                              <m:r>
+                                <a:rPr lang="en-US" i="1">
+                                  <a:latin typeface="Cambria Math" panose="02040503050406030204" pitchFamily="18" charset="0"/>
+                                </a:rPr>
+                                <m:t>𝐹</m:t>
+                              </m:r>
+                            </m:e>
+                          </m:acc>
+                        </m:e>
+                      </m:nary>
                       <m:r>
                         <a:rPr lang="en-US" b="0" i="1" smtClean="0">
                           <a:latin typeface="Cambria Math"/>
                         </a:rPr>
-                        <m:t>𝑊</m:t>
+                        <m:t>=</m:t>
                       </m:r>
                       <m:r>
                         <a:rPr lang="en-US" b="0" i="1" smtClean="0">
                           <a:latin typeface="Cambria Math"/>
                         </a:rPr>
-                        <m:t>=∆</m:t>
+                        <m:t>𝑚</m:t>
                       </m:r>
-                      <m:r>
-                        <a:rPr lang="en-US" b="0" i="1" smtClean="0">
-                          <a:latin typeface="Cambria Math"/>
-                          <a:ea typeface="Cambria Math"/>
-                        </a:rPr>
-                        <m:t>𝐾𝐸</m:t>
-                      </m:r>
-                      <m:r>
-                        <a:rPr lang="en-US" b="0" i="1" smtClean="0">
-                          <a:latin typeface="Cambria Math"/>
-                          <a:ea typeface="Cambria Math"/>
-                        </a:rPr>
-                        <m:t>+ ∆</m:t>
-                      </m:r>
-                      <m:r>
-                        <a:rPr lang="en-US" b="0" i="1" smtClean="0">
-                          <a:latin typeface="Cambria Math"/>
-                          <a:ea typeface="Cambria Math"/>
-                        </a:rPr>
-                        <m:t>𝑃𝐸</m:t>
-                      </m:r>
+                      <m:acc>
+                        <m:accPr>
+                          <m:chr m:val="⃗"/>
+                          <m:ctrlPr>
+                            <a:rPr lang="en-US" b="0" i="1" smtClean="0">
+                              <a:latin typeface="Cambria Math" panose="02040503050406030204" pitchFamily="18" charset="0"/>
+                            </a:rPr>
+                          </m:ctrlPr>
+                        </m:accPr>
+                        <m:e>
+                          <m:r>
+                            <a:rPr lang="en-US" b="0" i="1" smtClean="0">
+                              <a:latin typeface="Cambria Math" panose="02040503050406030204" pitchFamily="18" charset="0"/>
+                            </a:rPr>
+                            <m:t>𝑎</m:t>
+                          </m:r>
+                        </m:e>
+                      </m:acc>
                     </m:oMath>
                   </m:oMathPara>
                 </a14:m>
+                <a:endParaRPr lang="en-US" b="1" dirty="0"/>
+              </a:p>
+              <a:p>
+                <a:r>
+                  <a:rPr lang="en-US" dirty="0"/>
+                  <a:t>If we add known and unknown values into this equation, it is known as the </a:t>
+                </a:r>
+                <a:r>
+                  <a:rPr lang="en-US" b="1" dirty="0"/>
+                  <a:t>equation of motion</a:t>
+                </a:r>
+                <a:r>
+                  <a:rPr lang="en-US" dirty="0"/>
+                  <a:t>.</a:t>
+                </a:r>
+              </a:p>
+              <a:p>
+                <a:r>
+                  <a:rPr lang="en-US" dirty="0"/>
+                  <a:t>It is important to remember that </a:t>
+                </a:r>
+                <a14:m>
+                  <m:oMath xmlns:m="http://schemas.openxmlformats.org/officeDocument/2006/math">
+                    <m:acc>
+                      <m:accPr>
+                        <m:chr m:val="⃗"/>
+                        <m:ctrlPr>
+                          <a:rPr lang="en-US" i="1">
+                            <a:latin typeface="Cambria Math" panose="02040503050406030204" pitchFamily="18" charset="0"/>
+                          </a:rPr>
+                        </m:ctrlPr>
+                      </m:accPr>
+                      <m:e>
+                        <m:r>
+                          <a:rPr lang="en-US" i="1">
+                            <a:latin typeface="Cambria Math" panose="02040503050406030204" pitchFamily="18" charset="0"/>
+                          </a:rPr>
+                          <m:t>𝐹</m:t>
+                        </m:r>
+                      </m:e>
+                    </m:acc>
+                  </m:oMath>
+                </a14:m>
+                <a:r>
+                  <a:rPr lang="en-US" dirty="0"/>
+                  <a:t> and </a:t>
+                </a:r>
+                <a14:m>
+                  <m:oMath xmlns:m="http://schemas.openxmlformats.org/officeDocument/2006/math">
+                    <m:acc>
+                      <m:accPr>
+                        <m:chr m:val="⃗"/>
+                        <m:ctrlPr>
+                          <a:rPr lang="en-US" i="1">
+                            <a:latin typeface="Cambria Math" panose="02040503050406030204" pitchFamily="18" charset="0"/>
+                          </a:rPr>
+                        </m:ctrlPr>
+                      </m:accPr>
+                      <m:e>
+                        <m:r>
+                          <a:rPr lang="en-US" i="1">
+                            <a:latin typeface="Cambria Math" panose="02040503050406030204" pitchFamily="18" charset="0"/>
+                          </a:rPr>
+                          <m:t>𝑎</m:t>
+                        </m:r>
+                      </m:e>
+                    </m:acc>
+                  </m:oMath>
+                </a14:m>
+                <a:r>
+                  <a:rPr lang="en-US" dirty="0"/>
+                  <a:t> are vectors, so in many cases we will break these force and acceleration vectors down into components and have </a:t>
+                </a:r>
+                <a:r>
+                  <a:rPr lang="en-US" b="1" dirty="0"/>
+                  <a:t>equations of motion</a:t>
+                </a:r>
+                <a:r>
+                  <a:rPr lang="en-US" dirty="0"/>
+                  <a:t> for each component direction.</a:t>
+                </a:r>
+              </a:p>
+              <a:p>
+                <a:r>
+                  <a:rPr lang="en-US" dirty="0"/>
+                  <a:t>By solving this equation (or equations) we can find either the forces given the accelerations, or the accelerations given the forces.</a:t>
+                </a:r>
+              </a:p>
+              <a:p>
                 <a:endParaRPr lang="en-US" dirty="0"/>
               </a:p>
             </p:txBody>
@@ -4570,10 +4011,14 @@
               </p:nvPr>
             </p:nvSpPr>
             <p:spPr>
+              <a:xfrm>
+                <a:off x="457200" y="1600200"/>
+                <a:ext cx="8229600" cy="4648200"/>
+              </a:xfrm>
               <a:blipFill>
                 <a:blip r:embed="rId2"/>
                 <a:stretch>
-                  <a:fillRect l="-1704" t="-1752" r="-519"/>
+                  <a:fillRect l="-1037" t="-2493" r="-148" b="-3150"/>
                 </a:stretch>
               </a:blipFill>
             </p:spPr>
@@ -4618,7 +4063,7 @@
     </p:spTree>
     <p:extLst>
       <p:ext uri="{BB962C8B-B14F-4D97-AF65-F5344CB8AC3E}">
-        <p14:creationId xmlns:p14="http://schemas.microsoft.com/office/powerpoint/2010/main" val="1446900397"/>
+        <p14:creationId xmlns:p14="http://schemas.microsoft.com/office/powerpoint/2010/main" val="371728822"/>
       </p:ext>
     </p:extLst>
   </p:cSld>
@@ -4780,6 +4225,104 @@
                       </p:childTnLst>
                     </p:cTn>
                   </p:par>
+                  <p:par>
+                    <p:cTn id="15" fill="hold">
+                      <p:stCondLst>
+                        <p:cond delay="indefinite"/>
+                      </p:stCondLst>
+                      <p:childTnLst>
+                        <p:par>
+                          <p:cTn id="16" fill="hold">
+                            <p:stCondLst>
+                              <p:cond delay="0"/>
+                            </p:stCondLst>
+                            <p:childTnLst>
+                              <p:par>
+                                <p:cTn id="17" presetID="1" presetClass="entr" presetSubtype="0" fill="hold" grpId="0" nodeType="clickEffect">
+                                  <p:stCondLst>
+                                    <p:cond delay="0"/>
+                                  </p:stCondLst>
+                                  <p:childTnLst>
+                                    <p:set>
+                                      <p:cBhvr>
+                                        <p:cTn id="18" dur="1" fill="hold">
+                                          <p:stCondLst>
+                                            <p:cond delay="0"/>
+                                          </p:stCondLst>
+                                        </p:cTn>
+                                        <p:tgtEl>
+                                          <p:spTgt spid="3">
+                                            <p:txEl>
+                                              <p:pRg st="3" end="3"/>
+                                            </p:txEl>
+                                          </p:spTgt>
+                                        </p:tgtEl>
+                                        <p:attrNameLst>
+                                          <p:attrName>style.visibility</p:attrName>
+                                        </p:attrNameLst>
+                                      </p:cBhvr>
+                                      <p:to>
+                                        <p:strVal val="visible"/>
+                                      </p:to>
+                                    </p:set>
+                                  </p:childTnLst>
+                                </p:cTn>
+                              </p:par>
+                            </p:childTnLst>
+                          </p:cTn>
+                        </p:par>
+                      </p:childTnLst>
+                    </p:cTn>
+                  </p:par>
+                  <p:par>
+                    <p:cTn id="19" fill="hold">
+                      <p:stCondLst>
+                        <p:cond delay="indefinite"/>
+                      </p:stCondLst>
+                      <p:childTnLst>
+                        <p:par>
+                          <p:cTn id="20" fill="hold">
+                            <p:stCondLst>
+                              <p:cond delay="0"/>
+                            </p:stCondLst>
+                            <p:childTnLst>
+                              <p:par>
+                                <p:cTn id="21" presetID="1" presetClass="entr" presetSubtype="0" fill="hold" grpId="0" nodeType="clickEffect">
+                                  <p:stCondLst>
+                                    <p:cond delay="0"/>
+                                  </p:stCondLst>
+                                  <p:childTnLst>
+                                    <p:set>
+                                      <p:cBhvr>
+                                        <p:cTn id="22" dur="1" fill="hold">
+                                          <p:stCondLst>
+                                            <p:cond delay="0"/>
+                                          </p:stCondLst>
+                                        </p:cTn>
+                                        <p:tgtEl>
+                                          <p:spTgt spid="3">
+                                            <p:txEl>
+                                              <p:pRg st="4" end="4"/>
+                                            </p:txEl>
+                                          </p:spTgt>
+                                        </p:tgtEl>
+                                        <p:attrNameLst>
+                                          <p:attrName>style.visibility</p:attrName>
+                                        </p:attrNameLst>
+                                      </p:cBhvr>
+                                      <p:to>
+                                        <p:strVal val="visible"/>
+                                      </p:to>
+                                    </p:set>
+                                  </p:childTnLst>
+                                </p:cTn>
+                              </p:par>
+                            </p:childTnLst>
+                          </p:cTn>
+                        </p:par>
+                      </p:childTnLst>
+                    </p:cTn>
+                  </p:par>
                 </p:childTnLst>
               </p:cTn>
               <p:prevCondLst>
@@ -4837,14 +4380,12 @@
         </p:nvSpPr>
         <p:spPr/>
         <p:txBody>
-          <a:bodyPr>
-            <a:normAutofit fontScale="90000"/>
-          </a:bodyPr>
+          <a:bodyPr/>
           <a:lstStyle/>
           <a:p>
             <a:r>
               <a:rPr lang="en-US" dirty="0"/>
-              <a:t>Work and Energy for Systems of Particles</a:t>
+              <a:t>Force Method in Two Dimensions</a:t>
             </a:r>
           </a:p>
         </p:txBody>
@@ -4864,20 +4405,17 @@
             <p:spPr/>
             <p:txBody>
               <a:bodyPr>
-                <a:normAutofit fontScale="77500" lnSpcReduction="20000"/>
+                <a:normAutofit fontScale="92500" lnSpcReduction="10000"/>
               </a:bodyPr>
               <a:lstStyle/>
               <a:p>
                 <a:r>
                   <a:rPr lang="en-US" dirty="0"/>
-                  <a:t>To find the work done to the overall system, we simply sum up the work done to each particle in the system.</a:t>
+                  <a:t>Now we will have two equations of motion for polar coordinates.</a:t>
                 </a:r>
               </a:p>
               <a:p>
-                <a:endParaRPr lang="en-US" dirty="0"/>
-              </a:p>
-              <a:p>
-                <a:pPr marL="0" indent="0">
+                <a:pPr marL="0" indent="0" algn="ctr">
                   <a:buNone/>
                 </a:pPr>
                 <a14:m>
@@ -4886,121 +4424,91 @@
                       <m:jc m:val="centerGroup"/>
                     </m:oMathParaPr>
                     <m:oMath xmlns:m="http://schemas.openxmlformats.org/officeDocument/2006/math">
-                      <m:sSub>
-                        <m:sSubPr>
-                          <m:ctrlPr>
-                            <a:rPr lang="en-US" i="1" smtClean="0">
-                              <a:latin typeface="Cambria Math" panose="02040503050406030204" pitchFamily="18" charset="0"/>
-                            </a:rPr>
-                          </m:ctrlPr>
-                        </m:sSubPr>
-                        <m:e>
-                          <m:r>
-                            <a:rPr lang="en-US" b="0" i="1" smtClean="0">
-                              <a:latin typeface="Cambria Math"/>
-                            </a:rPr>
-                            <m:t>𝑊</m:t>
-                          </m:r>
-                        </m:e>
-                        <m:sub>
-                          <m:r>
-                            <a:rPr lang="en-US" b="0" i="1" smtClean="0">
-                              <a:latin typeface="Cambria Math"/>
-                            </a:rPr>
-                            <m:t>𝑡𝑜𝑡𝑎𝑙</m:t>
-                          </m:r>
-                        </m:sub>
-                      </m:sSub>
-                      <m:r>
-                        <a:rPr lang="en-US" b="0" i="1" smtClean="0">
-                          <a:latin typeface="Cambria Math"/>
-                        </a:rPr>
-                        <m:t>=</m:t>
-                      </m:r>
-                      <m:sSub>
-                        <m:sSubPr>
-                          <m:ctrlPr>
-                            <a:rPr lang="en-US" b="0" i="1" smtClean="0">
-                              <a:latin typeface="Cambria Math" panose="02040503050406030204" pitchFamily="18" charset="0"/>
-                            </a:rPr>
-                          </m:ctrlPr>
-                        </m:sSubPr>
-                        <m:e>
-                          <m:r>
-                            <a:rPr lang="en-US" b="0" i="1" smtClean="0">
-                              <a:latin typeface="Cambria Math" panose="02040503050406030204" pitchFamily="18" charset="0"/>
-                            </a:rPr>
-                            <m:t>𝑊</m:t>
-                          </m:r>
-                        </m:e>
-                        <m:sub>
-                          <m:r>
-                            <a:rPr lang="en-US" b="0" i="1" smtClean="0">
-                              <a:latin typeface="Cambria Math" panose="02040503050406030204" pitchFamily="18" charset="0"/>
-                            </a:rPr>
-                            <m:t>1</m:t>
-                          </m:r>
-                        </m:sub>
-                      </m:sSub>
-                      <m:r>
-                        <a:rPr lang="en-US" b="0" i="1" smtClean="0">
-                          <a:latin typeface="Cambria Math" panose="02040503050406030204" pitchFamily="18" charset="0"/>
-                        </a:rPr>
-                        <m:t>+</m:t>
-                      </m:r>
-                      <m:sSub>
-                        <m:sSubPr>
+                      <m:nary>
+                        <m:naryPr>
+                          <m:chr m:val="∑"/>
+                          <m:subHide m:val="on"/>
+                          <m:supHide m:val="on"/>
                           <m:ctrlPr>
                             <a:rPr lang="en-US" i="1">
                               <a:latin typeface="Cambria Math" panose="02040503050406030204" pitchFamily="18" charset="0"/>
                             </a:rPr>
                           </m:ctrlPr>
-                        </m:sSubPr>
+                        </m:naryPr>
+                        <m:sub/>
+                        <m:sup/>
                         <m:e>
+                          <m:sSub>
+                            <m:sSubPr>
+                              <m:ctrlPr>
+                                <a:rPr lang="en-US" i="1">
+                                  <a:latin typeface="Cambria Math" panose="02040503050406030204" pitchFamily="18" charset="0"/>
+                                </a:rPr>
+                              </m:ctrlPr>
+                            </m:sSubPr>
+                            <m:e>
+                              <m:r>
+                                <a:rPr lang="en-US" i="1">
+                                  <a:latin typeface="Cambria Math"/>
+                                </a:rPr>
+                                <m:t>𝐹</m:t>
+                              </m:r>
+                            </m:e>
+                            <m:sub>
+                              <m:r>
+                                <a:rPr lang="en-US" b="0" i="1" smtClean="0">
+                                  <a:latin typeface="Cambria Math" panose="02040503050406030204" pitchFamily="18" charset="0"/>
+                                </a:rPr>
+                                <m:t>𝑟</m:t>
+                              </m:r>
+                            </m:sub>
+                          </m:sSub>
                           <m:r>
                             <a:rPr lang="en-US" i="1">
-                              <a:latin typeface="Cambria Math" panose="02040503050406030204" pitchFamily="18" charset="0"/>
+                              <a:latin typeface="Cambria Math"/>
                             </a:rPr>
-                            <m:t>𝑊</m:t>
+                            <m:t>=</m:t>
                           </m:r>
+                          <m:r>
+                            <a:rPr lang="en-US" i="1">
+                              <a:latin typeface="Cambria Math"/>
+                            </a:rPr>
+                            <m:t>𝑚</m:t>
+                          </m:r>
+                          <m:sSub>
+                            <m:sSubPr>
+                              <m:ctrlPr>
+                                <a:rPr lang="en-US" i="1">
+                                  <a:latin typeface="Cambria Math" panose="02040503050406030204" pitchFamily="18" charset="0"/>
+                                </a:rPr>
+                              </m:ctrlPr>
+                            </m:sSubPr>
+                            <m:e>
+                              <m:r>
+                                <a:rPr lang="en-US" i="1">
+                                  <a:latin typeface="Cambria Math"/>
+                                </a:rPr>
+                                <m:t>𝑎</m:t>
+                              </m:r>
+                            </m:e>
+                            <m:sub>
+                              <m:r>
+                                <a:rPr lang="en-US" b="0" i="1" smtClean="0">
+                                  <a:latin typeface="Cambria Math" panose="02040503050406030204" pitchFamily="18" charset="0"/>
+                                </a:rPr>
+                                <m:t>𝑟</m:t>
+                              </m:r>
+                            </m:sub>
+                          </m:sSub>
                         </m:e>
-                        <m:sub>
-                          <m:r>
-                            <a:rPr lang="en-US" b="0" i="1" smtClean="0">
-                              <a:latin typeface="Cambria Math" panose="02040503050406030204" pitchFamily="18" charset="0"/>
-                            </a:rPr>
-                            <m:t>2</m:t>
-                          </m:r>
-                        </m:sub>
-                      </m:sSub>
-                      <m:r>
-                        <a:rPr lang="en-US" b="0" i="1" smtClean="0">
-                          <a:latin typeface="Cambria Math" panose="02040503050406030204" pitchFamily="18" charset="0"/>
-                        </a:rPr>
-                        <m:t>+…</m:t>
-                      </m:r>
+                      </m:nary>
                     </m:oMath>
                   </m:oMathPara>
                 </a14:m>
                 <a:endParaRPr lang="en-US" dirty="0"/>
               </a:p>
               <a:p>
-                <a:pPr marL="0" indent="0">
-                  <a:buNone/>
-                </a:pPr>
-                <a:endParaRPr lang="en-US" dirty="0"/>
-              </a:p>
-              <a:p>
-                <a:r>
-                  <a:rPr lang="en-US" dirty="0"/>
-                  <a:t>To find the change in energy of the overall system we simply sum up the change in energies of each particle in the system.</a:t>
-                </a:r>
-              </a:p>
-              <a:p>
-                <a:endParaRPr lang="en-US" dirty="0"/>
-              </a:p>
-              <a:p>
-                <a:pPr marL="0" indent="0">
+                <a:pPr marL="0" indent="0" algn="ctr">
                   <a:buNone/>
                 </a:pPr>
                 <a14:m>
@@ -5009,307 +4517,96 @@
                       <m:jc m:val="centerGroup"/>
                     </m:oMathParaPr>
                     <m:oMath xmlns:m="http://schemas.openxmlformats.org/officeDocument/2006/math">
-                      <m:r>
-                        <m:rPr>
-                          <m:sty m:val="p"/>
-                        </m:rPr>
-                        <a:rPr lang="el-GR" i="1" smtClean="0">
-                          <a:latin typeface="Cambria Math" panose="02040503050406030204" pitchFamily="18" charset="0"/>
-                          <a:ea typeface="Cambria Math" panose="02040503050406030204" pitchFamily="18" charset="0"/>
-                        </a:rPr>
-                        <m:t>Δ</m:t>
-                      </m:r>
-                      <m:sSub>
-                        <m:sSubPr>
+                      <m:nary>
+                        <m:naryPr>
+                          <m:chr m:val="∑"/>
+                          <m:subHide m:val="on"/>
+                          <m:supHide m:val="on"/>
                           <m:ctrlPr>
                             <a:rPr lang="en-US" i="1">
                               <a:latin typeface="Cambria Math" panose="02040503050406030204" pitchFamily="18" charset="0"/>
                             </a:rPr>
                           </m:ctrlPr>
-                        </m:sSubPr>
+                        </m:naryPr>
+                        <m:sub/>
+                        <m:sup/>
                         <m:e>
-                          <m:r>
-                            <a:rPr lang="en-US" b="0" i="1" smtClean="0">
-                              <a:latin typeface="Cambria Math"/>
-                            </a:rPr>
-                            <m:t>𝐾𝐸</m:t>
-                          </m:r>
-                        </m:e>
-                        <m:sub>
+                          <m:sSub>
+                            <m:sSubPr>
+                              <m:ctrlPr>
+                                <a:rPr lang="en-US" i="1">
+                                  <a:latin typeface="Cambria Math" panose="02040503050406030204" pitchFamily="18" charset="0"/>
+                                </a:rPr>
+                              </m:ctrlPr>
+                            </m:sSubPr>
+                            <m:e>
+                              <m:r>
+                                <a:rPr lang="en-US" i="1">
+                                  <a:latin typeface="Cambria Math"/>
+                                </a:rPr>
+                                <m:t>𝐹</m:t>
+                              </m:r>
+                            </m:e>
+                            <m:sub>
+                              <m:r>
+                                <a:rPr lang="en-US" i="1">
+                                  <a:latin typeface="Cambria Math" panose="02040503050406030204" pitchFamily="18" charset="0"/>
+                                  <a:ea typeface="Cambria Math" panose="02040503050406030204" pitchFamily="18" charset="0"/>
+                                </a:rPr>
+                                <m:t>𝜃</m:t>
+                              </m:r>
+                            </m:sub>
+                          </m:sSub>
                           <m:r>
                             <a:rPr lang="en-US" i="1">
                               <a:latin typeface="Cambria Math"/>
                             </a:rPr>
-                            <m:t>𝑡𝑜𝑡𝑎𝑙</m:t>
+                            <m:t>=</m:t>
                           </m:r>
-                        </m:sub>
-                      </m:sSub>
-                      <m:r>
-                        <a:rPr lang="en-US" i="1">
-                          <a:latin typeface="Cambria Math"/>
-                        </a:rPr>
-                        <m:t>=</m:t>
-                      </m:r>
-                      <m:r>
-                        <m:rPr>
-                          <m:sty m:val="p"/>
-                        </m:rPr>
-                        <a:rPr lang="el-GR" i="1">
-                          <a:latin typeface="Cambria Math" panose="02040503050406030204" pitchFamily="18" charset="0"/>
-                          <a:ea typeface="Cambria Math" panose="02040503050406030204" pitchFamily="18" charset="0"/>
-                        </a:rPr>
-                        <m:t>Δ</m:t>
-                      </m:r>
-                      <m:sSub>
-                        <m:sSubPr>
-                          <m:ctrlPr>
-                            <a:rPr lang="en-US" i="1">
-                              <a:latin typeface="Cambria Math" panose="02040503050406030204" pitchFamily="18" charset="0"/>
-                            </a:rPr>
-                          </m:ctrlPr>
-                        </m:sSubPr>
-                        <m:e>
                           <m:r>
                             <a:rPr lang="en-US" i="1">
                               <a:latin typeface="Cambria Math"/>
                             </a:rPr>
-                            <m:t>𝐾𝐸</m:t>
+                            <m:t>𝑚</m:t>
                           </m:r>
+                          <m:sSub>
+                            <m:sSubPr>
+                              <m:ctrlPr>
+                                <a:rPr lang="en-US" i="1">
+                                  <a:latin typeface="Cambria Math" panose="02040503050406030204" pitchFamily="18" charset="0"/>
+                                </a:rPr>
+                              </m:ctrlPr>
+                            </m:sSubPr>
+                            <m:e>
+                              <m:r>
+                                <a:rPr lang="en-US" i="1">
+                                  <a:latin typeface="Cambria Math"/>
+                                </a:rPr>
+                                <m:t>𝑎</m:t>
+                              </m:r>
+                            </m:e>
+                            <m:sub>
+                              <m:r>
+                                <a:rPr lang="en-US" i="1">
+                                  <a:latin typeface="Cambria Math" panose="02040503050406030204" pitchFamily="18" charset="0"/>
+                                  <a:ea typeface="Cambria Math" panose="02040503050406030204" pitchFamily="18" charset="0"/>
+                                </a:rPr>
+                                <m:t>𝜃</m:t>
+                              </m:r>
+                            </m:sub>
+                          </m:sSub>
                         </m:e>
-                        <m:sub>
-                          <m:r>
-                            <a:rPr lang="en-US" b="0" i="1" smtClean="0">
-                              <a:latin typeface="Cambria Math" panose="02040503050406030204" pitchFamily="18" charset="0"/>
-                            </a:rPr>
-                            <m:t>1</m:t>
-                          </m:r>
-                        </m:sub>
-                      </m:sSub>
-                      <m:r>
-                        <a:rPr lang="en-US" i="1">
-                          <a:latin typeface="Cambria Math" panose="02040503050406030204" pitchFamily="18" charset="0"/>
-                        </a:rPr>
-                        <m:t>+</m:t>
-                      </m:r>
-                      <m:r>
-                        <m:rPr>
-                          <m:sty m:val="p"/>
-                        </m:rPr>
-                        <a:rPr lang="el-GR" i="1">
-                          <a:latin typeface="Cambria Math" panose="02040503050406030204" pitchFamily="18" charset="0"/>
-                          <a:ea typeface="Cambria Math" panose="02040503050406030204" pitchFamily="18" charset="0"/>
-                        </a:rPr>
-                        <m:t>Δ</m:t>
-                      </m:r>
-                      <m:sSub>
-                        <m:sSubPr>
-                          <m:ctrlPr>
-                            <a:rPr lang="en-US" i="1">
-                              <a:latin typeface="Cambria Math" panose="02040503050406030204" pitchFamily="18" charset="0"/>
-                            </a:rPr>
-                          </m:ctrlPr>
-                        </m:sSubPr>
-                        <m:e>
-                          <m:r>
-                            <a:rPr lang="en-US" i="1">
-                              <a:latin typeface="Cambria Math"/>
-                            </a:rPr>
-                            <m:t>𝐾𝐸</m:t>
-                          </m:r>
-                        </m:e>
-                        <m:sub>
-                          <m:r>
-                            <a:rPr lang="en-US" b="0" i="1" smtClean="0">
-                              <a:latin typeface="Cambria Math" panose="02040503050406030204" pitchFamily="18" charset="0"/>
-                            </a:rPr>
-                            <m:t>2</m:t>
-                          </m:r>
-                        </m:sub>
-                      </m:sSub>
-                      <m:r>
-                        <a:rPr lang="en-US" i="1">
-                          <a:latin typeface="Cambria Math" panose="02040503050406030204" pitchFamily="18" charset="0"/>
-                        </a:rPr>
-                        <m:t>+…</m:t>
-                      </m:r>
+                      </m:nary>
                     </m:oMath>
                   </m:oMathPara>
                 </a14:m>
                 <a:endParaRPr lang="en-US" dirty="0"/>
               </a:p>
               <a:p>
-                <a:pPr marL="0" indent="0">
-                  <a:buNone/>
-                </a:pPr>
-                <a:endParaRPr lang="en-US" dirty="0"/>
-              </a:p>
-              <a:p>
-                <a:pPr marL="0" indent="0">
-                  <a:buNone/>
-                </a:pPr>
-                <a14:m>
-                  <m:oMathPara xmlns:m="http://schemas.openxmlformats.org/officeDocument/2006/math">
-                    <m:oMathParaPr>
-                      <m:jc m:val="centerGroup"/>
-                    </m:oMathParaPr>
-                    <m:oMath xmlns:m="http://schemas.openxmlformats.org/officeDocument/2006/math">
-                      <m:r>
-                        <m:rPr>
-                          <m:sty m:val="p"/>
-                        </m:rPr>
-                        <a:rPr lang="el-GR" i="1">
-                          <a:latin typeface="Cambria Math" panose="02040503050406030204" pitchFamily="18" charset="0"/>
-                          <a:ea typeface="Cambria Math" panose="02040503050406030204" pitchFamily="18" charset="0"/>
-                        </a:rPr>
-                        <m:t>Δ</m:t>
-                      </m:r>
-                      <m:sSub>
-                        <m:sSubPr>
-                          <m:ctrlPr>
-                            <a:rPr lang="en-US" i="1">
-                              <a:latin typeface="Cambria Math" panose="02040503050406030204" pitchFamily="18" charset="0"/>
-                            </a:rPr>
-                          </m:ctrlPr>
-                        </m:sSubPr>
-                        <m:e>
-                          <m:r>
-                            <a:rPr lang="en-US" b="0" i="1" smtClean="0">
-                              <a:latin typeface="Cambria Math" panose="02040503050406030204" pitchFamily="18" charset="0"/>
-                            </a:rPr>
-                            <m:t>𝑃</m:t>
-                          </m:r>
-                          <m:r>
-                            <a:rPr lang="en-US" i="1">
-                              <a:latin typeface="Cambria Math"/>
-                            </a:rPr>
-                            <m:t>𝐸</m:t>
-                          </m:r>
-                        </m:e>
-                        <m:sub>
-                          <m:r>
-                            <a:rPr lang="en-US" i="1">
-                              <a:latin typeface="Cambria Math"/>
-                            </a:rPr>
-                            <m:t>𝑡𝑜𝑡𝑎𝑙</m:t>
-                          </m:r>
-                        </m:sub>
-                      </m:sSub>
-                      <m:r>
-                        <a:rPr lang="en-US" i="1">
-                          <a:latin typeface="Cambria Math"/>
-                        </a:rPr>
-                        <m:t>=</m:t>
-                      </m:r>
-                      <m:r>
-                        <m:rPr>
-                          <m:sty m:val="p"/>
-                        </m:rPr>
-                        <a:rPr lang="el-GR" i="1">
-                          <a:latin typeface="Cambria Math" panose="02040503050406030204" pitchFamily="18" charset="0"/>
-                          <a:ea typeface="Cambria Math" panose="02040503050406030204" pitchFamily="18" charset="0"/>
-                        </a:rPr>
-                        <m:t>Δ</m:t>
-                      </m:r>
-                      <m:sSub>
-                        <m:sSubPr>
-                          <m:ctrlPr>
-                            <a:rPr lang="en-US" i="1">
-                              <a:latin typeface="Cambria Math" panose="02040503050406030204" pitchFamily="18" charset="0"/>
-                            </a:rPr>
-                          </m:ctrlPr>
-                        </m:sSubPr>
-                        <m:e>
-                          <m:r>
-                            <a:rPr lang="en-US" b="0" i="1" smtClean="0">
-                              <a:latin typeface="Cambria Math" panose="02040503050406030204" pitchFamily="18" charset="0"/>
-                            </a:rPr>
-                            <m:t>𝑃</m:t>
-                          </m:r>
-                          <m:r>
-                            <a:rPr lang="en-US" i="1">
-                              <a:latin typeface="Cambria Math"/>
-                            </a:rPr>
-                            <m:t>𝐸</m:t>
-                          </m:r>
-                        </m:e>
-                        <m:sub>
-                          <m:r>
-                            <a:rPr lang="en-US" i="1">
-                              <a:latin typeface="Cambria Math" panose="02040503050406030204" pitchFamily="18" charset="0"/>
-                            </a:rPr>
-                            <m:t>1</m:t>
-                          </m:r>
-                        </m:sub>
-                      </m:sSub>
-                      <m:r>
-                        <a:rPr lang="en-US" i="1">
-                          <a:latin typeface="Cambria Math" panose="02040503050406030204" pitchFamily="18" charset="0"/>
-                        </a:rPr>
-                        <m:t>+</m:t>
-                      </m:r>
-                      <m:r>
-                        <m:rPr>
-                          <m:sty m:val="p"/>
-                        </m:rPr>
-                        <a:rPr lang="el-GR" i="1">
-                          <a:latin typeface="Cambria Math" panose="02040503050406030204" pitchFamily="18" charset="0"/>
-                          <a:ea typeface="Cambria Math" panose="02040503050406030204" pitchFamily="18" charset="0"/>
-                        </a:rPr>
-                        <m:t>Δ</m:t>
-                      </m:r>
-                      <m:sSub>
-                        <m:sSubPr>
-                          <m:ctrlPr>
-                            <a:rPr lang="en-US" i="1">
-                              <a:latin typeface="Cambria Math" panose="02040503050406030204" pitchFamily="18" charset="0"/>
-                            </a:rPr>
-                          </m:ctrlPr>
-                        </m:sSubPr>
-                        <m:e>
-                          <m:r>
-                            <a:rPr lang="en-US" b="0" i="1" smtClean="0">
-                              <a:latin typeface="Cambria Math" panose="02040503050406030204" pitchFamily="18" charset="0"/>
-                            </a:rPr>
-                            <m:t>𝑃</m:t>
-                          </m:r>
-                          <m:r>
-                            <a:rPr lang="en-US" i="1">
-                              <a:latin typeface="Cambria Math"/>
-                            </a:rPr>
-                            <m:t>𝐸</m:t>
-                          </m:r>
-                        </m:e>
-                        <m:sub>
-                          <m:r>
-                            <a:rPr lang="en-US" b="0" i="1" smtClean="0">
-                              <a:latin typeface="Cambria Math" panose="02040503050406030204" pitchFamily="18" charset="0"/>
-                            </a:rPr>
-                            <m:t>2</m:t>
-                          </m:r>
-                        </m:sub>
-                      </m:sSub>
-                      <m:r>
-                        <a:rPr lang="en-US" i="1">
-                          <a:latin typeface="Cambria Math" panose="02040503050406030204" pitchFamily="18" charset="0"/>
-                        </a:rPr>
-                        <m:t>+…</m:t>
-                      </m:r>
-                    </m:oMath>
-                  </m:oMathPara>
-                </a14:m>
-                <a:endParaRPr lang="en-US" dirty="0"/>
-              </a:p>
-              <a:p>
-                <a:pPr marL="0" indent="0">
-                  <a:buNone/>
-                </a:pPr>
-                <a:endParaRPr lang="en-US" dirty="0"/>
-              </a:p>
-              <a:p>
-                <a:pPr marL="0" indent="0">
-                  <a:buNone/>
-                </a:pPr>
-                <a:endParaRPr lang="en-US" dirty="0"/>
+                <a:r>
+                  <a:rPr lang="en-US" dirty="0"/>
+                  <a:t>The polar coordinate system is employed in instances where we are tracking an object from a ground point or instances of rotational motion.</a:t>
+                </a:r>
               </a:p>
             </p:txBody>
           </p:sp>
@@ -5329,7 +4626,7 @@
               <a:blipFill>
                 <a:blip r:embed="rId2"/>
                 <a:stretch>
-                  <a:fillRect l="-1037" t="-2561" r="-1037"/>
+                  <a:fillRect l="-1481" t="-2695" r="-1185" b="-2561"/>
                 </a:stretch>
               </a:blipFill>
             </p:spPr>
@@ -5374,2356 +4671,7 @@
     </p:spTree>
     <p:extLst>
       <p:ext uri="{BB962C8B-B14F-4D97-AF65-F5344CB8AC3E}">
-        <p14:creationId xmlns:p14="http://schemas.microsoft.com/office/powerpoint/2010/main" val="3356540134"/>
-      </p:ext>
-    </p:extLst>
-  </p:cSld>
-  <p:clrMapOvr>
-    <a:masterClrMapping/>
-  </p:clrMapOvr>
-  <p:timing>
-    <p:tnLst>
-      <p:par>
-        <p:cTn id="1" dur="indefinite" restart="never" nodeType="tmRoot">
-          <p:childTnLst>
-            <p:seq concurrent="1" nextAc="seek">
-              <p:cTn id="2" dur="indefinite" nodeType="mainSeq">
-                <p:childTnLst>
-                  <p:par>
-                    <p:cTn id="3" fill="hold">
-                      <p:stCondLst>
-                        <p:cond delay="indefinite"/>
-                      </p:stCondLst>
-                      <p:childTnLst>
-                        <p:par>
-                          <p:cTn id="4" fill="hold">
-                            <p:stCondLst>
-                              <p:cond delay="0"/>
-                            </p:stCondLst>
-                            <p:childTnLst>
-                              <p:par>
-                                <p:cTn id="5" presetID="1" presetClass="entr" presetSubtype="0" fill="hold" grpId="0" nodeType="clickEffect">
-                                  <p:stCondLst>
-                                    <p:cond delay="0"/>
-                                  </p:stCondLst>
-                                  <p:childTnLst>
-                                    <p:set>
-                                      <p:cBhvr>
-                                        <p:cTn id="6" dur="1" fill="hold">
-                                          <p:stCondLst>
-                                            <p:cond delay="0"/>
-                                          </p:stCondLst>
-                                        </p:cTn>
-                                        <p:tgtEl>
-                                          <p:spTgt spid="3">
-                                            <p:txEl>
-                                              <p:pRg st="0" end="0"/>
-                                            </p:txEl>
-                                          </p:spTgt>
-                                        </p:tgtEl>
-                                        <p:attrNameLst>
-                                          <p:attrName>style.visibility</p:attrName>
-                                        </p:attrNameLst>
-                                      </p:cBhvr>
-                                      <p:to>
-                                        <p:strVal val="visible"/>
-                                      </p:to>
-                                    </p:set>
-                                  </p:childTnLst>
-                                </p:cTn>
-                              </p:par>
-                            </p:childTnLst>
-                          </p:cTn>
-                        </p:par>
-                      </p:childTnLst>
-                    </p:cTn>
-                  </p:par>
-                  <p:par>
-                    <p:cTn id="7" fill="hold">
-                      <p:stCondLst>
-                        <p:cond delay="indefinite"/>
-                      </p:stCondLst>
-                      <p:childTnLst>
-                        <p:par>
-                          <p:cTn id="8" fill="hold">
-                            <p:stCondLst>
-                              <p:cond delay="0"/>
-                            </p:stCondLst>
-                            <p:childTnLst>
-                              <p:par>
-                                <p:cTn id="9" presetID="1" presetClass="entr" presetSubtype="0" fill="hold" grpId="0" nodeType="clickEffect">
-                                  <p:stCondLst>
-                                    <p:cond delay="0"/>
-                                  </p:stCondLst>
-                                  <p:childTnLst>
-                                    <p:set>
-                                      <p:cBhvr>
-                                        <p:cTn id="10" dur="1" fill="hold">
-                                          <p:stCondLst>
-                                            <p:cond delay="0"/>
-                                          </p:stCondLst>
-                                        </p:cTn>
-                                        <p:tgtEl>
-                                          <p:spTgt spid="3">
-                                            <p:txEl>
-                                              <p:pRg st="2" end="2"/>
-                                            </p:txEl>
-                                          </p:spTgt>
-                                        </p:tgtEl>
-                                        <p:attrNameLst>
-                                          <p:attrName>style.visibility</p:attrName>
-                                        </p:attrNameLst>
-                                      </p:cBhvr>
-                                      <p:to>
-                                        <p:strVal val="visible"/>
-                                      </p:to>
-                                    </p:set>
-                                  </p:childTnLst>
-                                </p:cTn>
-                              </p:par>
-                            </p:childTnLst>
-                          </p:cTn>
-                        </p:par>
-                      </p:childTnLst>
-                    </p:cTn>
-                  </p:par>
-                  <p:par>
-                    <p:cTn id="11" fill="hold">
-                      <p:stCondLst>
-                        <p:cond delay="indefinite"/>
-                      </p:stCondLst>
-                      <p:childTnLst>
-                        <p:par>
-                          <p:cTn id="12" fill="hold">
-                            <p:stCondLst>
-                              <p:cond delay="0"/>
-                            </p:stCondLst>
-                            <p:childTnLst>
-                              <p:par>
-                                <p:cTn id="13" presetID="1" presetClass="entr" presetSubtype="0" fill="hold" grpId="0" nodeType="clickEffect">
-                                  <p:stCondLst>
-                                    <p:cond delay="0"/>
-                                  </p:stCondLst>
-                                  <p:childTnLst>
-                                    <p:set>
-                                      <p:cBhvr>
-                                        <p:cTn id="14" dur="1" fill="hold">
-                                          <p:stCondLst>
-                                            <p:cond delay="0"/>
-                                          </p:stCondLst>
-                                        </p:cTn>
-                                        <p:tgtEl>
-                                          <p:spTgt spid="3">
-                                            <p:txEl>
-                                              <p:pRg st="4" end="4"/>
-                                            </p:txEl>
-                                          </p:spTgt>
-                                        </p:tgtEl>
-                                        <p:attrNameLst>
-                                          <p:attrName>style.visibility</p:attrName>
-                                        </p:attrNameLst>
-                                      </p:cBhvr>
-                                      <p:to>
-                                        <p:strVal val="visible"/>
-                                      </p:to>
-                                    </p:set>
-                                  </p:childTnLst>
-                                </p:cTn>
-                              </p:par>
-                            </p:childTnLst>
-                          </p:cTn>
-                        </p:par>
-                      </p:childTnLst>
-                    </p:cTn>
-                  </p:par>
-                  <p:par>
-                    <p:cTn id="15" fill="hold">
-                      <p:stCondLst>
-                        <p:cond delay="indefinite"/>
-                      </p:stCondLst>
-                      <p:childTnLst>
-                        <p:par>
-                          <p:cTn id="16" fill="hold">
-                            <p:stCondLst>
-                              <p:cond delay="0"/>
-                            </p:stCondLst>
-                            <p:childTnLst>
-                              <p:par>
-                                <p:cTn id="17" presetID="1" presetClass="entr" presetSubtype="0" fill="hold" grpId="0" nodeType="clickEffect">
-                                  <p:stCondLst>
-                                    <p:cond delay="0"/>
-                                  </p:stCondLst>
-                                  <p:childTnLst>
-                                    <p:set>
-                                      <p:cBhvr>
-                                        <p:cTn id="18" dur="1" fill="hold">
-                                          <p:stCondLst>
-                                            <p:cond delay="0"/>
-                                          </p:stCondLst>
-                                        </p:cTn>
-                                        <p:tgtEl>
-                                          <p:spTgt spid="3">
-                                            <p:txEl>
-                                              <p:pRg st="6" end="6"/>
-                                            </p:txEl>
-                                          </p:spTgt>
-                                        </p:tgtEl>
-                                        <p:attrNameLst>
-                                          <p:attrName>style.visibility</p:attrName>
-                                        </p:attrNameLst>
-                                      </p:cBhvr>
-                                      <p:to>
-                                        <p:strVal val="visible"/>
-                                      </p:to>
-                                    </p:set>
-                                  </p:childTnLst>
-                                </p:cTn>
-                              </p:par>
-                            </p:childTnLst>
-                          </p:cTn>
-                        </p:par>
-                      </p:childTnLst>
-                    </p:cTn>
-                  </p:par>
-                  <p:par>
-                    <p:cTn id="19" fill="hold">
-                      <p:stCondLst>
-                        <p:cond delay="indefinite"/>
-                      </p:stCondLst>
-                      <p:childTnLst>
-                        <p:par>
-                          <p:cTn id="20" fill="hold">
-                            <p:stCondLst>
-                              <p:cond delay="0"/>
-                            </p:stCondLst>
-                            <p:childTnLst>
-                              <p:par>
-                                <p:cTn id="21" presetID="1" presetClass="entr" presetSubtype="0" fill="hold" grpId="0" nodeType="clickEffect">
-                                  <p:stCondLst>
-                                    <p:cond delay="0"/>
-                                  </p:stCondLst>
-                                  <p:childTnLst>
-                                    <p:set>
-                                      <p:cBhvr>
-                                        <p:cTn id="22" dur="1" fill="hold">
-                                          <p:stCondLst>
-                                            <p:cond delay="0"/>
-                                          </p:stCondLst>
-                                        </p:cTn>
-                                        <p:tgtEl>
-                                          <p:spTgt spid="3">
-                                            <p:txEl>
-                                              <p:pRg st="8" end="8"/>
-                                            </p:txEl>
-                                          </p:spTgt>
-                                        </p:tgtEl>
-                                        <p:attrNameLst>
-                                          <p:attrName>style.visibility</p:attrName>
-                                        </p:attrNameLst>
-                                      </p:cBhvr>
-                                      <p:to>
-                                        <p:strVal val="visible"/>
-                                      </p:to>
-                                    </p:set>
-                                  </p:childTnLst>
-                                </p:cTn>
-                              </p:par>
-                            </p:childTnLst>
-                          </p:cTn>
-                        </p:par>
-                      </p:childTnLst>
-                    </p:cTn>
-                  </p:par>
-                </p:childTnLst>
-              </p:cTn>
-              <p:prevCondLst>
-                <p:cond evt="onPrev" delay="0">
-                  <p:tgtEl>
-                    <p:sldTgt/>
-                  </p:tgtEl>
-                </p:cond>
-              </p:prevCondLst>
-              <p:nextCondLst>
-                <p:cond evt="onNext" delay="0">
-                  <p:tgtEl>
-                    <p:sldTgt/>
-                  </p:tgtEl>
-                </p:cond>
-              </p:nextCondLst>
-            </p:seq>
-          </p:childTnLst>
-        </p:cTn>
-      </p:par>
-    </p:tnLst>
-    <p:bldLst>
-      <p:bldP spid="3" grpId="0" build="p"/>
-    </p:bldLst>
-  </p:timing>
-</p:sld>
-</file>
-
-<file path=ppt/slides/slide4.xml><?xml version="1.0" encoding="utf-8"?>
-<p:sld xmlns:a="http://schemas.openxmlformats.org/drawingml/2006/main" xmlns:r="http://schemas.openxmlformats.org/officeDocument/2006/relationships" xmlns:p="http://schemas.openxmlformats.org/presentationml/2006/main">
-  <p:cSld>
-    <p:spTree>
-      <p:nvGrpSpPr>
-        <p:cNvPr id="1" name=""/>
-        <p:cNvGrpSpPr/>
-        <p:nvPr/>
-      </p:nvGrpSpPr>
-      <p:grpSpPr>
-        <a:xfrm>
-          <a:off x="0" y="0"/>
-          <a:ext cx="0" cy="0"/>
-          <a:chOff x="0" y="0"/>
-          <a:chExt cx="0" cy="0"/>
-        </a:xfrm>
-      </p:grpSpPr>
-      <p:sp>
-        <p:nvSpPr>
-          <p:cNvPr id="2" name="Title 1">
-            <a:extLst>
-              <a:ext uri="{FF2B5EF4-FFF2-40B4-BE49-F238E27FC236}">
-                <a16:creationId xmlns:a16="http://schemas.microsoft.com/office/drawing/2014/main" id="{0DC8CFF1-7082-4B59-9FA5-54D2B6E0143B}"/>
-              </a:ext>
-            </a:extLst>
-          </p:cNvPr>
-          <p:cNvSpPr>
-            <a:spLocks noGrp="1"/>
-          </p:cNvSpPr>
-          <p:nvPr>
-            <p:ph type="title"/>
-          </p:nvPr>
-        </p:nvSpPr>
-        <p:spPr/>
-        <p:txBody>
-          <a:bodyPr/>
-          <a:lstStyle/>
-          <a:p>
-            <a:r>
-              <a:rPr lang="en-US" dirty="0"/>
-              <a:t>Internal vs. External Forces</a:t>
-            </a:r>
-          </a:p>
-        </p:txBody>
-      </p:sp>
-      <p:sp>
-        <p:nvSpPr>
-          <p:cNvPr id="3" name="Content Placeholder 2">
-            <a:extLst>
-              <a:ext uri="{FF2B5EF4-FFF2-40B4-BE49-F238E27FC236}">
-                <a16:creationId xmlns:a16="http://schemas.microsoft.com/office/drawing/2014/main" id="{578CA587-E740-47BD-AEB5-EA370397D666}"/>
-              </a:ext>
-            </a:extLst>
-          </p:cNvPr>
-          <p:cNvSpPr>
-            <a:spLocks noGrp="1"/>
-          </p:cNvSpPr>
-          <p:nvPr>
-            <p:ph idx="1"/>
-          </p:nvPr>
-        </p:nvSpPr>
-        <p:spPr/>
-        <p:txBody>
-          <a:bodyPr>
-            <a:normAutofit fontScale="92500"/>
-          </a:bodyPr>
-          <a:lstStyle/>
-          <a:p>
-            <a:r>
-              <a:rPr lang="en-US" dirty="0"/>
-              <a:t>Analyzing a system of particles (rather than analyzing each particle separately) can become advantageous, because we can </a:t>
-            </a:r>
-            <a:r>
-              <a:rPr lang="en-US" b="1" dirty="0"/>
-              <a:t>ignore the work done by internal forces</a:t>
-            </a:r>
-            <a:r>
-              <a:rPr lang="en-US" dirty="0"/>
-              <a:t> in our system</a:t>
-            </a:r>
-          </a:p>
-          <a:p>
-            <a:r>
-              <a:rPr lang="en-US" dirty="0"/>
-              <a:t>The reason we can ignore the work done by internal forces is because </a:t>
-            </a:r>
-            <a:r>
-              <a:rPr lang="en-US" b="1" dirty="0"/>
-              <a:t>these work terms will always cancel each other out</a:t>
-            </a:r>
-            <a:r>
-              <a:rPr lang="en-US" dirty="0"/>
-              <a:t>, because Newton’s Third Law ensures they will always be equal and opposite.</a:t>
-            </a:r>
-          </a:p>
-        </p:txBody>
-      </p:sp>
-    </p:spTree>
-    <p:extLst>
-      <p:ext uri="{BB962C8B-B14F-4D97-AF65-F5344CB8AC3E}">
-        <p14:creationId xmlns:p14="http://schemas.microsoft.com/office/powerpoint/2010/main" val="202986514"/>
-      </p:ext>
-    </p:extLst>
-  </p:cSld>
-  <p:clrMapOvr>
-    <a:masterClrMapping/>
-  </p:clrMapOvr>
-  <p:timing>
-    <p:tnLst>
-      <p:par>
-        <p:cTn id="1" dur="indefinite" restart="never" nodeType="tmRoot">
-          <p:childTnLst>
-            <p:seq concurrent="1" nextAc="seek">
-              <p:cTn id="2" dur="indefinite" nodeType="mainSeq">
-                <p:childTnLst>
-                  <p:par>
-                    <p:cTn id="3" fill="hold">
-                      <p:stCondLst>
-                        <p:cond delay="indefinite"/>
-                      </p:stCondLst>
-                      <p:childTnLst>
-                        <p:par>
-                          <p:cTn id="4" fill="hold">
-                            <p:stCondLst>
-                              <p:cond delay="0"/>
-                            </p:stCondLst>
-                            <p:childTnLst>
-                              <p:par>
-                                <p:cTn id="5" presetID="1" presetClass="entr" presetSubtype="0" fill="hold" grpId="0" nodeType="clickEffect">
-                                  <p:stCondLst>
-                                    <p:cond delay="0"/>
-                                  </p:stCondLst>
-                                  <p:childTnLst>
-                                    <p:set>
-                                      <p:cBhvr>
-                                        <p:cTn id="6" dur="1" fill="hold">
-                                          <p:stCondLst>
-                                            <p:cond delay="0"/>
-                                          </p:stCondLst>
-                                        </p:cTn>
-                                        <p:tgtEl>
-                                          <p:spTgt spid="3">
-                                            <p:txEl>
-                                              <p:pRg st="0" end="0"/>
-                                            </p:txEl>
-                                          </p:spTgt>
-                                        </p:tgtEl>
-                                        <p:attrNameLst>
-                                          <p:attrName>style.visibility</p:attrName>
-                                        </p:attrNameLst>
-                                      </p:cBhvr>
-                                      <p:to>
-                                        <p:strVal val="visible"/>
-                                      </p:to>
-                                    </p:set>
-                                  </p:childTnLst>
-                                </p:cTn>
-                              </p:par>
-                            </p:childTnLst>
-                          </p:cTn>
-                        </p:par>
-                      </p:childTnLst>
-                    </p:cTn>
-                  </p:par>
-                  <p:par>
-                    <p:cTn id="7" fill="hold">
-                      <p:stCondLst>
-                        <p:cond delay="indefinite"/>
-                      </p:stCondLst>
-                      <p:childTnLst>
-                        <p:par>
-                          <p:cTn id="8" fill="hold">
-                            <p:stCondLst>
-                              <p:cond delay="0"/>
-                            </p:stCondLst>
-                            <p:childTnLst>
-                              <p:par>
-                                <p:cTn id="9" presetID="1" presetClass="entr" presetSubtype="0" fill="hold" grpId="0" nodeType="clickEffect">
-                                  <p:stCondLst>
-                                    <p:cond delay="0"/>
-                                  </p:stCondLst>
-                                  <p:childTnLst>
-                                    <p:set>
-                                      <p:cBhvr>
-                                        <p:cTn id="10" dur="1" fill="hold">
-                                          <p:stCondLst>
-                                            <p:cond delay="0"/>
-                                          </p:stCondLst>
-                                        </p:cTn>
-                                        <p:tgtEl>
-                                          <p:spTgt spid="3">
-                                            <p:txEl>
-                                              <p:pRg st="1" end="1"/>
-                                            </p:txEl>
-                                          </p:spTgt>
-                                        </p:tgtEl>
-                                        <p:attrNameLst>
-                                          <p:attrName>style.visibility</p:attrName>
-                                        </p:attrNameLst>
-                                      </p:cBhvr>
-                                      <p:to>
-                                        <p:strVal val="visible"/>
-                                      </p:to>
-                                    </p:set>
-                                  </p:childTnLst>
-                                </p:cTn>
-                              </p:par>
-                            </p:childTnLst>
-                          </p:cTn>
-                        </p:par>
-                      </p:childTnLst>
-                    </p:cTn>
-                  </p:par>
-                </p:childTnLst>
-              </p:cTn>
-              <p:prevCondLst>
-                <p:cond evt="onPrev" delay="0">
-                  <p:tgtEl>
-                    <p:sldTgt/>
-                  </p:tgtEl>
-                </p:cond>
-              </p:prevCondLst>
-              <p:nextCondLst>
-                <p:cond evt="onNext" delay="0">
-                  <p:tgtEl>
-                    <p:sldTgt/>
-                  </p:tgtEl>
-                </p:cond>
-              </p:nextCondLst>
-            </p:seq>
-          </p:childTnLst>
-        </p:cTn>
-      </p:par>
-    </p:tnLst>
-    <p:bldLst>
-      <p:bldP spid="3" grpId="0" build="p"/>
-    </p:bldLst>
-  </p:timing>
-</p:sld>
-</file>
-
-<file path=ppt/slides/slide5.xml><?xml version="1.0" encoding="utf-8"?>
-<p:sld xmlns:a="http://schemas.openxmlformats.org/drawingml/2006/main" xmlns:r="http://schemas.openxmlformats.org/officeDocument/2006/relationships" xmlns:p="http://schemas.openxmlformats.org/presentationml/2006/main">
-  <p:cSld>
-    <p:spTree>
-      <p:nvGrpSpPr>
-        <p:cNvPr id="1" name=""/>
-        <p:cNvGrpSpPr/>
-        <p:nvPr/>
-      </p:nvGrpSpPr>
-      <p:grpSpPr>
-        <a:xfrm>
-          <a:off x="0" y="0"/>
-          <a:ext cx="0" cy="0"/>
-          <a:chOff x="0" y="0"/>
-          <a:chExt cx="0" cy="0"/>
-        </a:xfrm>
-      </p:grpSpPr>
-      <p:sp>
-        <p:nvSpPr>
-          <p:cNvPr id="2" name="Title 1">
-            <a:extLst>
-              <a:ext uri="{FF2B5EF4-FFF2-40B4-BE49-F238E27FC236}">
-                <a16:creationId xmlns:a16="http://schemas.microsoft.com/office/drawing/2014/main" id="{DD90B342-593A-47A2-A207-E7C59D24C593}"/>
-              </a:ext>
-            </a:extLst>
-          </p:cNvPr>
-          <p:cNvSpPr>
-            <a:spLocks noGrp="1"/>
-          </p:cNvSpPr>
-          <p:nvPr>
-            <p:ph type="title"/>
-          </p:nvPr>
-        </p:nvSpPr>
-        <p:spPr/>
-        <p:txBody>
-          <a:bodyPr/>
-          <a:lstStyle/>
-          <a:p>
-            <a:r>
-              <a:rPr lang="en-US" dirty="0"/>
-              <a:t>Internal vs. External Forces</a:t>
-            </a:r>
-          </a:p>
-        </p:txBody>
-      </p:sp>
-      <p:sp>
-        <p:nvSpPr>
-          <p:cNvPr id="3" name="Content Placeholder 2">
-            <a:extLst>
-              <a:ext uri="{FF2B5EF4-FFF2-40B4-BE49-F238E27FC236}">
-                <a16:creationId xmlns:a16="http://schemas.microsoft.com/office/drawing/2014/main" id="{AF29360F-3262-4E5C-B124-86090AAAB9D5}"/>
-              </a:ext>
-            </a:extLst>
-          </p:cNvPr>
-          <p:cNvSpPr>
-            <a:spLocks noGrp="1"/>
-          </p:cNvSpPr>
-          <p:nvPr>
-            <p:ph idx="1"/>
-          </p:nvPr>
-        </p:nvSpPr>
-        <p:spPr>
-          <a:xfrm>
-            <a:off x="457199" y="1600201"/>
-            <a:ext cx="8305791" cy="1651586"/>
-          </a:xfrm>
-        </p:spPr>
-        <p:txBody>
-          <a:bodyPr>
-            <a:normAutofit fontScale="85000" lnSpcReduction="20000"/>
-          </a:bodyPr>
-          <a:lstStyle/>
-          <a:p>
-            <a:r>
-              <a:rPr lang="en-US" dirty="0"/>
-              <a:t>An internal force is any force exerted between two bodies within the system.</a:t>
-            </a:r>
-          </a:p>
-          <a:p>
-            <a:r>
-              <a:rPr lang="en-US" dirty="0"/>
-              <a:t>An external force is any force exerted by something outside the system on one of the bodies on the system.</a:t>
-            </a:r>
-          </a:p>
-        </p:txBody>
-      </p:sp>
-      <p:sp>
-        <p:nvSpPr>
-          <p:cNvPr id="5" name="Rectangle 4">
-            <a:extLst>
-              <a:ext uri="{FF2B5EF4-FFF2-40B4-BE49-F238E27FC236}">
-                <a16:creationId xmlns:a16="http://schemas.microsoft.com/office/drawing/2014/main" id="{BC8100C4-DB6A-48FC-B98D-C54ACD48ED0D}"/>
-              </a:ext>
-            </a:extLst>
-          </p:cNvPr>
-          <p:cNvSpPr/>
-          <p:nvPr/>
-        </p:nvSpPr>
-        <p:spPr>
-          <a:xfrm>
-            <a:off x="457200" y="3352800"/>
-            <a:ext cx="1828800" cy="1219200"/>
-          </a:xfrm>
-          <a:prstGeom prst="rect">
-            <a:avLst/>
-          </a:prstGeom>
-        </p:spPr>
-        <p:style>
-          <a:lnRef idx="1">
-            <a:schemeClr val="dk1"/>
-          </a:lnRef>
-          <a:fillRef idx="2">
-            <a:schemeClr val="dk1"/>
-          </a:fillRef>
-          <a:effectRef idx="1">
-            <a:schemeClr val="dk1"/>
-          </a:effectRef>
-          <a:fontRef idx="minor">
-            <a:schemeClr val="dk1"/>
-          </a:fontRef>
-        </p:style>
-        <p:txBody>
-          <a:bodyPr rtlCol="0" anchor="ctr"/>
-          <a:lstStyle/>
-          <a:p>
-            <a:pPr algn="ctr"/>
-            <a:r>
-              <a:rPr lang="en-US" dirty="0"/>
-              <a:t>A</a:t>
-            </a:r>
-          </a:p>
-          <a:p>
-            <a:pPr algn="ctr"/>
-            <a:r>
-              <a:rPr lang="en-US" dirty="0"/>
-              <a:t>10 lbs</a:t>
-            </a:r>
-          </a:p>
-        </p:txBody>
-      </p:sp>
-      <p:sp>
-        <p:nvSpPr>
-          <p:cNvPr id="6" name="Rectangle 5">
-            <a:extLst>
-              <a:ext uri="{FF2B5EF4-FFF2-40B4-BE49-F238E27FC236}">
-                <a16:creationId xmlns:a16="http://schemas.microsoft.com/office/drawing/2014/main" id="{4A221A7B-E83A-4FAC-993E-520AFA1E8465}"/>
-              </a:ext>
-            </a:extLst>
-          </p:cNvPr>
-          <p:cNvSpPr/>
-          <p:nvPr/>
-        </p:nvSpPr>
-        <p:spPr>
-          <a:xfrm>
-            <a:off x="4343400" y="5334000"/>
-            <a:ext cx="914400" cy="1066800"/>
-          </a:xfrm>
-          <a:prstGeom prst="rect">
-            <a:avLst/>
-          </a:prstGeom>
-        </p:spPr>
-        <p:style>
-          <a:lnRef idx="1">
-            <a:schemeClr val="dk1"/>
-          </a:lnRef>
-          <a:fillRef idx="2">
-            <a:schemeClr val="dk1"/>
-          </a:fillRef>
-          <a:effectRef idx="1">
-            <a:schemeClr val="dk1"/>
-          </a:effectRef>
-          <a:fontRef idx="minor">
-            <a:schemeClr val="dk1"/>
-          </a:fontRef>
-        </p:style>
-        <p:txBody>
-          <a:bodyPr rtlCol="0" anchor="ctr"/>
-          <a:lstStyle/>
-          <a:p>
-            <a:pPr algn="ctr"/>
-            <a:r>
-              <a:rPr lang="en-US" dirty="0"/>
-              <a:t>B</a:t>
-            </a:r>
-          </a:p>
-          <a:p>
-            <a:pPr algn="ctr"/>
-            <a:r>
-              <a:rPr lang="en-US" dirty="0"/>
-              <a:t>5 lbs</a:t>
-            </a:r>
-          </a:p>
-        </p:txBody>
-      </p:sp>
-      <p:sp>
-        <p:nvSpPr>
-          <p:cNvPr id="7" name="Oval 6">
-            <a:extLst>
-              <a:ext uri="{FF2B5EF4-FFF2-40B4-BE49-F238E27FC236}">
-                <a16:creationId xmlns:a16="http://schemas.microsoft.com/office/drawing/2014/main" id="{4CD01DAB-4ECB-4EA8-A5B0-2A83EE5ED770}"/>
-              </a:ext>
-            </a:extLst>
-          </p:cNvPr>
-          <p:cNvSpPr/>
-          <p:nvPr/>
-        </p:nvSpPr>
-        <p:spPr>
-          <a:xfrm>
-            <a:off x="4191000" y="3962400"/>
-            <a:ext cx="609600" cy="609600"/>
-          </a:xfrm>
-          <a:prstGeom prst="ellipse">
-            <a:avLst/>
-          </a:prstGeom>
-        </p:spPr>
-        <p:style>
-          <a:lnRef idx="1">
-            <a:schemeClr val="dk1"/>
-          </a:lnRef>
-          <a:fillRef idx="2">
-            <a:schemeClr val="dk1"/>
-          </a:fillRef>
-          <a:effectRef idx="1">
-            <a:schemeClr val="dk1"/>
-          </a:effectRef>
-          <a:fontRef idx="minor">
-            <a:schemeClr val="dk1"/>
-          </a:fontRef>
-        </p:style>
-        <p:txBody>
-          <a:bodyPr rtlCol="0" anchor="ctr"/>
-          <a:lstStyle/>
-          <a:p>
-            <a:pPr algn="ctr"/>
-            <a:endParaRPr lang="en-US"/>
-          </a:p>
-        </p:txBody>
-      </p:sp>
-      <p:cxnSp>
-        <p:nvCxnSpPr>
-          <p:cNvPr id="8" name="Straight Connector 7">
-            <a:extLst>
-              <a:ext uri="{FF2B5EF4-FFF2-40B4-BE49-F238E27FC236}">
-                <a16:creationId xmlns:a16="http://schemas.microsoft.com/office/drawing/2014/main" id="{3F4013BF-2F1E-4CD9-86A6-A8B7011FFB67}"/>
-              </a:ext>
-            </a:extLst>
-          </p:cNvPr>
-          <p:cNvCxnSpPr>
-            <a:stCxn id="7" idx="0"/>
-            <a:endCxn id="5" idx="3"/>
-          </p:cNvCxnSpPr>
-          <p:nvPr/>
-        </p:nvCxnSpPr>
-        <p:spPr>
-          <a:xfrm flipH="1">
-            <a:off x="2286000" y="3962400"/>
-            <a:ext cx="2209800" cy="0"/>
-          </a:xfrm>
-          <a:prstGeom prst="line">
-            <a:avLst/>
-          </a:prstGeom>
-        </p:spPr>
-        <p:style>
-          <a:lnRef idx="2">
-            <a:schemeClr val="dk1"/>
-          </a:lnRef>
-          <a:fillRef idx="0">
-            <a:schemeClr val="dk1"/>
-          </a:fillRef>
-          <a:effectRef idx="1">
-            <a:schemeClr val="dk1"/>
-          </a:effectRef>
-          <a:fontRef idx="minor">
-            <a:schemeClr val="tx1"/>
-          </a:fontRef>
-        </p:style>
-      </p:cxnSp>
-      <p:cxnSp>
-        <p:nvCxnSpPr>
-          <p:cNvPr id="9" name="Straight Connector 8">
-            <a:extLst>
-              <a:ext uri="{FF2B5EF4-FFF2-40B4-BE49-F238E27FC236}">
-                <a16:creationId xmlns:a16="http://schemas.microsoft.com/office/drawing/2014/main" id="{7B68CCCE-D9B8-4CF4-99AA-0530DF41A50A}"/>
-              </a:ext>
-            </a:extLst>
-          </p:cNvPr>
-          <p:cNvCxnSpPr>
-            <a:stCxn id="7" idx="6"/>
-            <a:endCxn id="6" idx="0"/>
-          </p:cNvCxnSpPr>
-          <p:nvPr/>
-        </p:nvCxnSpPr>
-        <p:spPr>
-          <a:xfrm>
-            <a:off x="4800600" y="4267200"/>
-            <a:ext cx="0" cy="1066800"/>
-          </a:xfrm>
-          <a:prstGeom prst="line">
-            <a:avLst/>
-          </a:prstGeom>
-        </p:spPr>
-        <p:style>
-          <a:lnRef idx="2">
-            <a:schemeClr val="dk1"/>
-          </a:lnRef>
-          <a:fillRef idx="0">
-            <a:schemeClr val="dk1"/>
-          </a:fillRef>
-          <a:effectRef idx="1">
-            <a:schemeClr val="dk1"/>
-          </a:effectRef>
-          <a:fontRef idx="minor">
-            <a:schemeClr val="tx1"/>
-          </a:fontRef>
-        </p:style>
-      </p:cxnSp>
-      <p:sp>
-        <p:nvSpPr>
-          <p:cNvPr id="10" name="Rounded Rectangle 23">
-            <a:extLst>
-              <a:ext uri="{FF2B5EF4-FFF2-40B4-BE49-F238E27FC236}">
-                <a16:creationId xmlns:a16="http://schemas.microsoft.com/office/drawing/2014/main" id="{584292DA-40A2-4842-8E07-FFAA56FEF63C}"/>
-              </a:ext>
-            </a:extLst>
-          </p:cNvPr>
-          <p:cNvSpPr/>
-          <p:nvPr/>
-        </p:nvSpPr>
-        <p:spPr>
-          <a:xfrm rot="2700000">
-            <a:off x="4014106" y="3986728"/>
-            <a:ext cx="266700" cy="1295400"/>
-          </a:xfrm>
-          <a:prstGeom prst="roundRect">
-            <a:avLst>
-              <a:gd name="adj" fmla="val 50000"/>
-            </a:avLst>
-          </a:prstGeom>
-        </p:spPr>
-        <p:style>
-          <a:lnRef idx="1">
-            <a:schemeClr val="dk1"/>
-          </a:lnRef>
-          <a:fillRef idx="2">
-            <a:schemeClr val="dk1"/>
-          </a:fillRef>
-          <a:effectRef idx="1">
-            <a:schemeClr val="dk1"/>
-          </a:effectRef>
-          <a:fontRef idx="minor">
-            <a:schemeClr val="dk1"/>
-          </a:fontRef>
-        </p:style>
-        <p:txBody>
-          <a:bodyPr rtlCol="0" anchor="ctr"/>
-          <a:lstStyle/>
-          <a:p>
-            <a:pPr algn="ctr"/>
-            <a:endParaRPr lang="en-US"/>
-          </a:p>
-        </p:txBody>
-      </p:sp>
-      <p:sp>
-        <p:nvSpPr>
-          <p:cNvPr id="11" name="Oval 10">
-            <a:extLst>
-              <a:ext uri="{FF2B5EF4-FFF2-40B4-BE49-F238E27FC236}">
-                <a16:creationId xmlns:a16="http://schemas.microsoft.com/office/drawing/2014/main" id="{CA90FC9A-BB05-462C-BBA6-CAE09A1100D3}"/>
-              </a:ext>
-            </a:extLst>
-          </p:cNvPr>
-          <p:cNvSpPr/>
-          <p:nvPr/>
-        </p:nvSpPr>
-        <p:spPr>
-          <a:xfrm>
-            <a:off x="4457700" y="4229100"/>
-            <a:ext cx="76200" cy="76200"/>
-          </a:xfrm>
-          <a:prstGeom prst="ellipse">
-            <a:avLst/>
-          </a:prstGeom>
-        </p:spPr>
-        <p:style>
-          <a:lnRef idx="2">
-            <a:schemeClr val="dk1">
-              <a:shade val="50000"/>
-            </a:schemeClr>
-          </a:lnRef>
-          <a:fillRef idx="1">
-            <a:schemeClr val="dk1"/>
-          </a:fillRef>
-          <a:effectRef idx="0">
-            <a:schemeClr val="dk1"/>
-          </a:effectRef>
-          <a:fontRef idx="minor">
-            <a:schemeClr val="lt1"/>
-          </a:fontRef>
-        </p:style>
-        <p:txBody>
-          <a:bodyPr rtlCol="0" anchor="ctr"/>
-          <a:lstStyle/>
-          <a:p>
-            <a:pPr algn="ctr"/>
-            <a:endParaRPr lang="en-US"/>
-          </a:p>
-        </p:txBody>
-      </p:sp>
-      <p:sp>
-        <p:nvSpPr>
-          <p:cNvPr id="12" name="Snip and Round Single Corner Rectangle 9">
-            <a:extLst>
-              <a:ext uri="{FF2B5EF4-FFF2-40B4-BE49-F238E27FC236}">
-                <a16:creationId xmlns:a16="http://schemas.microsoft.com/office/drawing/2014/main" id="{9F254779-9C1A-430F-8D9C-88029EB08A55}"/>
-              </a:ext>
-            </a:extLst>
-          </p:cNvPr>
-          <p:cNvSpPr/>
-          <p:nvPr/>
-        </p:nvSpPr>
-        <p:spPr>
-          <a:xfrm>
-            <a:off x="0" y="4572000"/>
-            <a:ext cx="4191000" cy="2286000"/>
-          </a:xfrm>
-          <a:prstGeom prst="snipRoundRect">
-            <a:avLst>
-              <a:gd name="adj1" fmla="val 0"/>
-              <a:gd name="adj2" fmla="val 28667"/>
-            </a:avLst>
-          </a:prstGeom>
-          <a:solidFill>
-            <a:schemeClr val="bg2">
-              <a:lumMod val="75000"/>
-            </a:schemeClr>
-          </a:solidFill>
-          <a:ln>
-            <a:solidFill>
-              <a:schemeClr val="bg2">
-                <a:lumMod val="25000"/>
-              </a:schemeClr>
-            </a:solidFill>
-          </a:ln>
-        </p:spPr>
-        <p:style>
-          <a:lnRef idx="2">
-            <a:schemeClr val="accent6">
-              <a:shade val="50000"/>
-            </a:schemeClr>
-          </a:lnRef>
-          <a:fillRef idx="1">
-            <a:schemeClr val="accent6"/>
-          </a:fillRef>
-          <a:effectRef idx="0">
-            <a:schemeClr val="accent6"/>
-          </a:effectRef>
-          <a:fontRef idx="minor">
-            <a:schemeClr val="lt1"/>
-          </a:fontRef>
-        </p:style>
-        <p:txBody>
-          <a:bodyPr rtlCol="0" anchor="ctr"/>
-          <a:lstStyle/>
-          <a:p>
-            <a:pPr algn="ctr"/>
-            <a:endParaRPr lang="en-US"/>
-          </a:p>
-        </p:txBody>
-      </p:sp>
-      <p:cxnSp>
-        <p:nvCxnSpPr>
-          <p:cNvPr id="13" name="Straight Arrow Connector 12">
-            <a:extLst>
-              <a:ext uri="{FF2B5EF4-FFF2-40B4-BE49-F238E27FC236}">
-                <a16:creationId xmlns:a16="http://schemas.microsoft.com/office/drawing/2014/main" id="{649B6E05-FE14-4266-A344-7C558C057995}"/>
-              </a:ext>
-            </a:extLst>
-          </p:cNvPr>
-          <p:cNvCxnSpPr>
-            <a:cxnSpLocks/>
-          </p:cNvCxnSpPr>
-          <p:nvPr/>
-        </p:nvCxnSpPr>
-        <p:spPr>
-          <a:xfrm>
-            <a:off x="2286000" y="3962400"/>
-            <a:ext cx="762000" cy="0"/>
-          </a:xfrm>
-          <a:prstGeom prst="straightConnector1">
-            <a:avLst/>
-          </a:prstGeom>
-          <a:ln>
-            <a:solidFill>
-              <a:srgbClr val="FF0000"/>
-            </a:solidFill>
-            <a:tailEnd type="triangle"/>
-          </a:ln>
-        </p:spPr>
-        <p:style>
-          <a:lnRef idx="3">
-            <a:schemeClr val="accent2"/>
-          </a:lnRef>
-          <a:fillRef idx="0">
-            <a:schemeClr val="accent2"/>
-          </a:fillRef>
-          <a:effectRef idx="2">
-            <a:schemeClr val="accent2"/>
-          </a:effectRef>
-          <a:fontRef idx="minor">
-            <a:schemeClr val="tx1"/>
-          </a:fontRef>
-        </p:style>
-      </p:cxnSp>
-      <p:cxnSp>
-        <p:nvCxnSpPr>
-          <p:cNvPr id="14" name="Straight Arrow Connector 13">
-            <a:extLst>
-              <a:ext uri="{FF2B5EF4-FFF2-40B4-BE49-F238E27FC236}">
-                <a16:creationId xmlns:a16="http://schemas.microsoft.com/office/drawing/2014/main" id="{6981716E-883D-4527-B239-8B542447AE7A}"/>
-              </a:ext>
-            </a:extLst>
-          </p:cNvPr>
-          <p:cNvCxnSpPr>
-            <a:cxnSpLocks/>
-          </p:cNvCxnSpPr>
-          <p:nvPr/>
-        </p:nvCxnSpPr>
-        <p:spPr>
-          <a:xfrm flipH="1">
-            <a:off x="914400" y="4653280"/>
-            <a:ext cx="838200" cy="0"/>
-          </a:xfrm>
-          <a:prstGeom prst="straightConnector1">
-            <a:avLst/>
-          </a:prstGeom>
-          <a:ln>
-            <a:solidFill>
-              <a:srgbClr val="FF0000"/>
-            </a:solidFill>
-            <a:tailEnd type="triangle"/>
-          </a:ln>
-        </p:spPr>
-        <p:style>
-          <a:lnRef idx="3">
-            <a:schemeClr val="accent2"/>
-          </a:lnRef>
-          <a:fillRef idx="0">
-            <a:schemeClr val="accent2"/>
-          </a:fillRef>
-          <a:effectRef idx="2">
-            <a:schemeClr val="accent2"/>
-          </a:effectRef>
-          <a:fontRef idx="minor">
-            <a:schemeClr val="tx1"/>
-          </a:fontRef>
-        </p:style>
-      </p:cxnSp>
-      <p:cxnSp>
-        <p:nvCxnSpPr>
-          <p:cNvPr id="15" name="Straight Arrow Connector 14">
-            <a:extLst>
-              <a:ext uri="{FF2B5EF4-FFF2-40B4-BE49-F238E27FC236}">
-                <a16:creationId xmlns:a16="http://schemas.microsoft.com/office/drawing/2014/main" id="{E318255F-E829-4CA3-BBA1-271A5EBDFFA4}"/>
-              </a:ext>
-            </a:extLst>
-          </p:cNvPr>
-          <p:cNvCxnSpPr>
-            <a:cxnSpLocks/>
-          </p:cNvCxnSpPr>
-          <p:nvPr/>
-        </p:nvCxnSpPr>
-        <p:spPr>
-          <a:xfrm flipV="1">
-            <a:off x="4810760" y="4724400"/>
-            <a:ext cx="0" cy="609600"/>
-          </a:xfrm>
-          <a:prstGeom prst="straightConnector1">
-            <a:avLst/>
-          </a:prstGeom>
-          <a:ln>
-            <a:solidFill>
-              <a:srgbClr val="FF0000"/>
-            </a:solidFill>
-            <a:tailEnd type="triangle"/>
-          </a:ln>
-        </p:spPr>
-        <p:style>
-          <a:lnRef idx="3">
-            <a:schemeClr val="accent2"/>
-          </a:lnRef>
-          <a:fillRef idx="0">
-            <a:schemeClr val="accent2"/>
-          </a:fillRef>
-          <a:effectRef idx="2">
-            <a:schemeClr val="accent2"/>
-          </a:effectRef>
-          <a:fontRef idx="minor">
-            <a:schemeClr val="tx1"/>
-          </a:fontRef>
-        </p:style>
-      </p:cxnSp>
-      <p:sp>
-        <p:nvSpPr>
-          <p:cNvPr id="16" name="TextBox 15">
-            <a:extLst>
-              <a:ext uri="{FF2B5EF4-FFF2-40B4-BE49-F238E27FC236}">
-                <a16:creationId xmlns:a16="http://schemas.microsoft.com/office/drawing/2014/main" id="{76B3B790-8BE9-4C05-94D3-E46316FFBF05}"/>
-              </a:ext>
-            </a:extLst>
-          </p:cNvPr>
-          <p:cNvSpPr txBox="1"/>
-          <p:nvPr/>
-        </p:nvSpPr>
-        <p:spPr>
-          <a:xfrm>
-            <a:off x="2495271" y="3493254"/>
-            <a:ext cx="296876" cy="369332"/>
-          </a:xfrm>
-          <a:prstGeom prst="rect">
-            <a:avLst/>
-          </a:prstGeom>
-          <a:noFill/>
-        </p:spPr>
-        <p:txBody>
-          <a:bodyPr wrap="none" rtlCol="0">
-            <a:spAutoFit/>
-          </a:bodyPr>
-          <a:lstStyle/>
-          <a:p>
-            <a:r>
-              <a:rPr lang="en-US" b="1" dirty="0">
-                <a:solidFill>
-                  <a:srgbClr val="FF0000"/>
-                </a:solidFill>
-              </a:rPr>
-              <a:t>T</a:t>
-            </a:r>
-          </a:p>
-        </p:txBody>
-      </p:sp>
-      <p:sp>
-        <p:nvSpPr>
-          <p:cNvPr id="17" name="TextBox 16">
-            <a:extLst>
-              <a:ext uri="{FF2B5EF4-FFF2-40B4-BE49-F238E27FC236}">
-                <a16:creationId xmlns:a16="http://schemas.microsoft.com/office/drawing/2014/main" id="{C47F72C8-5DF5-454C-A249-93C581D204C7}"/>
-              </a:ext>
-            </a:extLst>
-          </p:cNvPr>
-          <p:cNvSpPr txBox="1"/>
-          <p:nvPr/>
-        </p:nvSpPr>
-        <p:spPr>
-          <a:xfrm>
-            <a:off x="4909766" y="4817382"/>
-            <a:ext cx="296876" cy="369332"/>
-          </a:xfrm>
-          <a:prstGeom prst="rect">
-            <a:avLst/>
-          </a:prstGeom>
-          <a:noFill/>
-        </p:spPr>
-        <p:txBody>
-          <a:bodyPr wrap="none" rtlCol="0">
-            <a:spAutoFit/>
-          </a:bodyPr>
-          <a:lstStyle/>
-          <a:p>
-            <a:r>
-              <a:rPr lang="en-US" b="1" dirty="0">
-                <a:solidFill>
-                  <a:srgbClr val="FF0000"/>
-                </a:solidFill>
-              </a:rPr>
-              <a:t>T</a:t>
-            </a:r>
-          </a:p>
-        </p:txBody>
-      </p:sp>
-      <p:sp>
-        <p:nvSpPr>
-          <p:cNvPr id="18" name="TextBox 17">
-            <a:extLst>
-              <a:ext uri="{FF2B5EF4-FFF2-40B4-BE49-F238E27FC236}">
-                <a16:creationId xmlns:a16="http://schemas.microsoft.com/office/drawing/2014/main" id="{811ECBF9-C2D5-423D-978F-041A61ECD6EF}"/>
-              </a:ext>
-            </a:extLst>
-          </p:cNvPr>
-          <p:cNvSpPr txBox="1"/>
-          <p:nvPr/>
-        </p:nvSpPr>
-        <p:spPr>
-          <a:xfrm>
-            <a:off x="1202323" y="4692526"/>
-            <a:ext cx="338554" cy="369332"/>
-          </a:xfrm>
-          <a:prstGeom prst="rect">
-            <a:avLst/>
-          </a:prstGeom>
-          <a:noFill/>
-        </p:spPr>
-        <p:txBody>
-          <a:bodyPr wrap="none" rtlCol="0">
-            <a:spAutoFit/>
-          </a:bodyPr>
-          <a:lstStyle/>
-          <a:p>
-            <a:r>
-              <a:rPr lang="en-US" b="1" dirty="0">
-                <a:solidFill>
-                  <a:srgbClr val="FF0000"/>
-                </a:solidFill>
-              </a:rPr>
-              <a:t>F</a:t>
-            </a:r>
-            <a:r>
-              <a:rPr lang="en-US" b="1" baseline="-25000" dirty="0">
-                <a:solidFill>
-                  <a:srgbClr val="FF0000"/>
-                </a:solidFill>
-              </a:rPr>
-              <a:t>f</a:t>
-            </a:r>
-          </a:p>
-        </p:txBody>
-      </p:sp>
-      <p:sp>
-        <p:nvSpPr>
-          <p:cNvPr id="19" name="Slide Number Placeholder 3">
-            <a:extLst>
-              <a:ext uri="{FF2B5EF4-FFF2-40B4-BE49-F238E27FC236}">
-                <a16:creationId xmlns:a16="http://schemas.microsoft.com/office/drawing/2014/main" id="{EC6024AA-FACC-4D3A-9048-E5674AF60A5B}"/>
-              </a:ext>
-            </a:extLst>
-          </p:cNvPr>
-          <p:cNvSpPr txBox="1">
-            <a:spLocks/>
-          </p:cNvSpPr>
-          <p:nvPr/>
-        </p:nvSpPr>
-        <p:spPr>
-          <a:xfrm>
-            <a:off x="6553200" y="6356350"/>
-            <a:ext cx="2133600" cy="365125"/>
-          </a:xfrm>
-          <a:prstGeom prst="rect">
-            <a:avLst/>
-          </a:prstGeom>
-        </p:spPr>
-        <p:txBody>
-          <a:bodyPr vert="horz" lIns="91440" tIns="45720" rIns="91440" bIns="45720" rtlCol="0" anchor="ctr"/>
-          <a:lstStyle>
-            <a:defPPr>
-              <a:defRPr lang="en-US"/>
-            </a:defPPr>
-            <a:lvl1pPr marL="0" algn="r" defTabSz="914400" rtl="0" eaLnBrk="1" latinLnBrk="0" hangingPunct="1">
-              <a:defRPr sz="1200" kern="1200">
-                <a:solidFill>
-                  <a:schemeClr val="accent1">
-                    <a:lumMod val="50000"/>
-                  </a:schemeClr>
-                </a:solidFill>
-                <a:latin typeface="+mn-lt"/>
-                <a:ea typeface="+mn-ea"/>
-                <a:cs typeface="+mn-cs"/>
-              </a:defRPr>
-            </a:lvl1pPr>
-            <a:lvl2pPr marL="457200" algn="l" defTabSz="914400" rtl="0" eaLnBrk="1" latinLnBrk="0" hangingPunct="1">
-              <a:defRPr sz="1800" kern="1200">
-                <a:solidFill>
-                  <a:schemeClr val="tx1"/>
-                </a:solidFill>
-                <a:latin typeface="+mn-lt"/>
-                <a:ea typeface="+mn-ea"/>
-                <a:cs typeface="+mn-cs"/>
-              </a:defRPr>
-            </a:lvl2pPr>
-            <a:lvl3pPr marL="914400" algn="l" defTabSz="914400" rtl="0" eaLnBrk="1" latinLnBrk="0" hangingPunct="1">
-              <a:defRPr sz="1800" kern="1200">
-                <a:solidFill>
-                  <a:schemeClr val="tx1"/>
-                </a:solidFill>
-                <a:latin typeface="+mn-lt"/>
-                <a:ea typeface="+mn-ea"/>
-                <a:cs typeface="+mn-cs"/>
-              </a:defRPr>
-            </a:lvl3pPr>
-            <a:lvl4pPr marL="1371600" algn="l" defTabSz="914400" rtl="0" eaLnBrk="1" latinLnBrk="0" hangingPunct="1">
-              <a:defRPr sz="1800" kern="1200">
-                <a:solidFill>
-                  <a:schemeClr val="tx1"/>
-                </a:solidFill>
-                <a:latin typeface="+mn-lt"/>
-                <a:ea typeface="+mn-ea"/>
-                <a:cs typeface="+mn-cs"/>
-              </a:defRPr>
-            </a:lvl4pPr>
-            <a:lvl5pPr marL="1828800" algn="l" defTabSz="914400" rtl="0" eaLnBrk="1" latinLnBrk="0" hangingPunct="1">
-              <a:defRPr sz="1800" kern="1200">
-                <a:solidFill>
-                  <a:schemeClr val="tx1"/>
-                </a:solidFill>
-                <a:latin typeface="+mn-lt"/>
-                <a:ea typeface="+mn-ea"/>
-                <a:cs typeface="+mn-cs"/>
-              </a:defRPr>
-            </a:lvl5pPr>
-            <a:lvl6pPr marL="2286000" algn="l" defTabSz="914400" rtl="0" eaLnBrk="1" latinLnBrk="0" hangingPunct="1">
-              <a:defRPr sz="1800" kern="1200">
-                <a:solidFill>
-                  <a:schemeClr val="tx1"/>
-                </a:solidFill>
-                <a:latin typeface="+mn-lt"/>
-                <a:ea typeface="+mn-ea"/>
-                <a:cs typeface="+mn-cs"/>
-              </a:defRPr>
-            </a:lvl6pPr>
-            <a:lvl7pPr marL="2743200" algn="l" defTabSz="914400" rtl="0" eaLnBrk="1" latinLnBrk="0" hangingPunct="1">
-              <a:defRPr sz="1800" kern="1200">
-                <a:solidFill>
-                  <a:schemeClr val="tx1"/>
-                </a:solidFill>
-                <a:latin typeface="+mn-lt"/>
-                <a:ea typeface="+mn-ea"/>
-                <a:cs typeface="+mn-cs"/>
-              </a:defRPr>
-            </a:lvl7pPr>
-            <a:lvl8pPr marL="3200400" algn="l" defTabSz="914400" rtl="0" eaLnBrk="1" latinLnBrk="0" hangingPunct="1">
-              <a:defRPr sz="1800" kern="1200">
-                <a:solidFill>
-                  <a:schemeClr val="tx1"/>
-                </a:solidFill>
-                <a:latin typeface="+mn-lt"/>
-                <a:ea typeface="+mn-ea"/>
-                <a:cs typeface="+mn-cs"/>
-              </a:defRPr>
-            </a:lvl8pPr>
-            <a:lvl9pPr marL="3657600" algn="l" defTabSz="914400" rtl="0" eaLnBrk="1" latinLnBrk="0" hangingPunct="1">
-              <a:defRPr sz="1800" kern="1200">
-                <a:solidFill>
-                  <a:schemeClr val="tx1"/>
-                </a:solidFill>
-                <a:latin typeface="+mn-lt"/>
-                <a:ea typeface="+mn-ea"/>
-                <a:cs typeface="+mn-cs"/>
-              </a:defRPr>
-            </a:lvl9pPr>
-          </a:lstStyle>
-          <a:p>
-            <a:fld id="{929262FE-7F58-4A1E-8AF3-5A510A86DEBD}" type="slidenum">
-              <a:rPr lang="en-US" smtClean="0"/>
-              <a:pPr/>
-              <a:t>5</a:t>
-            </a:fld>
-            <a:endParaRPr lang="en-US"/>
-          </a:p>
-        </p:txBody>
-      </p:sp>
-      <p:sp>
-        <p:nvSpPr>
-          <p:cNvPr id="20" name="Content Placeholder 2">
-            <a:extLst>
-              <a:ext uri="{FF2B5EF4-FFF2-40B4-BE49-F238E27FC236}">
-                <a16:creationId xmlns:a16="http://schemas.microsoft.com/office/drawing/2014/main" id="{FFD91B88-B25F-41C8-9F88-77C8BE7179D8}"/>
-              </a:ext>
-            </a:extLst>
-          </p:cNvPr>
-          <p:cNvSpPr txBox="1">
-            <a:spLocks/>
-          </p:cNvSpPr>
-          <p:nvPr/>
-        </p:nvSpPr>
-        <p:spPr>
-          <a:xfrm>
-            <a:off x="5638800" y="3291032"/>
-            <a:ext cx="3276600" cy="3109768"/>
-          </a:xfrm>
-          <a:prstGeom prst="rect">
-            <a:avLst/>
-          </a:prstGeom>
-        </p:spPr>
-        <p:txBody>
-          <a:bodyPr vert="horz" lIns="91440" tIns="45720" rIns="91440" bIns="45720" rtlCol="0">
-            <a:normAutofit fontScale="92500" lnSpcReduction="10000"/>
-          </a:bodyPr>
-          <a:lstStyle>
-            <a:lvl1pPr marL="342900" indent="-342900" algn="l" defTabSz="914400" rtl="0" eaLnBrk="1" latinLnBrk="0" hangingPunct="1">
-              <a:spcBef>
-                <a:spcPct val="20000"/>
-              </a:spcBef>
-              <a:buFont typeface="Arial" panose="020B0604020202020204" pitchFamily="34" charset="0"/>
-              <a:buChar char="•"/>
-              <a:defRPr sz="3200" kern="1200">
-                <a:solidFill>
-                  <a:schemeClr val="accent1">
-                    <a:lumMod val="50000"/>
-                  </a:schemeClr>
-                </a:solidFill>
-                <a:latin typeface="+mn-lt"/>
-                <a:ea typeface="+mn-ea"/>
-                <a:cs typeface="+mn-cs"/>
-              </a:defRPr>
-            </a:lvl1pPr>
-            <a:lvl2pPr marL="742950" indent="-285750" algn="l" defTabSz="914400" rtl="0" eaLnBrk="1" latinLnBrk="0" hangingPunct="1">
-              <a:spcBef>
-                <a:spcPct val="20000"/>
-              </a:spcBef>
-              <a:buFont typeface="Arial" panose="020B0604020202020204" pitchFamily="34" charset="0"/>
-              <a:buChar char="–"/>
-              <a:defRPr sz="2800" kern="1200">
-                <a:solidFill>
-                  <a:schemeClr val="accent1">
-                    <a:lumMod val="50000"/>
-                  </a:schemeClr>
-                </a:solidFill>
-                <a:latin typeface="+mn-lt"/>
-                <a:ea typeface="+mn-ea"/>
-                <a:cs typeface="+mn-cs"/>
-              </a:defRPr>
-            </a:lvl2pPr>
-            <a:lvl3pPr marL="1143000" indent="-228600" algn="l" defTabSz="914400" rtl="0" eaLnBrk="1" latinLnBrk="0" hangingPunct="1">
-              <a:spcBef>
-                <a:spcPct val="20000"/>
-              </a:spcBef>
-              <a:buFont typeface="Arial" panose="020B0604020202020204" pitchFamily="34" charset="0"/>
-              <a:buChar char="•"/>
-              <a:defRPr sz="2400" kern="1200">
-                <a:solidFill>
-                  <a:schemeClr val="accent1">
-                    <a:lumMod val="50000"/>
-                  </a:schemeClr>
-                </a:solidFill>
-                <a:latin typeface="+mn-lt"/>
-                <a:ea typeface="+mn-ea"/>
-                <a:cs typeface="+mn-cs"/>
-              </a:defRPr>
-            </a:lvl3pPr>
-            <a:lvl4pPr marL="1600200" indent="-228600" algn="l" defTabSz="914400" rtl="0" eaLnBrk="1" latinLnBrk="0" hangingPunct="1">
-              <a:spcBef>
-                <a:spcPct val="20000"/>
-              </a:spcBef>
-              <a:buFont typeface="Arial" panose="020B0604020202020204" pitchFamily="34" charset="0"/>
-              <a:buChar char="–"/>
-              <a:defRPr sz="2000" kern="1200">
-                <a:solidFill>
-                  <a:schemeClr val="accent1">
-                    <a:lumMod val="50000"/>
-                  </a:schemeClr>
-                </a:solidFill>
-                <a:latin typeface="+mn-lt"/>
-                <a:ea typeface="+mn-ea"/>
-                <a:cs typeface="+mn-cs"/>
-              </a:defRPr>
-            </a:lvl4pPr>
-            <a:lvl5pPr marL="2057400" indent="-228600" algn="l" defTabSz="914400" rtl="0" eaLnBrk="1" latinLnBrk="0" hangingPunct="1">
-              <a:spcBef>
-                <a:spcPct val="20000"/>
-              </a:spcBef>
-              <a:buFont typeface="Arial" panose="020B0604020202020204" pitchFamily="34" charset="0"/>
-              <a:buChar char="»"/>
-              <a:defRPr sz="2000" kern="1200">
-                <a:solidFill>
-                  <a:schemeClr val="accent1">
-                    <a:lumMod val="50000"/>
-                  </a:schemeClr>
-                </a:solidFill>
-                <a:latin typeface="+mn-lt"/>
-                <a:ea typeface="+mn-ea"/>
-                <a:cs typeface="+mn-cs"/>
-              </a:defRPr>
-            </a:lvl5pPr>
-            <a:lvl6pPr marL="2514600" indent="-228600" algn="l" defTabSz="914400" rtl="0" eaLnBrk="1" latinLnBrk="0" hangingPunct="1">
-              <a:spcBef>
-                <a:spcPct val="20000"/>
-              </a:spcBef>
-              <a:buFont typeface="Arial" panose="020B0604020202020204" pitchFamily="34" charset="0"/>
-              <a:buChar char="•"/>
-              <a:defRPr sz="2000" kern="1200">
-                <a:solidFill>
-                  <a:schemeClr val="tx1"/>
-                </a:solidFill>
-                <a:latin typeface="+mn-lt"/>
-                <a:ea typeface="+mn-ea"/>
-                <a:cs typeface="+mn-cs"/>
-              </a:defRPr>
-            </a:lvl6pPr>
-            <a:lvl7pPr marL="2971800" indent="-228600" algn="l" defTabSz="914400" rtl="0" eaLnBrk="1" latinLnBrk="0" hangingPunct="1">
-              <a:spcBef>
-                <a:spcPct val="20000"/>
-              </a:spcBef>
-              <a:buFont typeface="Arial" panose="020B0604020202020204" pitchFamily="34" charset="0"/>
-              <a:buChar char="•"/>
-              <a:defRPr sz="2000" kern="1200">
-                <a:solidFill>
-                  <a:schemeClr val="tx1"/>
-                </a:solidFill>
-                <a:latin typeface="+mn-lt"/>
-                <a:ea typeface="+mn-ea"/>
-                <a:cs typeface="+mn-cs"/>
-              </a:defRPr>
-            </a:lvl7pPr>
-            <a:lvl8pPr marL="3429000" indent="-228600" algn="l" defTabSz="914400" rtl="0" eaLnBrk="1" latinLnBrk="0" hangingPunct="1">
-              <a:spcBef>
-                <a:spcPct val="20000"/>
-              </a:spcBef>
-              <a:buFont typeface="Arial" panose="020B0604020202020204" pitchFamily="34" charset="0"/>
-              <a:buChar char="•"/>
-              <a:defRPr sz="2000" kern="1200">
-                <a:solidFill>
-                  <a:schemeClr val="tx1"/>
-                </a:solidFill>
-                <a:latin typeface="+mn-lt"/>
-                <a:ea typeface="+mn-ea"/>
-                <a:cs typeface="+mn-cs"/>
-              </a:defRPr>
-            </a:lvl8pPr>
-            <a:lvl9pPr marL="3886200" indent="-228600" algn="l" defTabSz="914400" rtl="0" eaLnBrk="1" latinLnBrk="0" hangingPunct="1">
-              <a:spcBef>
-                <a:spcPct val="20000"/>
-              </a:spcBef>
-              <a:buFont typeface="Arial" panose="020B0604020202020204" pitchFamily="34" charset="0"/>
-              <a:buChar char="•"/>
-              <a:defRPr sz="2000" kern="1200">
-                <a:solidFill>
-                  <a:schemeClr val="tx1"/>
-                </a:solidFill>
-                <a:latin typeface="+mn-lt"/>
-                <a:ea typeface="+mn-ea"/>
-                <a:cs typeface="+mn-cs"/>
-              </a:defRPr>
-            </a:lvl9pPr>
-          </a:lstStyle>
-          <a:p>
-            <a:r>
-              <a:rPr lang="en-US" dirty="0">
-                <a:solidFill>
-                  <a:schemeClr val="tx1"/>
-                </a:solidFill>
-              </a:rPr>
-              <a:t>The tension forces in this system are internal forces</a:t>
-            </a:r>
-          </a:p>
-          <a:p>
-            <a:r>
-              <a:rPr lang="en-US" dirty="0">
-                <a:solidFill>
-                  <a:schemeClr val="tx1"/>
-                </a:solidFill>
-              </a:rPr>
-              <a:t>The friction force is an external force </a:t>
-            </a:r>
-          </a:p>
-        </p:txBody>
-      </p:sp>
-    </p:spTree>
-    <p:extLst>
-      <p:ext uri="{BB962C8B-B14F-4D97-AF65-F5344CB8AC3E}">
-        <p14:creationId xmlns:p14="http://schemas.microsoft.com/office/powerpoint/2010/main" val="2133938578"/>
-      </p:ext>
-    </p:extLst>
-  </p:cSld>
-  <p:clrMapOvr>
-    <a:masterClrMapping/>
-  </p:clrMapOvr>
-  <p:timing>
-    <p:tnLst>
-      <p:par>
-        <p:cTn id="1" dur="indefinite" restart="never" nodeType="tmRoot">
-          <p:childTnLst>
-            <p:seq concurrent="1" nextAc="seek">
-              <p:cTn id="2" dur="indefinite" nodeType="mainSeq">
-                <p:childTnLst>
-                  <p:par>
-                    <p:cTn id="3" fill="hold">
-                      <p:stCondLst>
-                        <p:cond delay="indefinite"/>
-                      </p:stCondLst>
-                      <p:childTnLst>
-                        <p:par>
-                          <p:cTn id="4" fill="hold">
-                            <p:stCondLst>
-                              <p:cond delay="0"/>
-                            </p:stCondLst>
-                            <p:childTnLst>
-                              <p:par>
-                                <p:cTn id="5" presetID="1" presetClass="entr" presetSubtype="0" fill="hold" grpId="0" nodeType="clickEffect">
-                                  <p:stCondLst>
-                                    <p:cond delay="0"/>
-                                  </p:stCondLst>
-                                  <p:childTnLst>
-                                    <p:set>
-                                      <p:cBhvr>
-                                        <p:cTn id="6" dur="1" fill="hold">
-                                          <p:stCondLst>
-                                            <p:cond delay="0"/>
-                                          </p:stCondLst>
-                                        </p:cTn>
-                                        <p:tgtEl>
-                                          <p:spTgt spid="3">
-                                            <p:txEl>
-                                              <p:pRg st="0" end="0"/>
-                                            </p:txEl>
-                                          </p:spTgt>
-                                        </p:tgtEl>
-                                        <p:attrNameLst>
-                                          <p:attrName>style.visibility</p:attrName>
-                                        </p:attrNameLst>
-                                      </p:cBhvr>
-                                      <p:to>
-                                        <p:strVal val="visible"/>
-                                      </p:to>
-                                    </p:set>
-                                  </p:childTnLst>
-                                </p:cTn>
-                              </p:par>
-                            </p:childTnLst>
-                          </p:cTn>
-                        </p:par>
-                      </p:childTnLst>
-                    </p:cTn>
-                  </p:par>
-                  <p:par>
-                    <p:cTn id="7" fill="hold">
-                      <p:stCondLst>
-                        <p:cond delay="indefinite"/>
-                      </p:stCondLst>
-                      <p:childTnLst>
-                        <p:par>
-                          <p:cTn id="8" fill="hold">
-                            <p:stCondLst>
-                              <p:cond delay="0"/>
-                            </p:stCondLst>
-                            <p:childTnLst>
-                              <p:par>
-                                <p:cTn id="9" presetID="1" presetClass="entr" presetSubtype="0" fill="hold" grpId="0" nodeType="clickEffect">
-                                  <p:stCondLst>
-                                    <p:cond delay="0"/>
-                                  </p:stCondLst>
-                                  <p:childTnLst>
-                                    <p:set>
-                                      <p:cBhvr>
-                                        <p:cTn id="10" dur="1" fill="hold">
-                                          <p:stCondLst>
-                                            <p:cond delay="0"/>
-                                          </p:stCondLst>
-                                        </p:cTn>
-                                        <p:tgtEl>
-                                          <p:spTgt spid="3">
-                                            <p:txEl>
-                                              <p:pRg st="1" end="1"/>
-                                            </p:txEl>
-                                          </p:spTgt>
-                                        </p:tgtEl>
-                                        <p:attrNameLst>
-                                          <p:attrName>style.visibility</p:attrName>
-                                        </p:attrNameLst>
-                                      </p:cBhvr>
-                                      <p:to>
-                                        <p:strVal val="visible"/>
-                                      </p:to>
-                                    </p:set>
-                                  </p:childTnLst>
-                                </p:cTn>
-                              </p:par>
-                            </p:childTnLst>
-                          </p:cTn>
-                        </p:par>
-                      </p:childTnLst>
-                    </p:cTn>
-                  </p:par>
-                  <p:par>
-                    <p:cTn id="11" fill="hold">
-                      <p:stCondLst>
-                        <p:cond delay="indefinite"/>
-                      </p:stCondLst>
-                      <p:childTnLst>
-                        <p:par>
-                          <p:cTn id="12" fill="hold">
-                            <p:stCondLst>
-                              <p:cond delay="0"/>
-                            </p:stCondLst>
-                            <p:childTnLst>
-                              <p:par>
-                                <p:cTn id="13" presetID="1" presetClass="entr" presetSubtype="0" fill="hold" grpId="0" nodeType="clickEffect">
-                                  <p:stCondLst>
-                                    <p:cond delay="0"/>
-                                  </p:stCondLst>
-                                  <p:childTnLst>
-                                    <p:set>
-                                      <p:cBhvr>
-                                        <p:cTn id="14" dur="1" fill="hold">
-                                          <p:stCondLst>
-                                            <p:cond delay="0"/>
-                                          </p:stCondLst>
-                                        </p:cTn>
-                                        <p:tgtEl>
-                                          <p:spTgt spid="5"/>
-                                        </p:tgtEl>
-                                        <p:attrNameLst>
-                                          <p:attrName>style.visibility</p:attrName>
-                                        </p:attrNameLst>
-                                      </p:cBhvr>
-                                      <p:to>
-                                        <p:strVal val="visible"/>
-                                      </p:to>
-                                    </p:set>
-                                  </p:childTnLst>
-                                </p:cTn>
-                              </p:par>
-                              <p:par>
-                                <p:cTn id="15" presetID="1" presetClass="entr" presetSubtype="0" fill="hold" grpId="0" nodeType="withEffect">
-                                  <p:stCondLst>
-                                    <p:cond delay="0"/>
-                                  </p:stCondLst>
-                                  <p:childTnLst>
-                                    <p:set>
-                                      <p:cBhvr>
-                                        <p:cTn id="16" dur="1" fill="hold">
-                                          <p:stCondLst>
-                                            <p:cond delay="0"/>
-                                          </p:stCondLst>
-                                        </p:cTn>
-                                        <p:tgtEl>
-                                          <p:spTgt spid="6"/>
-                                        </p:tgtEl>
-                                        <p:attrNameLst>
-                                          <p:attrName>style.visibility</p:attrName>
-                                        </p:attrNameLst>
-                                      </p:cBhvr>
-                                      <p:to>
-                                        <p:strVal val="visible"/>
-                                      </p:to>
-                                    </p:set>
-                                  </p:childTnLst>
-                                </p:cTn>
-                              </p:par>
-                              <p:par>
-                                <p:cTn id="17" presetID="1" presetClass="entr" presetSubtype="0" fill="hold" grpId="0" nodeType="withEffect">
-                                  <p:stCondLst>
-                                    <p:cond delay="0"/>
-                                  </p:stCondLst>
-                                  <p:childTnLst>
-                                    <p:set>
-                                      <p:cBhvr>
-                                        <p:cTn id="18" dur="1" fill="hold">
-                                          <p:stCondLst>
-                                            <p:cond delay="0"/>
-                                          </p:stCondLst>
-                                        </p:cTn>
-                                        <p:tgtEl>
-                                          <p:spTgt spid="7"/>
-                                        </p:tgtEl>
-                                        <p:attrNameLst>
-                                          <p:attrName>style.visibility</p:attrName>
-                                        </p:attrNameLst>
-                                      </p:cBhvr>
-                                      <p:to>
-                                        <p:strVal val="visible"/>
-                                      </p:to>
-                                    </p:set>
-                                  </p:childTnLst>
-                                </p:cTn>
-                              </p:par>
-                              <p:par>
-                                <p:cTn id="19" presetID="1" presetClass="entr" presetSubtype="0" fill="hold" nodeType="withEffect">
-                                  <p:stCondLst>
-                                    <p:cond delay="0"/>
-                                  </p:stCondLst>
-                                  <p:childTnLst>
-                                    <p:set>
-                                      <p:cBhvr>
-                                        <p:cTn id="20" dur="1" fill="hold">
-                                          <p:stCondLst>
-                                            <p:cond delay="0"/>
-                                          </p:stCondLst>
-                                        </p:cTn>
-                                        <p:tgtEl>
-                                          <p:spTgt spid="8"/>
-                                        </p:tgtEl>
-                                        <p:attrNameLst>
-                                          <p:attrName>style.visibility</p:attrName>
-                                        </p:attrNameLst>
-                                      </p:cBhvr>
-                                      <p:to>
-                                        <p:strVal val="visible"/>
-                                      </p:to>
-                                    </p:set>
-                                  </p:childTnLst>
-                                </p:cTn>
-                              </p:par>
-                              <p:par>
-                                <p:cTn id="21" presetID="1" presetClass="entr" presetSubtype="0" fill="hold" nodeType="withEffect">
-                                  <p:stCondLst>
-                                    <p:cond delay="0"/>
-                                  </p:stCondLst>
-                                  <p:childTnLst>
-                                    <p:set>
-                                      <p:cBhvr>
-                                        <p:cTn id="22" dur="1" fill="hold">
-                                          <p:stCondLst>
-                                            <p:cond delay="0"/>
-                                          </p:stCondLst>
-                                        </p:cTn>
-                                        <p:tgtEl>
-                                          <p:spTgt spid="9"/>
-                                        </p:tgtEl>
-                                        <p:attrNameLst>
-                                          <p:attrName>style.visibility</p:attrName>
-                                        </p:attrNameLst>
-                                      </p:cBhvr>
-                                      <p:to>
-                                        <p:strVal val="visible"/>
-                                      </p:to>
-                                    </p:set>
-                                  </p:childTnLst>
-                                </p:cTn>
-                              </p:par>
-                              <p:par>
-                                <p:cTn id="23" presetID="1" presetClass="entr" presetSubtype="0" fill="hold" grpId="0" nodeType="withEffect">
-                                  <p:stCondLst>
-                                    <p:cond delay="0"/>
-                                  </p:stCondLst>
-                                  <p:childTnLst>
-                                    <p:set>
-                                      <p:cBhvr>
-                                        <p:cTn id="24" dur="1" fill="hold">
-                                          <p:stCondLst>
-                                            <p:cond delay="0"/>
-                                          </p:stCondLst>
-                                        </p:cTn>
-                                        <p:tgtEl>
-                                          <p:spTgt spid="10"/>
-                                        </p:tgtEl>
-                                        <p:attrNameLst>
-                                          <p:attrName>style.visibility</p:attrName>
-                                        </p:attrNameLst>
-                                      </p:cBhvr>
-                                      <p:to>
-                                        <p:strVal val="visible"/>
-                                      </p:to>
-                                    </p:set>
-                                  </p:childTnLst>
-                                </p:cTn>
-                              </p:par>
-                              <p:par>
-                                <p:cTn id="25" presetID="1" presetClass="entr" presetSubtype="0" fill="hold" grpId="0" nodeType="withEffect">
-                                  <p:stCondLst>
-                                    <p:cond delay="0"/>
-                                  </p:stCondLst>
-                                  <p:childTnLst>
-                                    <p:set>
-                                      <p:cBhvr>
-                                        <p:cTn id="26" dur="1" fill="hold">
-                                          <p:stCondLst>
-                                            <p:cond delay="0"/>
-                                          </p:stCondLst>
-                                        </p:cTn>
-                                        <p:tgtEl>
-                                          <p:spTgt spid="11"/>
-                                        </p:tgtEl>
-                                        <p:attrNameLst>
-                                          <p:attrName>style.visibility</p:attrName>
-                                        </p:attrNameLst>
-                                      </p:cBhvr>
-                                      <p:to>
-                                        <p:strVal val="visible"/>
-                                      </p:to>
-                                    </p:set>
-                                  </p:childTnLst>
-                                </p:cTn>
-                              </p:par>
-                              <p:par>
-                                <p:cTn id="27" presetID="1" presetClass="entr" presetSubtype="0" fill="hold" grpId="0" nodeType="withEffect">
-                                  <p:stCondLst>
-                                    <p:cond delay="0"/>
-                                  </p:stCondLst>
-                                  <p:childTnLst>
-                                    <p:set>
-                                      <p:cBhvr>
-                                        <p:cTn id="28" dur="1" fill="hold">
-                                          <p:stCondLst>
-                                            <p:cond delay="0"/>
-                                          </p:stCondLst>
-                                        </p:cTn>
-                                        <p:tgtEl>
-                                          <p:spTgt spid="12"/>
-                                        </p:tgtEl>
-                                        <p:attrNameLst>
-                                          <p:attrName>style.visibility</p:attrName>
-                                        </p:attrNameLst>
-                                      </p:cBhvr>
-                                      <p:to>
-                                        <p:strVal val="visible"/>
-                                      </p:to>
-                                    </p:set>
-                                  </p:childTnLst>
-                                </p:cTn>
-                              </p:par>
-                              <p:par>
-                                <p:cTn id="29" presetID="1" presetClass="entr" presetSubtype="0" fill="hold" nodeType="withEffect">
-                                  <p:stCondLst>
-                                    <p:cond delay="0"/>
-                                  </p:stCondLst>
-                                  <p:childTnLst>
-                                    <p:set>
-                                      <p:cBhvr>
-                                        <p:cTn id="30" dur="1" fill="hold">
-                                          <p:stCondLst>
-                                            <p:cond delay="0"/>
-                                          </p:stCondLst>
-                                        </p:cTn>
-                                        <p:tgtEl>
-                                          <p:spTgt spid="13"/>
-                                        </p:tgtEl>
-                                        <p:attrNameLst>
-                                          <p:attrName>style.visibility</p:attrName>
-                                        </p:attrNameLst>
-                                      </p:cBhvr>
-                                      <p:to>
-                                        <p:strVal val="visible"/>
-                                      </p:to>
-                                    </p:set>
-                                  </p:childTnLst>
-                                </p:cTn>
-                              </p:par>
-                              <p:par>
-                                <p:cTn id="31" presetID="1" presetClass="entr" presetSubtype="0" fill="hold" nodeType="withEffect">
-                                  <p:stCondLst>
-                                    <p:cond delay="0"/>
-                                  </p:stCondLst>
-                                  <p:childTnLst>
-                                    <p:set>
-                                      <p:cBhvr>
-                                        <p:cTn id="32" dur="1" fill="hold">
-                                          <p:stCondLst>
-                                            <p:cond delay="0"/>
-                                          </p:stCondLst>
-                                        </p:cTn>
-                                        <p:tgtEl>
-                                          <p:spTgt spid="14"/>
-                                        </p:tgtEl>
-                                        <p:attrNameLst>
-                                          <p:attrName>style.visibility</p:attrName>
-                                        </p:attrNameLst>
-                                      </p:cBhvr>
-                                      <p:to>
-                                        <p:strVal val="visible"/>
-                                      </p:to>
-                                    </p:set>
-                                  </p:childTnLst>
-                                </p:cTn>
-                              </p:par>
-                              <p:par>
-                                <p:cTn id="33" presetID="1" presetClass="entr" presetSubtype="0" fill="hold" nodeType="withEffect">
-                                  <p:stCondLst>
-                                    <p:cond delay="0"/>
-                                  </p:stCondLst>
-                                  <p:childTnLst>
-                                    <p:set>
-                                      <p:cBhvr>
-                                        <p:cTn id="34" dur="1" fill="hold">
-                                          <p:stCondLst>
-                                            <p:cond delay="0"/>
-                                          </p:stCondLst>
-                                        </p:cTn>
-                                        <p:tgtEl>
-                                          <p:spTgt spid="15"/>
-                                        </p:tgtEl>
-                                        <p:attrNameLst>
-                                          <p:attrName>style.visibility</p:attrName>
-                                        </p:attrNameLst>
-                                      </p:cBhvr>
-                                      <p:to>
-                                        <p:strVal val="visible"/>
-                                      </p:to>
-                                    </p:set>
-                                  </p:childTnLst>
-                                </p:cTn>
-                              </p:par>
-                              <p:par>
-                                <p:cTn id="35" presetID="1" presetClass="entr" presetSubtype="0" fill="hold" grpId="0" nodeType="withEffect">
-                                  <p:stCondLst>
-                                    <p:cond delay="0"/>
-                                  </p:stCondLst>
-                                  <p:childTnLst>
-                                    <p:set>
-                                      <p:cBhvr>
-                                        <p:cTn id="36" dur="1" fill="hold">
-                                          <p:stCondLst>
-                                            <p:cond delay="0"/>
-                                          </p:stCondLst>
-                                        </p:cTn>
-                                        <p:tgtEl>
-                                          <p:spTgt spid="16"/>
-                                        </p:tgtEl>
-                                        <p:attrNameLst>
-                                          <p:attrName>style.visibility</p:attrName>
-                                        </p:attrNameLst>
-                                      </p:cBhvr>
-                                      <p:to>
-                                        <p:strVal val="visible"/>
-                                      </p:to>
-                                    </p:set>
-                                  </p:childTnLst>
-                                </p:cTn>
-                              </p:par>
-                              <p:par>
-                                <p:cTn id="37" presetID="1" presetClass="entr" presetSubtype="0" fill="hold" grpId="0" nodeType="withEffect">
-                                  <p:stCondLst>
-                                    <p:cond delay="0"/>
-                                  </p:stCondLst>
-                                  <p:childTnLst>
-                                    <p:set>
-                                      <p:cBhvr>
-                                        <p:cTn id="38" dur="1" fill="hold">
-                                          <p:stCondLst>
-                                            <p:cond delay="0"/>
-                                          </p:stCondLst>
-                                        </p:cTn>
-                                        <p:tgtEl>
-                                          <p:spTgt spid="17"/>
-                                        </p:tgtEl>
-                                        <p:attrNameLst>
-                                          <p:attrName>style.visibility</p:attrName>
-                                        </p:attrNameLst>
-                                      </p:cBhvr>
-                                      <p:to>
-                                        <p:strVal val="visible"/>
-                                      </p:to>
-                                    </p:set>
-                                  </p:childTnLst>
-                                </p:cTn>
-                              </p:par>
-                              <p:par>
-                                <p:cTn id="39" presetID="1" presetClass="entr" presetSubtype="0" fill="hold" grpId="0" nodeType="withEffect">
-                                  <p:stCondLst>
-                                    <p:cond delay="0"/>
-                                  </p:stCondLst>
-                                  <p:childTnLst>
-                                    <p:set>
-                                      <p:cBhvr>
-                                        <p:cTn id="40" dur="1" fill="hold">
-                                          <p:stCondLst>
-                                            <p:cond delay="0"/>
-                                          </p:stCondLst>
-                                        </p:cTn>
-                                        <p:tgtEl>
-                                          <p:spTgt spid="18"/>
-                                        </p:tgtEl>
-                                        <p:attrNameLst>
-                                          <p:attrName>style.visibility</p:attrName>
-                                        </p:attrNameLst>
-                                      </p:cBhvr>
-                                      <p:to>
-                                        <p:strVal val="visible"/>
-                                      </p:to>
-                                    </p:set>
-                                  </p:childTnLst>
-                                </p:cTn>
-                              </p:par>
-                            </p:childTnLst>
-                          </p:cTn>
-                        </p:par>
-                      </p:childTnLst>
-                    </p:cTn>
-                  </p:par>
-                  <p:par>
-                    <p:cTn id="41" fill="hold">
-                      <p:stCondLst>
-                        <p:cond delay="indefinite"/>
-                      </p:stCondLst>
-                      <p:childTnLst>
-                        <p:par>
-                          <p:cTn id="42" fill="hold">
-                            <p:stCondLst>
-                              <p:cond delay="0"/>
-                            </p:stCondLst>
-                            <p:childTnLst>
-                              <p:par>
-                                <p:cTn id="43" presetID="1" presetClass="entr" presetSubtype="0" fill="hold" nodeType="clickEffect">
-                                  <p:stCondLst>
-                                    <p:cond delay="0"/>
-                                  </p:stCondLst>
-                                  <p:childTnLst>
-                                    <p:set>
-                                      <p:cBhvr>
-                                        <p:cTn id="44" dur="1" fill="hold">
-                                          <p:stCondLst>
-                                            <p:cond delay="0"/>
-                                          </p:stCondLst>
-                                        </p:cTn>
-                                        <p:tgtEl>
-                                          <p:spTgt spid="20">
-                                            <p:txEl>
-                                              <p:pRg st="0" end="0"/>
-                                            </p:txEl>
-                                          </p:spTgt>
-                                        </p:tgtEl>
-                                        <p:attrNameLst>
-                                          <p:attrName>style.visibility</p:attrName>
-                                        </p:attrNameLst>
-                                      </p:cBhvr>
-                                      <p:to>
-                                        <p:strVal val="visible"/>
-                                      </p:to>
-                                    </p:set>
-                                  </p:childTnLst>
-                                </p:cTn>
-                              </p:par>
-                            </p:childTnLst>
-                          </p:cTn>
-                        </p:par>
-                      </p:childTnLst>
-                    </p:cTn>
-                  </p:par>
-                  <p:par>
-                    <p:cTn id="45" fill="hold">
-                      <p:stCondLst>
-                        <p:cond delay="indefinite"/>
-                      </p:stCondLst>
-                      <p:childTnLst>
-                        <p:par>
-                          <p:cTn id="46" fill="hold">
-                            <p:stCondLst>
-                              <p:cond delay="0"/>
-                            </p:stCondLst>
-                            <p:childTnLst>
-                              <p:par>
-                                <p:cTn id="47" presetID="1" presetClass="entr" presetSubtype="0" fill="hold" nodeType="clickEffect">
-                                  <p:stCondLst>
-                                    <p:cond delay="0"/>
-                                  </p:stCondLst>
-                                  <p:childTnLst>
-                                    <p:set>
-                                      <p:cBhvr>
-                                        <p:cTn id="48" dur="1" fill="hold">
-                                          <p:stCondLst>
-                                            <p:cond delay="0"/>
-                                          </p:stCondLst>
-                                        </p:cTn>
-                                        <p:tgtEl>
-                                          <p:spTgt spid="20">
-                                            <p:txEl>
-                                              <p:pRg st="1" end="1"/>
-                                            </p:txEl>
-                                          </p:spTgt>
-                                        </p:tgtEl>
-                                        <p:attrNameLst>
-                                          <p:attrName>style.visibility</p:attrName>
-                                        </p:attrNameLst>
-                                      </p:cBhvr>
-                                      <p:to>
-                                        <p:strVal val="visible"/>
-                                      </p:to>
-                                    </p:set>
-                                  </p:childTnLst>
-                                </p:cTn>
-                              </p:par>
-                            </p:childTnLst>
-                          </p:cTn>
-                        </p:par>
-                      </p:childTnLst>
-                    </p:cTn>
-                  </p:par>
-                </p:childTnLst>
-              </p:cTn>
-              <p:prevCondLst>
-                <p:cond evt="onPrev" delay="0">
-                  <p:tgtEl>
-                    <p:sldTgt/>
-                  </p:tgtEl>
-                </p:cond>
-              </p:prevCondLst>
-              <p:nextCondLst>
-                <p:cond evt="onNext" delay="0">
-                  <p:tgtEl>
-                    <p:sldTgt/>
-                  </p:tgtEl>
-                </p:cond>
-              </p:nextCondLst>
-            </p:seq>
-          </p:childTnLst>
-        </p:cTn>
-      </p:par>
-    </p:tnLst>
-    <p:bldLst>
-      <p:bldP spid="3" grpId="0" build="p"/>
-      <p:bldP spid="5" grpId="0" animBg="1"/>
-      <p:bldP spid="6" grpId="0" animBg="1"/>
-      <p:bldP spid="7" grpId="0" animBg="1"/>
-      <p:bldP spid="10" grpId="0" animBg="1"/>
-      <p:bldP spid="11" grpId="0" animBg="1"/>
-      <p:bldP spid="12" grpId="0" animBg="1"/>
-      <p:bldP spid="16" grpId="0"/>
-      <p:bldP spid="17" grpId="0"/>
-      <p:bldP spid="18" grpId="0"/>
-    </p:bldLst>
-  </p:timing>
-</p:sld>
-</file>
-
-<file path=ppt/slides/slide6.xml><?xml version="1.0" encoding="utf-8"?>
-<p:sld xmlns:a="http://schemas.openxmlformats.org/drawingml/2006/main" xmlns:r="http://schemas.openxmlformats.org/officeDocument/2006/relationships" xmlns:p="http://schemas.openxmlformats.org/presentationml/2006/main">
-  <p:cSld>
-    <p:spTree>
-      <p:nvGrpSpPr>
-        <p:cNvPr id="1" name=""/>
-        <p:cNvGrpSpPr/>
-        <p:nvPr/>
-      </p:nvGrpSpPr>
-      <p:grpSpPr>
-        <a:xfrm>
-          <a:off x="0" y="0"/>
-          <a:ext cx="0" cy="0"/>
-          <a:chOff x="0" y="0"/>
-          <a:chExt cx="0" cy="0"/>
-        </a:xfrm>
-      </p:grpSpPr>
-      <p:sp>
-        <p:nvSpPr>
-          <p:cNvPr id="2" name="Title 1"/>
-          <p:cNvSpPr>
-            <a:spLocks noGrp="1"/>
-          </p:cNvSpPr>
-          <p:nvPr>
-            <p:ph type="title"/>
-          </p:nvPr>
-        </p:nvSpPr>
-        <p:spPr/>
-        <p:txBody>
-          <a:bodyPr>
-            <a:normAutofit fontScale="90000"/>
-          </a:bodyPr>
-          <a:lstStyle/>
-          <a:p>
-            <a:r>
-              <a:rPr lang="en-US" dirty="0"/>
-              <a:t>Work and Energy for Systems of Particles</a:t>
-            </a:r>
-          </a:p>
-        </p:txBody>
-      </p:sp>
-      <p:sp>
-        <p:nvSpPr>
-          <p:cNvPr id="3" name="Content Placeholder 2"/>
-          <p:cNvSpPr>
-            <a:spLocks noGrp="1"/>
-          </p:cNvSpPr>
-          <p:nvPr>
-            <p:ph idx="1"/>
-          </p:nvPr>
-        </p:nvSpPr>
-        <p:spPr/>
-        <p:txBody>
-          <a:bodyPr>
-            <a:normAutofit fontScale="85000" lnSpcReduction="10000"/>
-          </a:bodyPr>
-          <a:lstStyle/>
-          <a:p>
-            <a:r>
-              <a:rPr lang="en-US" dirty="0"/>
-              <a:t>One potential pitfall with the work and energy method is that we will only have a single equation to work with.</a:t>
-            </a:r>
-          </a:p>
-          <a:p>
-            <a:r>
-              <a:rPr lang="en-US" dirty="0"/>
-              <a:t>In order to determine the overall relationship between the position (gravitational potential energy) and velocity (kinetic energy) we will often need to use </a:t>
-            </a:r>
-            <a:r>
-              <a:rPr lang="en-US" b="1" dirty="0"/>
-              <a:t>constraint relationships established in kinematics</a:t>
-            </a:r>
-            <a:r>
-              <a:rPr lang="en-US" dirty="0"/>
-              <a:t> that we discussed with </a:t>
-            </a:r>
-            <a:r>
-              <a:rPr lang="en-US" b="1" dirty="0"/>
-              <a:t>dependent motion</a:t>
-            </a:r>
-            <a:r>
-              <a:rPr lang="en-US" dirty="0"/>
-              <a:t>.</a:t>
-            </a:r>
-          </a:p>
-          <a:p>
-            <a:r>
-              <a:rPr lang="en-US" dirty="0"/>
-              <a:t>Using these constrain equations, along with the conservation of energy equation itself, we can often solve for the forces applied, positions, and velocities of the particles in our system.</a:t>
-            </a:r>
-          </a:p>
-        </p:txBody>
-      </p:sp>
-      <p:sp>
-        <p:nvSpPr>
-          <p:cNvPr id="4" name="Slide Number Placeholder 3"/>
-          <p:cNvSpPr>
-            <a:spLocks noGrp="1"/>
-          </p:cNvSpPr>
-          <p:nvPr>
-            <p:ph type="sldNum" sz="quarter" idx="12"/>
-          </p:nvPr>
-        </p:nvSpPr>
-        <p:spPr/>
-        <p:txBody>
-          <a:bodyPr/>
-          <a:lstStyle/>
-          <a:p>
-            <a:fld id="{929262FE-7F58-4A1E-8AF3-5A510A86DEBD}" type="slidenum">
-              <a:rPr lang="en-US" smtClean="0"/>
-              <a:t>6</a:t>
-            </a:fld>
-            <a:endParaRPr lang="en-US"/>
-          </a:p>
-        </p:txBody>
-      </p:sp>
-    </p:spTree>
-    <p:extLst>
-      <p:ext uri="{BB962C8B-B14F-4D97-AF65-F5344CB8AC3E}">
-        <p14:creationId xmlns:p14="http://schemas.microsoft.com/office/powerpoint/2010/main" val="3666582372"/>
+        <p14:creationId xmlns:p14="http://schemas.microsoft.com/office/powerpoint/2010/main" val="3174472508"/>
       </p:ext>
     </p:extLst>
   </p:cSld>
@@ -7885,6 +4833,55 @@
                       </p:childTnLst>
                     </p:cTn>
                   </p:par>
+                  <p:par>
+                    <p:cTn id="15" fill="hold">
+                      <p:stCondLst>
+                        <p:cond delay="indefinite"/>
+                      </p:stCondLst>
+                      <p:childTnLst>
+                        <p:par>
+                          <p:cTn id="16" fill="hold">
+                            <p:stCondLst>
+                              <p:cond delay="0"/>
+                            </p:stCondLst>
+                            <p:childTnLst>
+                              <p:par>
+                                <p:cTn id="17" presetID="1" presetClass="entr" presetSubtype="0" fill="hold" grpId="0" nodeType="clickEffect">
+                                  <p:stCondLst>
+                                    <p:cond delay="0"/>
+                                  </p:stCondLst>
+                                  <p:childTnLst>
+                                    <p:set>
+                                      <p:cBhvr>
+                                        <p:cTn id="18" dur="1" fill="hold">
+                                          <p:stCondLst>
+                                            <p:cond delay="0"/>
+                                          </p:stCondLst>
+                                        </p:cTn>
+                                        <p:tgtEl>
+                                          <p:spTgt spid="3">
+                                            <p:txEl>
+                                              <p:pRg st="3" end="3"/>
+                                            </p:txEl>
+                                          </p:spTgt>
+                                        </p:tgtEl>
+                                        <p:attrNameLst>
+                                          <p:attrName>style.visibility</p:attrName>
+                                        </p:attrNameLst>
+                                      </p:cBhvr>
+                                      <p:to>
+                                        <p:strVal val="visible"/>
+                                      </p:to>
+                                    </p:set>
+                                  </p:childTnLst>
+                                </p:cTn>
+                              </p:par>
+                            </p:childTnLst>
+                          </p:cTn>
+                        </p:par>
+                      </p:childTnLst>
+                    </p:cTn>
+                  </p:par>
                 </p:childTnLst>
               </p:cTn>
               <p:prevCondLst>
@@ -7913,7 +4910,3239 @@
 </p:sld>
 </file>
 
-<file path=ppt/slides/slide7.xml><?xml version="1.0" encoding="utf-8"?>
+<file path=ppt/slides/slide4.xml><?xml version="1.0" encoding="utf-8"?>
+<p:sld xmlns:a="http://schemas.openxmlformats.org/drawingml/2006/main" xmlns:r="http://schemas.openxmlformats.org/officeDocument/2006/relationships" xmlns:p="http://schemas.openxmlformats.org/presentationml/2006/main">
+  <p:cSld>
+    <p:spTree>
+      <p:nvGrpSpPr>
+        <p:cNvPr id="1" name=""/>
+        <p:cNvGrpSpPr/>
+        <p:nvPr/>
+      </p:nvGrpSpPr>
+      <p:grpSpPr>
+        <a:xfrm>
+          <a:off x="0" y="0"/>
+          <a:ext cx="0" cy="0"/>
+          <a:chOff x="0" y="0"/>
+          <a:chExt cx="0" cy="0"/>
+        </a:xfrm>
+      </p:grpSpPr>
+      <p:sp>
+        <p:nvSpPr>
+          <p:cNvPr id="2" name="Title 1">
+            <a:extLst>
+              <a:ext uri="{FF2B5EF4-FFF2-40B4-BE49-F238E27FC236}">
+                <a16:creationId xmlns:a16="http://schemas.microsoft.com/office/drawing/2014/main" id="{DB7E6DDF-E1BC-4D11-8570-85590720DB5C}"/>
+              </a:ext>
+            </a:extLst>
+          </p:cNvPr>
+          <p:cNvSpPr>
+            <a:spLocks noGrp="1"/>
+          </p:cNvSpPr>
+          <p:nvPr>
+            <p:ph type="title"/>
+          </p:nvPr>
+        </p:nvSpPr>
+        <p:spPr/>
+        <p:txBody>
+          <a:bodyPr/>
+          <a:lstStyle/>
+          <a:p>
+            <a:r>
+              <a:rPr lang="en-US" dirty="0"/>
+              <a:t>Forces in Polar Directions</a:t>
+            </a:r>
+          </a:p>
+        </p:txBody>
+      </p:sp>
+      <p:sp>
+        <p:nvSpPr>
+          <p:cNvPr id="18" name="Content Placeholder 2">
+            <a:extLst>
+              <a:ext uri="{FF2B5EF4-FFF2-40B4-BE49-F238E27FC236}">
+                <a16:creationId xmlns:a16="http://schemas.microsoft.com/office/drawing/2014/main" id="{2551E3BC-6A33-4555-828B-587944ED6B7E}"/>
+              </a:ext>
+            </a:extLst>
+          </p:cNvPr>
+          <p:cNvSpPr>
+            <a:spLocks noGrp="1"/>
+          </p:cNvSpPr>
+          <p:nvPr>
+            <p:ph idx="1"/>
+          </p:nvPr>
+        </p:nvSpPr>
+        <p:spPr>
+          <a:xfrm>
+            <a:off x="457200" y="1600201"/>
+            <a:ext cx="8229600" cy="1619288"/>
+          </a:xfrm>
+        </p:spPr>
+        <p:txBody>
+          <a:bodyPr>
+            <a:normAutofit fontScale="85000" lnSpcReduction="20000"/>
+          </a:bodyPr>
+          <a:lstStyle/>
+          <a:p>
+            <a:r>
+              <a:rPr lang="en-US" dirty="0"/>
+              <a:t>We will fill in details on the forces in each direction using a free body diagram.</a:t>
+            </a:r>
+          </a:p>
+          <a:p>
+            <a:r>
+              <a:rPr lang="en-US" dirty="0"/>
+              <a:t>It’s important break any known of unknown forces down into r and theta components.</a:t>
+            </a:r>
+          </a:p>
+          <a:p>
+            <a:pPr marL="0" indent="0" algn="ctr">
+              <a:buNone/>
+            </a:pPr>
+            <a:endParaRPr lang="en-US" dirty="0"/>
+          </a:p>
+        </p:txBody>
+      </p:sp>
+      <p:pic>
+        <p:nvPicPr>
+          <p:cNvPr id="20" name="Picture 19" descr="Screen Clipping">
+            <a:extLst>
+              <a:ext uri="{FF2B5EF4-FFF2-40B4-BE49-F238E27FC236}">
+                <a16:creationId xmlns:a16="http://schemas.microsoft.com/office/drawing/2014/main" id="{E3D7B2B9-68F1-409E-A3D1-408B33927866}"/>
+              </a:ext>
+            </a:extLst>
+          </p:cNvPr>
+          <p:cNvPicPr>
+            <a:picLocks noChangeAspect="1"/>
+          </p:cNvPicPr>
+          <p:nvPr/>
+        </p:nvPicPr>
+        <p:blipFill>
+          <a:blip r:embed="rId2">
+            <a:extLst>
+              <a:ext uri="{28A0092B-C50C-407E-A947-70E740481C1C}">
+                <a14:useLocalDpi xmlns:a14="http://schemas.microsoft.com/office/drawing/2010/main" val="0"/>
+              </a:ext>
+            </a:extLst>
+          </a:blip>
+          <a:stretch>
+            <a:fillRect/>
+          </a:stretch>
+        </p:blipFill>
+        <p:spPr>
+          <a:xfrm>
+            <a:off x="5819755" y="4345482"/>
+            <a:ext cx="267803" cy="911561"/>
+          </a:xfrm>
+          <a:prstGeom prst="rect">
+            <a:avLst/>
+          </a:prstGeom>
+        </p:spPr>
+      </p:pic>
+      <p:pic>
+        <p:nvPicPr>
+          <p:cNvPr id="25" name="Picture 8" descr="http://www.clipartheaven.com/clipart/technology_%26_communication/satellites/satellite_dish_07.gif">
+            <a:extLst>
+              <a:ext uri="{FF2B5EF4-FFF2-40B4-BE49-F238E27FC236}">
+                <a16:creationId xmlns:a16="http://schemas.microsoft.com/office/drawing/2014/main" id="{939EDAA7-AB16-4572-82A6-9E92748C6B13}"/>
+              </a:ext>
+            </a:extLst>
+          </p:cNvPr>
+          <p:cNvPicPr>
+            <a:picLocks noChangeAspect="1" noChangeArrowheads="1"/>
+          </p:cNvPicPr>
+          <p:nvPr/>
+        </p:nvPicPr>
+        <p:blipFill>
+          <a:blip r:embed="rId3" cstate="print">
+            <a:extLst>
+              <a:ext uri="{28A0092B-C50C-407E-A947-70E740481C1C}">
+                <a14:useLocalDpi xmlns:a14="http://schemas.microsoft.com/office/drawing/2010/main" val="0"/>
+              </a:ext>
+            </a:extLst>
+          </a:blip>
+          <a:srcRect/>
+          <a:stretch>
+            <a:fillRect/>
+          </a:stretch>
+        </p:blipFill>
+        <p:spPr bwMode="auto">
+          <a:xfrm rot="1339212">
+            <a:off x="2112918" y="5948235"/>
+            <a:ext cx="396237" cy="515459"/>
+          </a:xfrm>
+          <a:prstGeom prst="rect">
+            <a:avLst/>
+          </a:prstGeom>
+          <a:noFill/>
+          <a:extLst>
+            <a:ext uri="{909E8E84-426E-40DD-AFC4-6F175D3DCCD1}">
+              <a14:hiddenFill xmlns:a14="http://schemas.microsoft.com/office/drawing/2010/main">
+                <a:solidFill>
+                  <a:srgbClr val="FFFFFF"/>
+                </a:solidFill>
+              </a14:hiddenFill>
+            </a:ext>
+          </a:extLst>
+        </p:spPr>
+      </p:pic>
+      <p:cxnSp>
+        <p:nvCxnSpPr>
+          <p:cNvPr id="26" name="Straight Arrow Connector 25">
+            <a:extLst>
+              <a:ext uri="{FF2B5EF4-FFF2-40B4-BE49-F238E27FC236}">
+                <a16:creationId xmlns:a16="http://schemas.microsoft.com/office/drawing/2014/main" id="{CCF2990B-12A8-4C56-BCEF-AB1D3C270092}"/>
+              </a:ext>
+            </a:extLst>
+          </p:cNvPr>
+          <p:cNvCxnSpPr>
+            <a:cxnSpLocks/>
+          </p:cNvCxnSpPr>
+          <p:nvPr/>
+        </p:nvCxnSpPr>
+        <p:spPr>
+          <a:xfrm flipV="1">
+            <a:off x="2286000" y="4049410"/>
+            <a:ext cx="5638800" cy="2136663"/>
+          </a:xfrm>
+          <a:prstGeom prst="straightConnector1">
+            <a:avLst/>
+          </a:prstGeom>
+          <a:ln>
+            <a:tailEnd type="arrow"/>
+          </a:ln>
+        </p:spPr>
+        <p:style>
+          <a:lnRef idx="1">
+            <a:schemeClr val="dk1"/>
+          </a:lnRef>
+          <a:fillRef idx="0">
+            <a:schemeClr val="dk1"/>
+          </a:fillRef>
+          <a:effectRef idx="0">
+            <a:schemeClr val="dk1"/>
+          </a:effectRef>
+          <a:fontRef idx="minor">
+            <a:schemeClr val="tx1"/>
+          </a:fontRef>
+        </p:style>
+      </p:cxnSp>
+      <mc:AlternateContent xmlns:mc="http://schemas.openxmlformats.org/markup-compatibility/2006" xmlns:a14="http://schemas.microsoft.com/office/drawing/2010/main">
+        <mc:Choice Requires="a14">
+          <p:sp>
+            <p:nvSpPr>
+              <p:cNvPr id="27" name="TextBox 26">
+                <a:extLst>
+                  <a:ext uri="{FF2B5EF4-FFF2-40B4-BE49-F238E27FC236}">
+                    <a16:creationId xmlns:a16="http://schemas.microsoft.com/office/drawing/2014/main" id="{60A7AE9C-6DEC-466C-8DB3-B2D3BD131465}"/>
+                  </a:ext>
+                </a:extLst>
+              </p:cNvPr>
+              <p:cNvSpPr txBox="1"/>
+              <p:nvPr/>
+            </p:nvSpPr>
+            <p:spPr>
+              <a:xfrm>
+                <a:off x="3314900" y="5754033"/>
+                <a:ext cx="457200" cy="369332"/>
+              </a:xfrm>
+              <a:prstGeom prst="rect">
+                <a:avLst/>
+              </a:prstGeom>
+              <a:noFill/>
+            </p:spPr>
+            <p:txBody>
+              <a:bodyPr wrap="square" rtlCol="0">
+                <a:spAutoFit/>
+              </a:bodyPr>
+              <a:lstStyle/>
+              <a:p>
+                <a:pPr/>
+                <a14:m>
+                  <m:oMathPara xmlns:m="http://schemas.openxmlformats.org/officeDocument/2006/math">
+                    <m:oMathParaPr>
+                      <m:jc m:val="centerGroup"/>
+                    </m:oMathParaPr>
+                    <m:oMath xmlns:m="http://schemas.openxmlformats.org/officeDocument/2006/math">
+                      <m:r>
+                        <a:rPr lang="en-US" i="1" smtClean="0">
+                          <a:solidFill>
+                            <a:schemeClr val="accent1"/>
+                          </a:solidFill>
+                          <a:latin typeface="Cambria Math"/>
+                          <a:ea typeface="Cambria Math"/>
+                        </a:rPr>
+                        <m:t>𝜃</m:t>
+                      </m:r>
+                    </m:oMath>
+                  </m:oMathPara>
+                </a14:m>
+                <a:endParaRPr lang="en-US" dirty="0">
+                  <a:solidFill>
+                    <a:schemeClr val="accent1"/>
+                  </a:solidFill>
+                </a:endParaRPr>
+              </a:p>
+            </p:txBody>
+          </p:sp>
+        </mc:Choice>
+        <mc:Fallback xmlns="">
+          <p:sp>
+            <p:nvSpPr>
+              <p:cNvPr id="27" name="TextBox 26">
+                <a:extLst>
+                  <a:ext uri="{FF2B5EF4-FFF2-40B4-BE49-F238E27FC236}">
+                    <a16:creationId xmlns:a16="http://schemas.microsoft.com/office/drawing/2014/main" id="{60A7AE9C-6DEC-466C-8DB3-B2D3BD131465}"/>
+                  </a:ext>
+                </a:extLst>
+              </p:cNvPr>
+              <p:cNvSpPr txBox="1">
+                <a:spLocks noRot="1" noChangeAspect="1" noMove="1" noResize="1" noEditPoints="1" noAdjustHandles="1" noChangeArrowheads="1" noChangeShapeType="1" noTextEdit="1"/>
+              </p:cNvSpPr>
+              <p:nvPr/>
+            </p:nvSpPr>
+            <p:spPr>
+              <a:xfrm>
+                <a:off x="3314900" y="5754033"/>
+                <a:ext cx="457200" cy="369332"/>
+              </a:xfrm>
+              <a:prstGeom prst="rect">
+                <a:avLst/>
+              </a:prstGeom>
+              <a:blipFill>
+                <a:blip r:embed="rId4"/>
+                <a:stretch>
+                  <a:fillRect/>
+                </a:stretch>
+              </a:blipFill>
+            </p:spPr>
+            <p:txBody>
+              <a:bodyPr/>
+              <a:lstStyle/>
+              <a:p>
+                <a:r>
+                  <a:rPr lang="en-US">
+                    <a:noFill/>
+                  </a:rPr>
+                  <a:t> </a:t>
+                </a:r>
+              </a:p>
+            </p:txBody>
+          </p:sp>
+        </mc:Fallback>
+      </mc:AlternateContent>
+      <p:cxnSp>
+        <p:nvCxnSpPr>
+          <p:cNvPr id="28" name="Straight Arrow Connector 27">
+            <a:extLst>
+              <a:ext uri="{FF2B5EF4-FFF2-40B4-BE49-F238E27FC236}">
+                <a16:creationId xmlns:a16="http://schemas.microsoft.com/office/drawing/2014/main" id="{E62FBE74-CB24-4B8A-8073-E690231B13EE}"/>
+              </a:ext>
+            </a:extLst>
+          </p:cNvPr>
+          <p:cNvCxnSpPr/>
+          <p:nvPr/>
+        </p:nvCxnSpPr>
+        <p:spPr>
+          <a:xfrm flipV="1">
+            <a:off x="2300151" y="6175186"/>
+            <a:ext cx="2834640" cy="0"/>
+          </a:xfrm>
+          <a:prstGeom prst="straightConnector1">
+            <a:avLst/>
+          </a:prstGeom>
+          <a:ln>
+            <a:tailEnd type="arrow"/>
+          </a:ln>
+        </p:spPr>
+        <p:style>
+          <a:lnRef idx="1">
+            <a:schemeClr val="dk1"/>
+          </a:lnRef>
+          <a:fillRef idx="0">
+            <a:schemeClr val="dk1"/>
+          </a:fillRef>
+          <a:effectRef idx="0">
+            <a:schemeClr val="dk1"/>
+          </a:effectRef>
+          <a:fontRef idx="minor">
+            <a:schemeClr val="tx1"/>
+          </a:fontRef>
+        </p:style>
+      </p:cxnSp>
+      <p:cxnSp>
+        <p:nvCxnSpPr>
+          <p:cNvPr id="29" name="Straight Arrow Connector 28">
+            <a:extLst>
+              <a:ext uri="{FF2B5EF4-FFF2-40B4-BE49-F238E27FC236}">
+                <a16:creationId xmlns:a16="http://schemas.microsoft.com/office/drawing/2014/main" id="{3F392A95-4529-4B6E-B01F-17392CCBB7D1}"/>
+              </a:ext>
+            </a:extLst>
+          </p:cNvPr>
+          <p:cNvCxnSpPr/>
+          <p:nvPr/>
+        </p:nvCxnSpPr>
+        <p:spPr>
+          <a:xfrm flipV="1">
+            <a:off x="2286000" y="4422586"/>
+            <a:ext cx="0" cy="1760393"/>
+          </a:xfrm>
+          <a:prstGeom prst="straightConnector1">
+            <a:avLst/>
+          </a:prstGeom>
+          <a:ln>
+            <a:tailEnd type="arrow"/>
+          </a:ln>
+        </p:spPr>
+        <p:style>
+          <a:lnRef idx="1">
+            <a:schemeClr val="dk1"/>
+          </a:lnRef>
+          <a:fillRef idx="0">
+            <a:schemeClr val="dk1"/>
+          </a:fillRef>
+          <a:effectRef idx="0">
+            <a:schemeClr val="dk1"/>
+          </a:effectRef>
+          <a:fontRef idx="minor">
+            <a:schemeClr val="tx1"/>
+          </a:fontRef>
+        </p:style>
+      </p:cxnSp>
+      <p:sp>
+        <p:nvSpPr>
+          <p:cNvPr id="30" name="TextBox 29">
+            <a:extLst>
+              <a:ext uri="{FF2B5EF4-FFF2-40B4-BE49-F238E27FC236}">
+                <a16:creationId xmlns:a16="http://schemas.microsoft.com/office/drawing/2014/main" id="{CB99DFFB-9D41-48A8-8E0B-ECA2F8D1CEB4}"/>
+              </a:ext>
+            </a:extLst>
+          </p:cNvPr>
+          <p:cNvSpPr txBox="1"/>
+          <p:nvPr/>
+        </p:nvSpPr>
+        <p:spPr>
+          <a:xfrm>
+            <a:off x="1877394" y="4216540"/>
+            <a:ext cx="288862" cy="369332"/>
+          </a:xfrm>
+          <a:prstGeom prst="rect">
+            <a:avLst/>
+          </a:prstGeom>
+          <a:noFill/>
+        </p:spPr>
+        <p:txBody>
+          <a:bodyPr wrap="none" rtlCol="0">
+            <a:spAutoFit/>
+          </a:bodyPr>
+          <a:lstStyle/>
+          <a:p>
+            <a:r>
+              <a:rPr lang="en-US" dirty="0"/>
+              <a:t>y</a:t>
+            </a:r>
+          </a:p>
+        </p:txBody>
+      </p:sp>
+      <p:sp>
+        <p:nvSpPr>
+          <p:cNvPr id="31" name="TextBox 30">
+            <a:extLst>
+              <a:ext uri="{FF2B5EF4-FFF2-40B4-BE49-F238E27FC236}">
+                <a16:creationId xmlns:a16="http://schemas.microsoft.com/office/drawing/2014/main" id="{191868CF-9FAB-419E-9F6B-F57130165FD2}"/>
+              </a:ext>
+            </a:extLst>
+          </p:cNvPr>
+          <p:cNvSpPr txBox="1"/>
+          <p:nvPr/>
+        </p:nvSpPr>
+        <p:spPr>
+          <a:xfrm>
+            <a:off x="5200105" y="5969140"/>
+            <a:ext cx="284052" cy="369332"/>
+          </a:xfrm>
+          <a:prstGeom prst="rect">
+            <a:avLst/>
+          </a:prstGeom>
+          <a:noFill/>
+        </p:spPr>
+        <p:txBody>
+          <a:bodyPr wrap="none" rtlCol="0">
+            <a:spAutoFit/>
+          </a:bodyPr>
+          <a:lstStyle/>
+          <a:p>
+            <a:r>
+              <a:rPr lang="en-US" dirty="0"/>
+              <a:t>x</a:t>
+            </a:r>
+          </a:p>
+        </p:txBody>
+      </p:sp>
+      <p:cxnSp>
+        <p:nvCxnSpPr>
+          <p:cNvPr id="33" name="Straight Arrow Connector 32">
+            <a:extLst>
+              <a:ext uri="{FF2B5EF4-FFF2-40B4-BE49-F238E27FC236}">
+                <a16:creationId xmlns:a16="http://schemas.microsoft.com/office/drawing/2014/main" id="{97A23C65-8B64-4320-B01C-5DC80462D2FF}"/>
+              </a:ext>
+            </a:extLst>
+          </p:cNvPr>
+          <p:cNvCxnSpPr>
+            <a:cxnSpLocks/>
+          </p:cNvCxnSpPr>
+          <p:nvPr/>
+        </p:nvCxnSpPr>
+        <p:spPr>
+          <a:xfrm flipV="1">
+            <a:off x="5956540" y="3445581"/>
+            <a:ext cx="0" cy="1350239"/>
+          </a:xfrm>
+          <a:prstGeom prst="straightConnector1">
+            <a:avLst/>
+          </a:prstGeom>
+          <a:ln>
+            <a:solidFill>
+              <a:srgbClr val="FF0000"/>
+            </a:solidFill>
+            <a:tailEnd type="arrow"/>
+          </a:ln>
+        </p:spPr>
+        <p:style>
+          <a:lnRef idx="2">
+            <a:schemeClr val="accent1"/>
+          </a:lnRef>
+          <a:fillRef idx="0">
+            <a:schemeClr val="accent1"/>
+          </a:fillRef>
+          <a:effectRef idx="1">
+            <a:schemeClr val="accent1"/>
+          </a:effectRef>
+          <a:fontRef idx="minor">
+            <a:schemeClr val="tx1"/>
+          </a:fontRef>
+        </p:style>
+      </p:cxnSp>
+      <p:sp>
+        <p:nvSpPr>
+          <p:cNvPr id="34" name="Arc 33">
+            <a:extLst>
+              <a:ext uri="{FF2B5EF4-FFF2-40B4-BE49-F238E27FC236}">
+                <a16:creationId xmlns:a16="http://schemas.microsoft.com/office/drawing/2014/main" id="{3A392F40-BAFB-4B6A-B7B8-E17D25D1F0F8}"/>
+              </a:ext>
+            </a:extLst>
+          </p:cNvPr>
+          <p:cNvSpPr/>
+          <p:nvPr/>
+        </p:nvSpPr>
+        <p:spPr>
+          <a:xfrm>
+            <a:off x="5049520" y="4075705"/>
+            <a:ext cx="1828800" cy="1828800"/>
+          </a:xfrm>
+          <a:prstGeom prst="arc">
+            <a:avLst>
+              <a:gd name="adj1" fmla="val 16303492"/>
+              <a:gd name="adj2" fmla="val 19723184"/>
+            </a:avLst>
+          </a:prstGeom>
+        </p:spPr>
+        <p:style>
+          <a:lnRef idx="1">
+            <a:schemeClr val="accent1"/>
+          </a:lnRef>
+          <a:fillRef idx="0">
+            <a:schemeClr val="accent1"/>
+          </a:fillRef>
+          <a:effectRef idx="0">
+            <a:schemeClr val="accent1"/>
+          </a:effectRef>
+          <a:fontRef idx="minor">
+            <a:schemeClr val="tx1"/>
+          </a:fontRef>
+        </p:style>
+        <p:txBody>
+          <a:bodyPr rtlCol="0" anchor="ctr"/>
+          <a:lstStyle/>
+          <a:p>
+            <a:pPr algn="ctr"/>
+            <a:endParaRPr lang="en-US"/>
+          </a:p>
+        </p:txBody>
+      </p:sp>
+      <p:sp>
+        <p:nvSpPr>
+          <p:cNvPr id="37" name="Arc 36">
+            <a:extLst>
+              <a:ext uri="{FF2B5EF4-FFF2-40B4-BE49-F238E27FC236}">
+                <a16:creationId xmlns:a16="http://schemas.microsoft.com/office/drawing/2014/main" id="{C195C528-737B-4506-84C0-89213FC695CB}"/>
+              </a:ext>
+            </a:extLst>
+          </p:cNvPr>
+          <p:cNvSpPr/>
+          <p:nvPr/>
+        </p:nvSpPr>
+        <p:spPr>
+          <a:xfrm>
+            <a:off x="1375538" y="5257800"/>
+            <a:ext cx="1828800" cy="1828800"/>
+          </a:xfrm>
+          <a:prstGeom prst="arc">
+            <a:avLst>
+              <a:gd name="adj1" fmla="val 20378887"/>
+              <a:gd name="adj2" fmla="val 21594839"/>
+            </a:avLst>
+          </a:prstGeom>
+        </p:spPr>
+        <p:style>
+          <a:lnRef idx="1">
+            <a:schemeClr val="accent1"/>
+          </a:lnRef>
+          <a:fillRef idx="0">
+            <a:schemeClr val="accent1"/>
+          </a:fillRef>
+          <a:effectRef idx="0">
+            <a:schemeClr val="accent1"/>
+          </a:effectRef>
+          <a:fontRef idx="minor">
+            <a:schemeClr val="tx1"/>
+          </a:fontRef>
+        </p:style>
+        <p:txBody>
+          <a:bodyPr rtlCol="0" anchor="ctr"/>
+          <a:lstStyle/>
+          <a:p>
+            <a:pPr algn="ctr"/>
+            <a:endParaRPr lang="en-US">
+              <a:solidFill>
+                <a:schemeClr val="accent1"/>
+              </a:solidFill>
+            </a:endParaRPr>
+          </a:p>
+        </p:txBody>
+      </p:sp>
+      <mc:AlternateContent xmlns:mc="http://schemas.openxmlformats.org/markup-compatibility/2006" xmlns:a14="http://schemas.microsoft.com/office/drawing/2010/main">
+        <mc:Choice Requires="a14">
+          <p:sp>
+            <p:nvSpPr>
+              <p:cNvPr id="38" name="TextBox 37">
+                <a:extLst>
+                  <a:ext uri="{FF2B5EF4-FFF2-40B4-BE49-F238E27FC236}">
+                    <a16:creationId xmlns:a16="http://schemas.microsoft.com/office/drawing/2014/main" id="{CD9DDFA3-68B5-42B3-8AD3-6F43E26016B9}"/>
+                  </a:ext>
+                </a:extLst>
+              </p:cNvPr>
+              <p:cNvSpPr txBox="1"/>
+              <p:nvPr/>
+            </p:nvSpPr>
+            <p:spPr>
+              <a:xfrm>
+                <a:off x="5861574" y="3131178"/>
+                <a:ext cx="203004" cy="276999"/>
+              </a:xfrm>
+              <a:prstGeom prst="rect">
+                <a:avLst/>
+              </a:prstGeom>
+              <a:noFill/>
+            </p:spPr>
+            <p:txBody>
+              <a:bodyPr wrap="none" lIns="0" tIns="0" rIns="0" bIns="0" rtlCol="0">
+                <a:spAutoFit/>
+              </a:bodyPr>
+              <a:lstStyle/>
+              <a:p>
+                <a:pPr/>
+                <a14:m>
+                  <m:oMathPara xmlns:m="http://schemas.openxmlformats.org/officeDocument/2006/math">
+                    <m:oMathParaPr>
+                      <m:jc m:val="centerGroup"/>
+                    </m:oMathParaPr>
+                    <m:oMath xmlns:m="http://schemas.openxmlformats.org/officeDocument/2006/math">
+                      <m:r>
+                        <a:rPr lang="en-US" b="0" i="1" smtClean="0">
+                          <a:solidFill>
+                            <a:srgbClr val="FF0000"/>
+                          </a:solidFill>
+                          <a:latin typeface="Cambria Math" panose="02040503050406030204" pitchFamily="18" charset="0"/>
+                        </a:rPr>
+                        <m:t>𝐹</m:t>
+                      </m:r>
+                    </m:oMath>
+                  </m:oMathPara>
+                </a14:m>
+                <a:endParaRPr lang="en-US" dirty="0">
+                  <a:solidFill>
+                    <a:srgbClr val="FF0000"/>
+                  </a:solidFill>
+                </a:endParaRPr>
+              </a:p>
+            </p:txBody>
+          </p:sp>
+        </mc:Choice>
+        <mc:Fallback xmlns="">
+          <p:sp>
+            <p:nvSpPr>
+              <p:cNvPr id="38" name="TextBox 37">
+                <a:extLst>
+                  <a:ext uri="{FF2B5EF4-FFF2-40B4-BE49-F238E27FC236}">
+                    <a16:creationId xmlns:a16="http://schemas.microsoft.com/office/drawing/2014/main" id="{CD9DDFA3-68B5-42B3-8AD3-6F43E26016B9}"/>
+                  </a:ext>
+                </a:extLst>
+              </p:cNvPr>
+              <p:cNvSpPr txBox="1">
+                <a:spLocks noRot="1" noChangeAspect="1" noMove="1" noResize="1" noEditPoints="1" noAdjustHandles="1" noChangeArrowheads="1" noChangeShapeType="1" noTextEdit="1"/>
+              </p:cNvSpPr>
+              <p:nvPr/>
+            </p:nvSpPr>
+            <p:spPr>
+              <a:xfrm>
+                <a:off x="5861574" y="3131178"/>
+                <a:ext cx="203004" cy="276999"/>
+              </a:xfrm>
+              <a:prstGeom prst="rect">
+                <a:avLst/>
+              </a:prstGeom>
+              <a:blipFill>
+                <a:blip r:embed="rId5"/>
+                <a:stretch>
+                  <a:fillRect l="-30303" r="-21212" b="-6667"/>
+                </a:stretch>
+              </a:blipFill>
+            </p:spPr>
+            <p:txBody>
+              <a:bodyPr/>
+              <a:lstStyle/>
+              <a:p>
+                <a:r>
+                  <a:rPr lang="en-US">
+                    <a:noFill/>
+                  </a:rPr>
+                  <a:t> </a:t>
+                </a:r>
+              </a:p>
+            </p:txBody>
+          </p:sp>
+        </mc:Fallback>
+      </mc:AlternateContent>
+      <mc:AlternateContent xmlns:mc="http://schemas.openxmlformats.org/markup-compatibility/2006" xmlns:a14="http://schemas.microsoft.com/office/drawing/2010/main">
+        <mc:Choice Requires="a14">
+          <p:sp>
+            <p:nvSpPr>
+              <p:cNvPr id="39" name="TextBox 38">
+                <a:extLst>
+                  <a:ext uri="{FF2B5EF4-FFF2-40B4-BE49-F238E27FC236}">
+                    <a16:creationId xmlns:a16="http://schemas.microsoft.com/office/drawing/2014/main" id="{CBD131E2-571B-4839-B1B9-62041A6C3A8C}"/>
+                  </a:ext>
+                </a:extLst>
+              </p:cNvPr>
+              <p:cNvSpPr txBox="1"/>
+              <p:nvPr/>
+            </p:nvSpPr>
+            <p:spPr>
+              <a:xfrm>
+                <a:off x="6220907" y="4734758"/>
+                <a:ext cx="1420069" cy="276999"/>
+              </a:xfrm>
+              <a:prstGeom prst="rect">
+                <a:avLst/>
+              </a:prstGeom>
+              <a:noFill/>
+            </p:spPr>
+            <p:txBody>
+              <a:bodyPr wrap="none" lIns="0" tIns="0" rIns="0" bIns="0" rtlCol="0">
+                <a:spAutoFit/>
+              </a:bodyPr>
+              <a:lstStyle/>
+              <a:p>
+                <a:pPr/>
+                <a14:m>
+                  <m:oMathPara xmlns:m="http://schemas.openxmlformats.org/officeDocument/2006/math">
+                    <m:oMathParaPr>
+                      <m:jc m:val="centerGroup"/>
+                    </m:oMathParaPr>
+                    <m:oMath xmlns:m="http://schemas.openxmlformats.org/officeDocument/2006/math">
+                      <m:sSub>
+                        <m:sSubPr>
+                          <m:ctrlPr>
+                            <a:rPr lang="en-US" i="1" smtClean="0">
+                              <a:solidFill>
+                                <a:srgbClr val="FF0000"/>
+                              </a:solidFill>
+                              <a:latin typeface="Cambria Math" panose="02040503050406030204" pitchFamily="18" charset="0"/>
+                            </a:rPr>
+                          </m:ctrlPr>
+                        </m:sSubPr>
+                        <m:e>
+                          <m:r>
+                            <a:rPr lang="en-US" b="0" i="1" smtClean="0">
+                              <a:solidFill>
+                                <a:srgbClr val="FF0000"/>
+                              </a:solidFill>
+                              <a:latin typeface="Cambria Math" panose="02040503050406030204" pitchFamily="18" charset="0"/>
+                            </a:rPr>
+                            <m:t>𝐹</m:t>
+                          </m:r>
+                        </m:e>
+                        <m:sub>
+                          <m:r>
+                            <a:rPr lang="en-US" i="1">
+                              <a:solidFill>
+                                <a:srgbClr val="FF0000"/>
+                              </a:solidFill>
+                              <a:latin typeface="Cambria Math" panose="02040503050406030204" pitchFamily="18" charset="0"/>
+                            </a:rPr>
+                            <m:t>𝑟</m:t>
+                          </m:r>
+                        </m:sub>
+                      </m:sSub>
+                      <m:r>
+                        <a:rPr lang="en-US" i="1">
+                          <a:solidFill>
+                            <a:srgbClr val="FF0000"/>
+                          </a:solidFill>
+                          <a:latin typeface="Cambria Math" panose="02040503050406030204" pitchFamily="18" charset="0"/>
+                        </a:rPr>
+                        <m:t>=</m:t>
+                      </m:r>
+                      <m:r>
+                        <a:rPr lang="en-US" b="0" i="1" smtClean="0">
+                          <a:solidFill>
+                            <a:srgbClr val="FF0000"/>
+                          </a:solidFill>
+                          <a:latin typeface="Cambria Math" panose="02040503050406030204" pitchFamily="18" charset="0"/>
+                        </a:rPr>
+                        <m:t>𝐹</m:t>
+                      </m:r>
+                      <m:func>
+                        <m:funcPr>
+                          <m:ctrlPr>
+                            <a:rPr lang="en-US" i="1">
+                              <a:solidFill>
+                                <a:srgbClr val="FF0000"/>
+                              </a:solidFill>
+                              <a:latin typeface="Cambria Math" panose="02040503050406030204" pitchFamily="18" charset="0"/>
+                            </a:rPr>
+                          </m:ctrlPr>
+                        </m:funcPr>
+                        <m:fName>
+                          <m:r>
+                            <m:rPr>
+                              <m:sty m:val="p"/>
+                            </m:rPr>
+                            <a:rPr lang="en-US">
+                              <a:solidFill>
+                                <a:srgbClr val="FF0000"/>
+                              </a:solidFill>
+                              <a:latin typeface="Cambria Math" panose="02040503050406030204" pitchFamily="18" charset="0"/>
+                            </a:rPr>
+                            <m:t>cos</m:t>
+                          </m:r>
+                        </m:fName>
+                        <m:e>
+                          <m:r>
+                            <a:rPr lang="en-US" i="1">
+                              <a:solidFill>
+                                <a:srgbClr val="FF0000"/>
+                              </a:solidFill>
+                              <a:latin typeface="Cambria Math" panose="02040503050406030204" pitchFamily="18" charset="0"/>
+                            </a:rPr>
+                            <m:t>(</m:t>
+                          </m:r>
+                          <m:r>
+                            <a:rPr lang="en-US" i="1" smtClean="0">
+                              <a:solidFill>
+                                <a:srgbClr val="FF0000"/>
+                              </a:solidFill>
+                              <a:latin typeface="Cambria Math" panose="02040503050406030204" pitchFamily="18" charset="0"/>
+                              <a:ea typeface="Cambria Math" panose="02040503050406030204" pitchFamily="18" charset="0"/>
+                            </a:rPr>
+                            <m:t>𝜙</m:t>
+                          </m:r>
+                          <m:r>
+                            <a:rPr lang="en-US" i="1">
+                              <a:solidFill>
+                                <a:srgbClr val="FF0000"/>
+                              </a:solidFill>
+                              <a:latin typeface="Cambria Math" panose="02040503050406030204" pitchFamily="18" charset="0"/>
+                              <a:ea typeface="Cambria Math" panose="02040503050406030204" pitchFamily="18" charset="0"/>
+                            </a:rPr>
+                            <m:t>)</m:t>
+                          </m:r>
+                        </m:e>
+                      </m:func>
+                    </m:oMath>
+                  </m:oMathPara>
+                </a14:m>
+                <a:endParaRPr lang="en-US" dirty="0">
+                  <a:solidFill>
+                    <a:srgbClr val="FF0000"/>
+                  </a:solidFill>
+                </a:endParaRPr>
+              </a:p>
+            </p:txBody>
+          </p:sp>
+        </mc:Choice>
+        <mc:Fallback xmlns="">
+          <p:sp>
+            <p:nvSpPr>
+              <p:cNvPr id="39" name="TextBox 38">
+                <a:extLst>
+                  <a:ext uri="{FF2B5EF4-FFF2-40B4-BE49-F238E27FC236}">
+                    <a16:creationId xmlns:a16="http://schemas.microsoft.com/office/drawing/2014/main" id="{CBD131E2-571B-4839-B1B9-62041A6C3A8C}"/>
+                  </a:ext>
+                </a:extLst>
+              </p:cNvPr>
+              <p:cNvSpPr txBox="1">
+                <a:spLocks noRot="1" noChangeAspect="1" noMove="1" noResize="1" noEditPoints="1" noAdjustHandles="1" noChangeArrowheads="1" noChangeShapeType="1" noTextEdit="1"/>
+              </p:cNvSpPr>
+              <p:nvPr/>
+            </p:nvSpPr>
+            <p:spPr>
+              <a:xfrm>
+                <a:off x="6220907" y="4734758"/>
+                <a:ext cx="1420069" cy="276999"/>
+              </a:xfrm>
+              <a:prstGeom prst="rect">
+                <a:avLst/>
+              </a:prstGeom>
+              <a:blipFill>
+                <a:blip r:embed="rId6"/>
+                <a:stretch>
+                  <a:fillRect l="-3433" t="-4444" r="-5579" b="-35556"/>
+                </a:stretch>
+              </a:blipFill>
+            </p:spPr>
+            <p:txBody>
+              <a:bodyPr/>
+              <a:lstStyle/>
+              <a:p>
+                <a:r>
+                  <a:rPr lang="en-US">
+                    <a:noFill/>
+                  </a:rPr>
+                  <a:t> </a:t>
+                </a:r>
+              </a:p>
+            </p:txBody>
+          </p:sp>
+        </mc:Fallback>
+      </mc:AlternateContent>
+      <p:cxnSp>
+        <p:nvCxnSpPr>
+          <p:cNvPr id="40" name="Straight Arrow Connector 39">
+            <a:extLst>
+              <a:ext uri="{FF2B5EF4-FFF2-40B4-BE49-F238E27FC236}">
+                <a16:creationId xmlns:a16="http://schemas.microsoft.com/office/drawing/2014/main" id="{69A5EEA7-6B26-4E02-892E-0EC24AE016C8}"/>
+              </a:ext>
+            </a:extLst>
+          </p:cNvPr>
+          <p:cNvCxnSpPr>
+            <a:cxnSpLocks/>
+          </p:cNvCxnSpPr>
+          <p:nvPr/>
+        </p:nvCxnSpPr>
+        <p:spPr>
+          <a:xfrm flipV="1">
+            <a:off x="5996605" y="4585872"/>
+            <a:ext cx="480395" cy="180625"/>
+          </a:xfrm>
+          <a:prstGeom prst="straightConnector1">
+            <a:avLst/>
+          </a:prstGeom>
+          <a:ln>
+            <a:solidFill>
+              <a:srgbClr val="FF0000"/>
+            </a:solidFill>
+            <a:prstDash val="sysDash"/>
+            <a:tailEnd type="triangle"/>
+          </a:ln>
+        </p:spPr>
+        <p:style>
+          <a:lnRef idx="3">
+            <a:schemeClr val="accent2"/>
+          </a:lnRef>
+          <a:fillRef idx="0">
+            <a:schemeClr val="accent2"/>
+          </a:fillRef>
+          <a:effectRef idx="2">
+            <a:schemeClr val="accent2"/>
+          </a:effectRef>
+          <a:fontRef idx="minor">
+            <a:schemeClr val="tx1"/>
+          </a:fontRef>
+        </p:style>
+      </p:cxnSp>
+      <mc:AlternateContent xmlns:mc="http://schemas.openxmlformats.org/markup-compatibility/2006" xmlns:a14="http://schemas.microsoft.com/office/drawing/2010/main">
+        <mc:Choice Requires="a14">
+          <p:sp>
+            <p:nvSpPr>
+              <p:cNvPr id="41" name="TextBox 40">
+                <a:extLst>
+                  <a:ext uri="{FF2B5EF4-FFF2-40B4-BE49-F238E27FC236}">
+                    <a16:creationId xmlns:a16="http://schemas.microsoft.com/office/drawing/2014/main" id="{E18878E0-ACEA-4321-8206-36085A824297}"/>
+                  </a:ext>
+                </a:extLst>
+              </p:cNvPr>
+              <p:cNvSpPr txBox="1"/>
+              <p:nvPr/>
+            </p:nvSpPr>
+            <p:spPr>
+              <a:xfrm>
+                <a:off x="5200105" y="3103767"/>
+                <a:ext cx="189475" cy="276999"/>
+              </a:xfrm>
+              <a:prstGeom prst="rect">
+                <a:avLst/>
+              </a:prstGeom>
+              <a:noFill/>
+            </p:spPr>
+            <p:txBody>
+              <a:bodyPr wrap="none" lIns="0" tIns="0" rIns="0" bIns="0" rtlCol="0">
+                <a:spAutoFit/>
+              </a:bodyPr>
+              <a:lstStyle/>
+              <a:p>
+                <a:pPr/>
+                <a14:m>
+                  <m:oMathPara xmlns:m="http://schemas.openxmlformats.org/officeDocument/2006/math">
+                    <m:oMathParaPr>
+                      <m:jc m:val="centerGroup"/>
+                    </m:oMathParaPr>
+                    <m:oMath xmlns:m="http://schemas.openxmlformats.org/officeDocument/2006/math">
+                      <m:r>
+                        <a:rPr lang="en-US" i="1" smtClean="0">
+                          <a:solidFill>
+                            <a:schemeClr val="tx1"/>
+                          </a:solidFill>
+                          <a:latin typeface="Cambria Math" panose="02040503050406030204" pitchFamily="18" charset="0"/>
+                          <a:ea typeface="Cambria Math" panose="02040503050406030204" pitchFamily="18" charset="0"/>
+                        </a:rPr>
+                        <m:t>𝜃</m:t>
+                      </m:r>
+                    </m:oMath>
+                  </m:oMathPara>
+                </a14:m>
+                <a:endParaRPr lang="en-US" dirty="0">
+                  <a:solidFill>
+                    <a:schemeClr val="tx1"/>
+                  </a:solidFill>
+                </a:endParaRPr>
+              </a:p>
+            </p:txBody>
+          </p:sp>
+        </mc:Choice>
+        <mc:Fallback xmlns="">
+          <p:sp>
+            <p:nvSpPr>
+              <p:cNvPr id="41" name="TextBox 40">
+                <a:extLst>
+                  <a:ext uri="{FF2B5EF4-FFF2-40B4-BE49-F238E27FC236}">
+                    <a16:creationId xmlns:a16="http://schemas.microsoft.com/office/drawing/2014/main" id="{E18878E0-ACEA-4321-8206-36085A824297}"/>
+                  </a:ext>
+                </a:extLst>
+              </p:cNvPr>
+              <p:cNvSpPr txBox="1">
+                <a:spLocks noRot="1" noChangeAspect="1" noMove="1" noResize="1" noEditPoints="1" noAdjustHandles="1" noChangeArrowheads="1" noChangeShapeType="1" noTextEdit="1"/>
+              </p:cNvSpPr>
+              <p:nvPr/>
+            </p:nvSpPr>
+            <p:spPr>
+              <a:xfrm>
+                <a:off x="5200105" y="3103767"/>
+                <a:ext cx="189475" cy="276999"/>
+              </a:xfrm>
+              <a:prstGeom prst="rect">
+                <a:avLst/>
+              </a:prstGeom>
+              <a:blipFill>
+                <a:blip r:embed="rId7"/>
+                <a:stretch>
+                  <a:fillRect l="-29032" r="-25806" b="-6522"/>
+                </a:stretch>
+              </a:blipFill>
+            </p:spPr>
+            <p:txBody>
+              <a:bodyPr/>
+              <a:lstStyle/>
+              <a:p>
+                <a:r>
+                  <a:rPr lang="en-US">
+                    <a:noFill/>
+                  </a:rPr>
+                  <a:t> </a:t>
+                </a:r>
+              </a:p>
+            </p:txBody>
+          </p:sp>
+        </mc:Fallback>
+      </mc:AlternateContent>
+      <mc:AlternateContent xmlns:mc="http://schemas.openxmlformats.org/markup-compatibility/2006" xmlns:a14="http://schemas.microsoft.com/office/drawing/2010/main">
+        <mc:Choice Requires="a14">
+          <p:sp>
+            <p:nvSpPr>
+              <p:cNvPr id="42" name="TextBox 41">
+                <a:extLst>
+                  <a:ext uri="{FF2B5EF4-FFF2-40B4-BE49-F238E27FC236}">
+                    <a16:creationId xmlns:a16="http://schemas.microsoft.com/office/drawing/2014/main" id="{EC7869DC-5168-4ABF-BE7F-D7B374F9E88D}"/>
+                  </a:ext>
+                </a:extLst>
+              </p:cNvPr>
+              <p:cNvSpPr txBox="1"/>
+              <p:nvPr/>
+            </p:nvSpPr>
+            <p:spPr>
+              <a:xfrm>
+                <a:off x="7905750" y="3742884"/>
+                <a:ext cx="457200" cy="369332"/>
+              </a:xfrm>
+              <a:prstGeom prst="rect">
+                <a:avLst/>
+              </a:prstGeom>
+              <a:noFill/>
+            </p:spPr>
+            <p:txBody>
+              <a:bodyPr wrap="square" rtlCol="0">
+                <a:spAutoFit/>
+              </a:bodyPr>
+              <a:lstStyle/>
+              <a:p>
+                <a:pPr/>
+                <a14:m>
+                  <m:oMathPara xmlns:m="http://schemas.openxmlformats.org/officeDocument/2006/math">
+                    <m:oMathParaPr>
+                      <m:jc m:val="centerGroup"/>
+                    </m:oMathParaPr>
+                    <m:oMath xmlns:m="http://schemas.openxmlformats.org/officeDocument/2006/math">
+                      <m:r>
+                        <a:rPr lang="en-US" b="0" i="1" smtClean="0">
+                          <a:latin typeface="Cambria Math"/>
+                        </a:rPr>
+                        <m:t>𝑟</m:t>
+                      </m:r>
+                    </m:oMath>
+                  </m:oMathPara>
+                </a14:m>
+                <a:endParaRPr lang="en-US" dirty="0"/>
+              </a:p>
+            </p:txBody>
+          </p:sp>
+        </mc:Choice>
+        <mc:Fallback xmlns="">
+          <p:sp>
+            <p:nvSpPr>
+              <p:cNvPr id="42" name="TextBox 41">
+                <a:extLst>
+                  <a:ext uri="{FF2B5EF4-FFF2-40B4-BE49-F238E27FC236}">
+                    <a16:creationId xmlns:a16="http://schemas.microsoft.com/office/drawing/2014/main" id="{EC7869DC-5168-4ABF-BE7F-D7B374F9E88D}"/>
+                  </a:ext>
+                </a:extLst>
+              </p:cNvPr>
+              <p:cNvSpPr txBox="1">
+                <a:spLocks noRot="1" noChangeAspect="1" noMove="1" noResize="1" noEditPoints="1" noAdjustHandles="1" noChangeArrowheads="1" noChangeShapeType="1" noTextEdit="1"/>
+              </p:cNvSpPr>
+              <p:nvPr/>
+            </p:nvSpPr>
+            <p:spPr>
+              <a:xfrm>
+                <a:off x="7905750" y="3742884"/>
+                <a:ext cx="457200" cy="369332"/>
+              </a:xfrm>
+              <a:prstGeom prst="rect">
+                <a:avLst/>
+              </a:prstGeom>
+              <a:blipFill>
+                <a:blip r:embed="rId8"/>
+                <a:stretch>
+                  <a:fillRect/>
+                </a:stretch>
+              </a:blipFill>
+            </p:spPr>
+            <p:txBody>
+              <a:bodyPr/>
+              <a:lstStyle/>
+              <a:p>
+                <a:r>
+                  <a:rPr lang="en-US">
+                    <a:noFill/>
+                  </a:rPr>
+                  <a:t> </a:t>
+                </a:r>
+              </a:p>
+            </p:txBody>
+          </p:sp>
+        </mc:Fallback>
+      </mc:AlternateContent>
+      <p:cxnSp>
+        <p:nvCxnSpPr>
+          <p:cNvPr id="43" name="Straight Arrow Connector 42">
+            <a:extLst>
+              <a:ext uri="{FF2B5EF4-FFF2-40B4-BE49-F238E27FC236}">
+                <a16:creationId xmlns:a16="http://schemas.microsoft.com/office/drawing/2014/main" id="{6AF4335B-510D-4C23-AF06-2DFC882D9AE8}"/>
+              </a:ext>
+            </a:extLst>
+          </p:cNvPr>
+          <p:cNvCxnSpPr>
+            <a:cxnSpLocks/>
+          </p:cNvCxnSpPr>
+          <p:nvPr/>
+        </p:nvCxnSpPr>
+        <p:spPr>
+          <a:xfrm flipH="1" flipV="1">
+            <a:off x="5362575" y="3445581"/>
+            <a:ext cx="549090" cy="1267049"/>
+          </a:xfrm>
+          <a:prstGeom prst="straightConnector1">
+            <a:avLst/>
+          </a:prstGeom>
+          <a:ln>
+            <a:tailEnd type="arrow"/>
+          </a:ln>
+        </p:spPr>
+        <p:style>
+          <a:lnRef idx="1">
+            <a:schemeClr val="dk1"/>
+          </a:lnRef>
+          <a:fillRef idx="0">
+            <a:schemeClr val="dk1"/>
+          </a:fillRef>
+          <a:effectRef idx="0">
+            <a:schemeClr val="dk1"/>
+          </a:effectRef>
+          <a:fontRef idx="minor">
+            <a:schemeClr val="tx1"/>
+          </a:fontRef>
+        </p:style>
+      </p:cxnSp>
+      <p:cxnSp>
+        <p:nvCxnSpPr>
+          <p:cNvPr id="44" name="Straight Arrow Connector 43">
+            <a:extLst>
+              <a:ext uri="{FF2B5EF4-FFF2-40B4-BE49-F238E27FC236}">
+                <a16:creationId xmlns:a16="http://schemas.microsoft.com/office/drawing/2014/main" id="{E0EB7095-0683-4C03-9C4D-6A39A3DC7DE6}"/>
+              </a:ext>
+            </a:extLst>
+          </p:cNvPr>
+          <p:cNvCxnSpPr>
+            <a:cxnSpLocks/>
+          </p:cNvCxnSpPr>
+          <p:nvPr/>
+        </p:nvCxnSpPr>
+        <p:spPr>
+          <a:xfrm flipH="1" flipV="1">
+            <a:off x="5455699" y="3645839"/>
+            <a:ext cx="480810" cy="1147125"/>
+          </a:xfrm>
+          <a:prstGeom prst="straightConnector1">
+            <a:avLst/>
+          </a:prstGeom>
+          <a:ln>
+            <a:solidFill>
+              <a:srgbClr val="FF0000"/>
+            </a:solidFill>
+            <a:prstDash val="sysDash"/>
+            <a:tailEnd type="triangle"/>
+          </a:ln>
+        </p:spPr>
+        <p:style>
+          <a:lnRef idx="3">
+            <a:schemeClr val="accent2"/>
+          </a:lnRef>
+          <a:fillRef idx="0">
+            <a:schemeClr val="accent2"/>
+          </a:fillRef>
+          <a:effectRef idx="2">
+            <a:schemeClr val="accent2"/>
+          </a:effectRef>
+          <a:fontRef idx="minor">
+            <a:schemeClr val="tx1"/>
+          </a:fontRef>
+        </p:style>
+      </p:cxnSp>
+      <mc:AlternateContent xmlns:mc="http://schemas.openxmlformats.org/markup-compatibility/2006" xmlns:a14="http://schemas.microsoft.com/office/drawing/2010/main">
+        <mc:Choice Requires="a14">
+          <p:sp>
+            <p:nvSpPr>
+              <p:cNvPr id="46" name="TextBox 45">
+                <a:extLst>
+                  <a:ext uri="{FF2B5EF4-FFF2-40B4-BE49-F238E27FC236}">
+                    <a16:creationId xmlns:a16="http://schemas.microsoft.com/office/drawing/2014/main" id="{C491CA89-EE63-41A3-B462-DAB1C4383742}"/>
+                  </a:ext>
+                </a:extLst>
+              </p:cNvPr>
+              <p:cNvSpPr txBox="1"/>
+              <p:nvPr/>
+            </p:nvSpPr>
+            <p:spPr>
+              <a:xfrm>
+                <a:off x="6047121" y="3797696"/>
+                <a:ext cx="849516" cy="369332"/>
+              </a:xfrm>
+              <a:prstGeom prst="rect">
+                <a:avLst/>
+              </a:prstGeom>
+              <a:noFill/>
+            </p:spPr>
+            <p:txBody>
+              <a:bodyPr wrap="square" rtlCol="0">
+                <a:spAutoFit/>
+              </a:bodyPr>
+              <a:lstStyle/>
+              <a:p>
+                <a:pPr/>
+                <a14:m>
+                  <m:oMathPara xmlns:m="http://schemas.openxmlformats.org/officeDocument/2006/math">
+                    <m:oMathParaPr>
+                      <m:jc m:val="centerGroup"/>
+                    </m:oMathParaPr>
+                    <m:oMath xmlns:m="http://schemas.openxmlformats.org/officeDocument/2006/math">
+                      <m:r>
+                        <a:rPr lang="en-US" i="1" smtClean="0">
+                          <a:solidFill>
+                            <a:schemeClr val="accent1"/>
+                          </a:solidFill>
+                          <a:latin typeface="Cambria Math" panose="02040503050406030204" pitchFamily="18" charset="0"/>
+                          <a:ea typeface="Cambria Math" panose="02040503050406030204" pitchFamily="18" charset="0"/>
+                        </a:rPr>
+                        <m:t>𝜙</m:t>
+                      </m:r>
+                    </m:oMath>
+                  </m:oMathPara>
+                </a14:m>
+                <a:endParaRPr lang="en-US" dirty="0">
+                  <a:solidFill>
+                    <a:schemeClr val="accent1"/>
+                  </a:solidFill>
+                </a:endParaRPr>
+              </a:p>
+            </p:txBody>
+          </p:sp>
+        </mc:Choice>
+        <mc:Fallback xmlns="">
+          <p:sp>
+            <p:nvSpPr>
+              <p:cNvPr id="46" name="TextBox 45">
+                <a:extLst>
+                  <a:ext uri="{FF2B5EF4-FFF2-40B4-BE49-F238E27FC236}">
+                    <a16:creationId xmlns:a16="http://schemas.microsoft.com/office/drawing/2014/main" id="{C491CA89-EE63-41A3-B462-DAB1C4383742}"/>
+                  </a:ext>
+                </a:extLst>
+              </p:cNvPr>
+              <p:cNvSpPr txBox="1">
+                <a:spLocks noRot="1" noChangeAspect="1" noMove="1" noResize="1" noEditPoints="1" noAdjustHandles="1" noChangeArrowheads="1" noChangeShapeType="1" noTextEdit="1"/>
+              </p:cNvSpPr>
+              <p:nvPr/>
+            </p:nvSpPr>
+            <p:spPr>
+              <a:xfrm>
+                <a:off x="6047121" y="3797696"/>
+                <a:ext cx="849516" cy="369332"/>
+              </a:xfrm>
+              <a:prstGeom prst="rect">
+                <a:avLst/>
+              </a:prstGeom>
+              <a:blipFill>
+                <a:blip r:embed="rId9"/>
+                <a:stretch>
+                  <a:fillRect b="-11475"/>
+                </a:stretch>
+              </a:blipFill>
+            </p:spPr>
+            <p:txBody>
+              <a:bodyPr/>
+              <a:lstStyle/>
+              <a:p>
+                <a:r>
+                  <a:rPr lang="en-US">
+                    <a:noFill/>
+                  </a:rPr>
+                  <a:t> </a:t>
+                </a:r>
+              </a:p>
+            </p:txBody>
+          </p:sp>
+        </mc:Fallback>
+      </mc:AlternateContent>
+      <mc:AlternateContent xmlns:mc="http://schemas.openxmlformats.org/markup-compatibility/2006" xmlns:a14="http://schemas.microsoft.com/office/drawing/2010/main">
+        <mc:Choice Requires="a14">
+          <p:sp>
+            <p:nvSpPr>
+              <p:cNvPr id="47" name="TextBox 46">
+                <a:extLst>
+                  <a:ext uri="{FF2B5EF4-FFF2-40B4-BE49-F238E27FC236}">
+                    <a16:creationId xmlns:a16="http://schemas.microsoft.com/office/drawing/2014/main" id="{B9A3E76A-FBE4-4E73-9228-485A0D3E00EA}"/>
+                  </a:ext>
+                </a:extLst>
+              </p:cNvPr>
+              <p:cNvSpPr txBox="1"/>
+              <p:nvPr/>
+            </p:nvSpPr>
+            <p:spPr>
+              <a:xfrm>
+                <a:off x="4030932" y="4167028"/>
+                <a:ext cx="1487458" cy="276999"/>
+              </a:xfrm>
+              <a:prstGeom prst="rect">
+                <a:avLst/>
+              </a:prstGeom>
+              <a:noFill/>
+            </p:spPr>
+            <p:txBody>
+              <a:bodyPr wrap="none" lIns="0" tIns="0" rIns="0" bIns="0" rtlCol="0">
+                <a:spAutoFit/>
+              </a:bodyPr>
+              <a:lstStyle/>
+              <a:p>
+                <a:pPr/>
+                <a14:m>
+                  <m:oMathPara xmlns:m="http://schemas.openxmlformats.org/officeDocument/2006/math">
+                    <m:oMathParaPr>
+                      <m:jc m:val="centerGroup"/>
+                    </m:oMathParaPr>
+                    <m:oMath xmlns:m="http://schemas.openxmlformats.org/officeDocument/2006/math">
+                      <m:sSub>
+                        <m:sSubPr>
+                          <m:ctrlPr>
+                            <a:rPr lang="en-US" i="1" smtClean="0">
+                              <a:solidFill>
+                                <a:srgbClr val="FF0000"/>
+                              </a:solidFill>
+                              <a:latin typeface="Cambria Math" panose="02040503050406030204" pitchFamily="18" charset="0"/>
+                            </a:rPr>
+                          </m:ctrlPr>
+                        </m:sSubPr>
+                        <m:e>
+                          <m:r>
+                            <a:rPr lang="en-US" b="0" i="1" smtClean="0">
+                              <a:solidFill>
+                                <a:srgbClr val="FF0000"/>
+                              </a:solidFill>
+                              <a:latin typeface="Cambria Math" panose="02040503050406030204" pitchFamily="18" charset="0"/>
+                            </a:rPr>
+                            <m:t>𝐹</m:t>
+                          </m:r>
+                        </m:e>
+                        <m:sub>
+                          <m:r>
+                            <a:rPr lang="en-US" i="1">
+                              <a:solidFill>
+                                <a:srgbClr val="FF0000"/>
+                              </a:solidFill>
+                              <a:latin typeface="Cambria Math"/>
+                              <a:ea typeface="Cambria Math"/>
+                            </a:rPr>
+                            <m:t>𝜃</m:t>
+                          </m:r>
+                          <m:r>
+                            <m:rPr>
+                              <m:nor/>
+                            </m:rPr>
+                            <a:rPr lang="en-US" dirty="0">
+                              <a:solidFill>
+                                <a:srgbClr val="FF0000"/>
+                              </a:solidFill>
+                            </a:rPr>
+                            <m:t> </m:t>
+                          </m:r>
+                        </m:sub>
+                      </m:sSub>
+                      <m:r>
+                        <a:rPr lang="en-US" i="1">
+                          <a:solidFill>
+                            <a:srgbClr val="FF0000"/>
+                          </a:solidFill>
+                          <a:latin typeface="Cambria Math" panose="02040503050406030204" pitchFamily="18" charset="0"/>
+                        </a:rPr>
+                        <m:t>=</m:t>
+                      </m:r>
+                      <m:r>
+                        <a:rPr lang="en-US" b="0" i="1" smtClean="0">
+                          <a:solidFill>
+                            <a:srgbClr val="FF0000"/>
+                          </a:solidFill>
+                          <a:latin typeface="Cambria Math" panose="02040503050406030204" pitchFamily="18" charset="0"/>
+                        </a:rPr>
+                        <m:t>𝐹</m:t>
+                      </m:r>
+                      <m:r>
+                        <a:rPr lang="en-US" b="0" i="1" smtClean="0">
+                          <a:solidFill>
+                            <a:srgbClr val="FF0000"/>
+                          </a:solidFill>
+                          <a:latin typeface="Cambria Math" panose="02040503050406030204" pitchFamily="18" charset="0"/>
+                        </a:rPr>
+                        <m:t> </m:t>
+                      </m:r>
+                      <m:r>
+                        <m:rPr>
+                          <m:sty m:val="p"/>
+                        </m:rPr>
+                        <a:rPr lang="en-US" b="0" i="0" smtClean="0">
+                          <a:solidFill>
+                            <a:srgbClr val="FF0000"/>
+                          </a:solidFill>
+                          <a:latin typeface="Cambria Math" panose="02040503050406030204" pitchFamily="18" charset="0"/>
+                        </a:rPr>
+                        <m:t>sin</m:t>
+                      </m:r>
+                      <m:r>
+                        <a:rPr lang="en-US" b="0" i="1" smtClean="0">
+                          <a:solidFill>
+                            <a:srgbClr val="FF0000"/>
+                          </a:solidFill>
+                          <a:latin typeface="Cambria Math" panose="02040503050406030204" pitchFamily="18" charset="0"/>
+                        </a:rPr>
+                        <m:t>⁡(</m:t>
+                      </m:r>
+                      <m:r>
+                        <a:rPr lang="en-US" b="0" i="1" smtClean="0">
+                          <a:solidFill>
+                            <a:srgbClr val="FF0000"/>
+                          </a:solidFill>
+                          <a:latin typeface="Cambria Math" panose="02040503050406030204" pitchFamily="18" charset="0"/>
+                          <a:ea typeface="Cambria Math" panose="02040503050406030204" pitchFamily="18" charset="0"/>
+                        </a:rPr>
+                        <m:t>𝜙</m:t>
+                      </m:r>
+                      <m:r>
+                        <a:rPr lang="en-US" b="0" i="1" smtClean="0">
+                          <a:solidFill>
+                            <a:srgbClr val="FF0000"/>
+                          </a:solidFill>
+                          <a:latin typeface="Cambria Math" panose="02040503050406030204" pitchFamily="18" charset="0"/>
+                          <a:ea typeface="Cambria Math"/>
+                        </a:rPr>
+                        <m:t>)</m:t>
+                      </m:r>
+                    </m:oMath>
+                  </m:oMathPara>
+                </a14:m>
+                <a:endParaRPr lang="en-US" dirty="0">
+                  <a:solidFill>
+                    <a:srgbClr val="FF0000"/>
+                  </a:solidFill>
+                </a:endParaRPr>
+              </a:p>
+            </p:txBody>
+          </p:sp>
+        </mc:Choice>
+        <mc:Fallback xmlns="">
+          <p:sp>
+            <p:nvSpPr>
+              <p:cNvPr id="47" name="TextBox 46">
+                <a:extLst>
+                  <a:ext uri="{FF2B5EF4-FFF2-40B4-BE49-F238E27FC236}">
+                    <a16:creationId xmlns:a16="http://schemas.microsoft.com/office/drawing/2014/main" id="{B9A3E76A-FBE4-4E73-9228-485A0D3E00EA}"/>
+                  </a:ext>
+                </a:extLst>
+              </p:cNvPr>
+              <p:cNvSpPr txBox="1">
+                <a:spLocks noRot="1" noChangeAspect="1" noMove="1" noResize="1" noEditPoints="1" noAdjustHandles="1" noChangeArrowheads="1" noChangeShapeType="1" noTextEdit="1"/>
+              </p:cNvSpPr>
+              <p:nvPr/>
+            </p:nvSpPr>
+            <p:spPr>
+              <a:xfrm>
+                <a:off x="4030932" y="4167028"/>
+                <a:ext cx="1487458" cy="276999"/>
+              </a:xfrm>
+              <a:prstGeom prst="rect">
+                <a:avLst/>
+              </a:prstGeom>
+              <a:blipFill>
+                <a:blip r:embed="rId10"/>
+                <a:stretch>
+                  <a:fillRect l="-3279" t="-4444" r="-5328" b="-35556"/>
+                </a:stretch>
+              </a:blipFill>
+            </p:spPr>
+            <p:txBody>
+              <a:bodyPr/>
+              <a:lstStyle/>
+              <a:p>
+                <a:r>
+                  <a:rPr lang="en-US">
+                    <a:noFill/>
+                  </a:rPr>
+                  <a:t> </a:t>
+                </a:r>
+              </a:p>
+            </p:txBody>
+          </p:sp>
+        </mc:Fallback>
+      </mc:AlternateContent>
+      <mc:AlternateContent xmlns:mc="http://schemas.openxmlformats.org/markup-compatibility/2006" xmlns:a14="http://schemas.microsoft.com/office/drawing/2010/main">
+        <mc:Choice Requires="a14">
+          <p:sp>
+            <p:nvSpPr>
+              <p:cNvPr id="48" name="TextBox 47">
+                <a:extLst>
+                  <a:ext uri="{FF2B5EF4-FFF2-40B4-BE49-F238E27FC236}">
+                    <a16:creationId xmlns:a16="http://schemas.microsoft.com/office/drawing/2014/main" id="{0CFDCC8D-98BC-4992-A750-9F185AEF1768}"/>
+                  </a:ext>
+                </a:extLst>
+              </p:cNvPr>
+              <p:cNvSpPr txBox="1"/>
+              <p:nvPr/>
+            </p:nvSpPr>
+            <p:spPr>
+              <a:xfrm>
+                <a:off x="3760189" y="5029082"/>
+                <a:ext cx="457200" cy="369332"/>
+              </a:xfrm>
+              <a:prstGeom prst="rect">
+                <a:avLst/>
+              </a:prstGeom>
+              <a:noFill/>
+            </p:spPr>
+            <p:txBody>
+              <a:bodyPr wrap="square" rtlCol="0">
+                <a:spAutoFit/>
+              </a:bodyPr>
+              <a:lstStyle/>
+              <a:p>
+                <a:pPr/>
+                <a14:m>
+                  <m:oMathPara xmlns:m="http://schemas.openxmlformats.org/officeDocument/2006/math">
+                    <m:oMathParaPr>
+                      <m:jc m:val="centerGroup"/>
+                    </m:oMathParaPr>
+                    <m:oMath xmlns:m="http://schemas.openxmlformats.org/officeDocument/2006/math">
+                      <m:r>
+                        <a:rPr lang="en-US" b="0" i="1" smtClean="0">
+                          <a:solidFill>
+                            <a:schemeClr val="accent1"/>
+                          </a:solidFill>
+                          <a:latin typeface="Cambria Math"/>
+                        </a:rPr>
+                        <m:t>𝑟</m:t>
+                      </m:r>
+                    </m:oMath>
+                  </m:oMathPara>
+                </a14:m>
+                <a:endParaRPr lang="en-US" dirty="0">
+                  <a:solidFill>
+                    <a:schemeClr val="accent1"/>
+                  </a:solidFill>
+                </a:endParaRPr>
+              </a:p>
+            </p:txBody>
+          </p:sp>
+        </mc:Choice>
+        <mc:Fallback xmlns="">
+          <p:sp>
+            <p:nvSpPr>
+              <p:cNvPr id="48" name="TextBox 47">
+                <a:extLst>
+                  <a:ext uri="{FF2B5EF4-FFF2-40B4-BE49-F238E27FC236}">
+                    <a16:creationId xmlns:a16="http://schemas.microsoft.com/office/drawing/2014/main" id="{0CFDCC8D-98BC-4992-A750-9F185AEF1768}"/>
+                  </a:ext>
+                </a:extLst>
+              </p:cNvPr>
+              <p:cNvSpPr txBox="1">
+                <a:spLocks noRot="1" noChangeAspect="1" noMove="1" noResize="1" noEditPoints="1" noAdjustHandles="1" noChangeArrowheads="1" noChangeShapeType="1" noTextEdit="1"/>
+              </p:cNvSpPr>
+              <p:nvPr/>
+            </p:nvSpPr>
+            <p:spPr>
+              <a:xfrm>
+                <a:off x="3760189" y="5029082"/>
+                <a:ext cx="457200" cy="369332"/>
+              </a:xfrm>
+              <a:prstGeom prst="rect">
+                <a:avLst/>
+              </a:prstGeom>
+              <a:blipFill>
+                <a:blip r:embed="rId11"/>
+                <a:stretch>
+                  <a:fillRect/>
+                </a:stretch>
+              </a:blipFill>
+            </p:spPr>
+            <p:txBody>
+              <a:bodyPr/>
+              <a:lstStyle/>
+              <a:p>
+                <a:r>
+                  <a:rPr lang="en-US">
+                    <a:noFill/>
+                  </a:rPr>
+                  <a:t> </a:t>
+                </a:r>
+              </a:p>
+            </p:txBody>
+          </p:sp>
+        </mc:Fallback>
+      </mc:AlternateContent>
+    </p:spTree>
+    <p:extLst>
+      <p:ext uri="{BB962C8B-B14F-4D97-AF65-F5344CB8AC3E}">
+        <p14:creationId xmlns:p14="http://schemas.microsoft.com/office/powerpoint/2010/main" val="4101512756"/>
+      </p:ext>
+    </p:extLst>
+  </p:cSld>
+  <p:clrMapOvr>
+    <a:masterClrMapping/>
+  </p:clrMapOvr>
+  <p:timing>
+    <p:tnLst>
+      <p:par>
+        <p:cTn id="1" dur="indefinite" restart="never" nodeType="tmRoot">
+          <p:childTnLst>
+            <p:seq concurrent="1" nextAc="seek">
+              <p:cTn id="2" dur="indefinite" nodeType="mainSeq">
+                <p:childTnLst>
+                  <p:par>
+                    <p:cTn id="3" fill="hold">
+                      <p:stCondLst>
+                        <p:cond delay="indefinite"/>
+                      </p:stCondLst>
+                      <p:childTnLst>
+                        <p:par>
+                          <p:cTn id="4" fill="hold">
+                            <p:stCondLst>
+                              <p:cond delay="0"/>
+                            </p:stCondLst>
+                            <p:childTnLst>
+                              <p:par>
+                                <p:cTn id="5" presetID="1" presetClass="entr" presetSubtype="0" fill="hold" grpId="0" nodeType="clickEffect">
+                                  <p:stCondLst>
+                                    <p:cond delay="0"/>
+                                  </p:stCondLst>
+                                  <p:childTnLst>
+                                    <p:set>
+                                      <p:cBhvr>
+                                        <p:cTn id="6" dur="1" fill="hold">
+                                          <p:stCondLst>
+                                            <p:cond delay="0"/>
+                                          </p:stCondLst>
+                                        </p:cTn>
+                                        <p:tgtEl>
+                                          <p:spTgt spid="18">
+                                            <p:txEl>
+                                              <p:pRg st="0" end="0"/>
+                                            </p:txEl>
+                                          </p:spTgt>
+                                        </p:tgtEl>
+                                        <p:attrNameLst>
+                                          <p:attrName>style.visibility</p:attrName>
+                                        </p:attrNameLst>
+                                      </p:cBhvr>
+                                      <p:to>
+                                        <p:strVal val="visible"/>
+                                      </p:to>
+                                    </p:set>
+                                  </p:childTnLst>
+                                </p:cTn>
+                              </p:par>
+                            </p:childTnLst>
+                          </p:cTn>
+                        </p:par>
+                      </p:childTnLst>
+                    </p:cTn>
+                  </p:par>
+                  <p:par>
+                    <p:cTn id="7" fill="hold">
+                      <p:stCondLst>
+                        <p:cond delay="indefinite"/>
+                      </p:stCondLst>
+                      <p:childTnLst>
+                        <p:par>
+                          <p:cTn id="8" fill="hold">
+                            <p:stCondLst>
+                              <p:cond delay="0"/>
+                            </p:stCondLst>
+                            <p:childTnLst>
+                              <p:par>
+                                <p:cTn id="9" presetID="1" presetClass="entr" presetSubtype="0" fill="hold" nodeType="clickEffect">
+                                  <p:stCondLst>
+                                    <p:cond delay="0"/>
+                                  </p:stCondLst>
+                                  <p:childTnLst>
+                                    <p:set>
+                                      <p:cBhvr>
+                                        <p:cTn id="10" dur="1" fill="hold">
+                                          <p:stCondLst>
+                                            <p:cond delay="0"/>
+                                          </p:stCondLst>
+                                        </p:cTn>
+                                        <p:tgtEl>
+                                          <p:spTgt spid="28"/>
+                                        </p:tgtEl>
+                                        <p:attrNameLst>
+                                          <p:attrName>style.visibility</p:attrName>
+                                        </p:attrNameLst>
+                                      </p:cBhvr>
+                                      <p:to>
+                                        <p:strVal val="visible"/>
+                                      </p:to>
+                                    </p:set>
+                                  </p:childTnLst>
+                                </p:cTn>
+                              </p:par>
+                              <p:par>
+                                <p:cTn id="11" presetID="1" presetClass="entr" presetSubtype="0" fill="hold" grpId="0" nodeType="withEffect">
+                                  <p:stCondLst>
+                                    <p:cond delay="0"/>
+                                  </p:stCondLst>
+                                  <p:childTnLst>
+                                    <p:set>
+                                      <p:cBhvr>
+                                        <p:cTn id="12" dur="1" fill="hold">
+                                          <p:stCondLst>
+                                            <p:cond delay="0"/>
+                                          </p:stCondLst>
+                                        </p:cTn>
+                                        <p:tgtEl>
+                                          <p:spTgt spid="31"/>
+                                        </p:tgtEl>
+                                        <p:attrNameLst>
+                                          <p:attrName>style.visibility</p:attrName>
+                                        </p:attrNameLst>
+                                      </p:cBhvr>
+                                      <p:to>
+                                        <p:strVal val="visible"/>
+                                      </p:to>
+                                    </p:set>
+                                  </p:childTnLst>
+                                </p:cTn>
+                              </p:par>
+                              <p:par>
+                                <p:cTn id="13" presetID="1" presetClass="entr" presetSubtype="0" fill="hold" nodeType="withEffect">
+                                  <p:stCondLst>
+                                    <p:cond delay="0"/>
+                                  </p:stCondLst>
+                                  <p:childTnLst>
+                                    <p:set>
+                                      <p:cBhvr>
+                                        <p:cTn id="14" dur="1" fill="hold">
+                                          <p:stCondLst>
+                                            <p:cond delay="0"/>
+                                          </p:stCondLst>
+                                        </p:cTn>
+                                        <p:tgtEl>
+                                          <p:spTgt spid="25"/>
+                                        </p:tgtEl>
+                                        <p:attrNameLst>
+                                          <p:attrName>style.visibility</p:attrName>
+                                        </p:attrNameLst>
+                                      </p:cBhvr>
+                                      <p:to>
+                                        <p:strVal val="visible"/>
+                                      </p:to>
+                                    </p:set>
+                                  </p:childTnLst>
+                                </p:cTn>
+                              </p:par>
+                              <p:par>
+                                <p:cTn id="15" presetID="1" presetClass="entr" presetSubtype="0" fill="hold" nodeType="withEffect">
+                                  <p:stCondLst>
+                                    <p:cond delay="0"/>
+                                  </p:stCondLst>
+                                  <p:childTnLst>
+                                    <p:set>
+                                      <p:cBhvr>
+                                        <p:cTn id="16" dur="1" fill="hold">
+                                          <p:stCondLst>
+                                            <p:cond delay="0"/>
+                                          </p:stCondLst>
+                                        </p:cTn>
+                                        <p:tgtEl>
+                                          <p:spTgt spid="29"/>
+                                        </p:tgtEl>
+                                        <p:attrNameLst>
+                                          <p:attrName>style.visibility</p:attrName>
+                                        </p:attrNameLst>
+                                      </p:cBhvr>
+                                      <p:to>
+                                        <p:strVal val="visible"/>
+                                      </p:to>
+                                    </p:set>
+                                  </p:childTnLst>
+                                </p:cTn>
+                              </p:par>
+                              <p:par>
+                                <p:cTn id="17" presetID="1" presetClass="entr" presetSubtype="0" fill="hold" grpId="0" nodeType="withEffect">
+                                  <p:stCondLst>
+                                    <p:cond delay="0"/>
+                                  </p:stCondLst>
+                                  <p:childTnLst>
+                                    <p:set>
+                                      <p:cBhvr>
+                                        <p:cTn id="18" dur="1" fill="hold">
+                                          <p:stCondLst>
+                                            <p:cond delay="0"/>
+                                          </p:stCondLst>
+                                        </p:cTn>
+                                        <p:tgtEl>
+                                          <p:spTgt spid="30"/>
+                                        </p:tgtEl>
+                                        <p:attrNameLst>
+                                          <p:attrName>style.visibility</p:attrName>
+                                        </p:attrNameLst>
+                                      </p:cBhvr>
+                                      <p:to>
+                                        <p:strVal val="visible"/>
+                                      </p:to>
+                                    </p:set>
+                                  </p:childTnLst>
+                                </p:cTn>
+                              </p:par>
+                              <p:par>
+                                <p:cTn id="19" presetID="1" presetClass="entr" presetSubtype="0" fill="hold" nodeType="withEffect">
+                                  <p:stCondLst>
+                                    <p:cond delay="0"/>
+                                  </p:stCondLst>
+                                  <p:childTnLst>
+                                    <p:set>
+                                      <p:cBhvr>
+                                        <p:cTn id="20" dur="1" fill="hold">
+                                          <p:stCondLst>
+                                            <p:cond delay="0"/>
+                                          </p:stCondLst>
+                                        </p:cTn>
+                                        <p:tgtEl>
+                                          <p:spTgt spid="20"/>
+                                        </p:tgtEl>
+                                        <p:attrNameLst>
+                                          <p:attrName>style.visibility</p:attrName>
+                                        </p:attrNameLst>
+                                      </p:cBhvr>
+                                      <p:to>
+                                        <p:strVal val="visible"/>
+                                      </p:to>
+                                    </p:set>
+                                  </p:childTnLst>
+                                </p:cTn>
+                              </p:par>
+                            </p:childTnLst>
+                          </p:cTn>
+                        </p:par>
+                      </p:childTnLst>
+                    </p:cTn>
+                  </p:par>
+                  <p:par>
+                    <p:cTn id="21" fill="hold">
+                      <p:stCondLst>
+                        <p:cond delay="indefinite"/>
+                      </p:stCondLst>
+                      <p:childTnLst>
+                        <p:par>
+                          <p:cTn id="22" fill="hold">
+                            <p:stCondLst>
+                              <p:cond delay="0"/>
+                            </p:stCondLst>
+                            <p:childTnLst>
+                              <p:par>
+                                <p:cTn id="23" presetID="1" presetClass="entr" presetSubtype="0" fill="hold" grpId="0" nodeType="clickEffect">
+                                  <p:stCondLst>
+                                    <p:cond delay="0"/>
+                                  </p:stCondLst>
+                                  <p:childTnLst>
+                                    <p:set>
+                                      <p:cBhvr>
+                                        <p:cTn id="24" dur="1" fill="hold">
+                                          <p:stCondLst>
+                                            <p:cond delay="0"/>
+                                          </p:stCondLst>
+                                        </p:cTn>
+                                        <p:tgtEl>
+                                          <p:spTgt spid="42"/>
+                                        </p:tgtEl>
+                                        <p:attrNameLst>
+                                          <p:attrName>style.visibility</p:attrName>
+                                        </p:attrNameLst>
+                                      </p:cBhvr>
+                                      <p:to>
+                                        <p:strVal val="visible"/>
+                                      </p:to>
+                                    </p:set>
+                                  </p:childTnLst>
+                                </p:cTn>
+                              </p:par>
+                              <p:par>
+                                <p:cTn id="25" presetID="1" presetClass="entr" presetSubtype="0" fill="hold" nodeType="withEffect">
+                                  <p:stCondLst>
+                                    <p:cond delay="0"/>
+                                  </p:stCondLst>
+                                  <p:childTnLst>
+                                    <p:set>
+                                      <p:cBhvr>
+                                        <p:cTn id="26" dur="1" fill="hold">
+                                          <p:stCondLst>
+                                            <p:cond delay="0"/>
+                                          </p:stCondLst>
+                                        </p:cTn>
+                                        <p:tgtEl>
+                                          <p:spTgt spid="26"/>
+                                        </p:tgtEl>
+                                        <p:attrNameLst>
+                                          <p:attrName>style.visibility</p:attrName>
+                                        </p:attrNameLst>
+                                      </p:cBhvr>
+                                      <p:to>
+                                        <p:strVal val="visible"/>
+                                      </p:to>
+                                    </p:set>
+                                  </p:childTnLst>
+                                </p:cTn>
+                              </p:par>
+                              <p:par>
+                                <p:cTn id="27" presetID="1" presetClass="entr" presetSubtype="0" fill="hold" nodeType="withEffect">
+                                  <p:stCondLst>
+                                    <p:cond delay="0"/>
+                                  </p:stCondLst>
+                                  <p:childTnLst>
+                                    <p:set>
+                                      <p:cBhvr>
+                                        <p:cTn id="28" dur="1" fill="hold">
+                                          <p:stCondLst>
+                                            <p:cond delay="0"/>
+                                          </p:stCondLst>
+                                        </p:cTn>
+                                        <p:tgtEl>
+                                          <p:spTgt spid="43"/>
+                                        </p:tgtEl>
+                                        <p:attrNameLst>
+                                          <p:attrName>style.visibility</p:attrName>
+                                        </p:attrNameLst>
+                                      </p:cBhvr>
+                                      <p:to>
+                                        <p:strVal val="visible"/>
+                                      </p:to>
+                                    </p:set>
+                                  </p:childTnLst>
+                                </p:cTn>
+                              </p:par>
+                              <p:par>
+                                <p:cTn id="29" presetID="1" presetClass="entr" presetSubtype="0" fill="hold" grpId="0" nodeType="withEffect">
+                                  <p:stCondLst>
+                                    <p:cond delay="0"/>
+                                  </p:stCondLst>
+                                  <p:childTnLst>
+                                    <p:set>
+                                      <p:cBhvr>
+                                        <p:cTn id="30" dur="1" fill="hold">
+                                          <p:stCondLst>
+                                            <p:cond delay="0"/>
+                                          </p:stCondLst>
+                                        </p:cTn>
+                                        <p:tgtEl>
+                                          <p:spTgt spid="41"/>
+                                        </p:tgtEl>
+                                        <p:attrNameLst>
+                                          <p:attrName>style.visibility</p:attrName>
+                                        </p:attrNameLst>
+                                      </p:cBhvr>
+                                      <p:to>
+                                        <p:strVal val="visible"/>
+                                      </p:to>
+                                    </p:set>
+                                  </p:childTnLst>
+                                </p:cTn>
+                              </p:par>
+                            </p:childTnLst>
+                          </p:cTn>
+                        </p:par>
+                      </p:childTnLst>
+                    </p:cTn>
+                  </p:par>
+                  <p:par>
+                    <p:cTn id="31" fill="hold">
+                      <p:stCondLst>
+                        <p:cond delay="indefinite"/>
+                      </p:stCondLst>
+                      <p:childTnLst>
+                        <p:par>
+                          <p:cTn id="32" fill="hold">
+                            <p:stCondLst>
+                              <p:cond delay="0"/>
+                            </p:stCondLst>
+                            <p:childTnLst>
+                              <p:par>
+                                <p:cTn id="33" presetID="1" presetClass="entr" presetSubtype="0" fill="hold" grpId="0" nodeType="clickEffect">
+                                  <p:stCondLst>
+                                    <p:cond delay="0"/>
+                                  </p:stCondLst>
+                                  <p:childTnLst>
+                                    <p:set>
+                                      <p:cBhvr>
+                                        <p:cTn id="34" dur="1" fill="hold">
+                                          <p:stCondLst>
+                                            <p:cond delay="0"/>
+                                          </p:stCondLst>
+                                        </p:cTn>
+                                        <p:tgtEl>
+                                          <p:spTgt spid="37"/>
+                                        </p:tgtEl>
+                                        <p:attrNameLst>
+                                          <p:attrName>style.visibility</p:attrName>
+                                        </p:attrNameLst>
+                                      </p:cBhvr>
+                                      <p:to>
+                                        <p:strVal val="visible"/>
+                                      </p:to>
+                                    </p:set>
+                                  </p:childTnLst>
+                                </p:cTn>
+                              </p:par>
+                              <p:par>
+                                <p:cTn id="35" presetID="1" presetClass="entr" presetSubtype="0" fill="hold" grpId="0" nodeType="withEffect">
+                                  <p:stCondLst>
+                                    <p:cond delay="0"/>
+                                  </p:stCondLst>
+                                  <p:childTnLst>
+                                    <p:set>
+                                      <p:cBhvr>
+                                        <p:cTn id="36" dur="1" fill="hold">
+                                          <p:stCondLst>
+                                            <p:cond delay="0"/>
+                                          </p:stCondLst>
+                                        </p:cTn>
+                                        <p:tgtEl>
+                                          <p:spTgt spid="27"/>
+                                        </p:tgtEl>
+                                        <p:attrNameLst>
+                                          <p:attrName>style.visibility</p:attrName>
+                                        </p:attrNameLst>
+                                      </p:cBhvr>
+                                      <p:to>
+                                        <p:strVal val="visible"/>
+                                      </p:to>
+                                    </p:set>
+                                  </p:childTnLst>
+                                </p:cTn>
+                              </p:par>
+                              <p:par>
+                                <p:cTn id="37" presetID="1" presetClass="entr" presetSubtype="0" fill="hold" grpId="0" nodeType="withEffect">
+                                  <p:stCondLst>
+                                    <p:cond delay="0"/>
+                                  </p:stCondLst>
+                                  <p:childTnLst>
+                                    <p:set>
+                                      <p:cBhvr>
+                                        <p:cTn id="38" dur="1" fill="hold">
+                                          <p:stCondLst>
+                                            <p:cond delay="0"/>
+                                          </p:stCondLst>
+                                        </p:cTn>
+                                        <p:tgtEl>
+                                          <p:spTgt spid="48"/>
+                                        </p:tgtEl>
+                                        <p:attrNameLst>
+                                          <p:attrName>style.visibility</p:attrName>
+                                        </p:attrNameLst>
+                                      </p:cBhvr>
+                                      <p:to>
+                                        <p:strVal val="visible"/>
+                                      </p:to>
+                                    </p:set>
+                                  </p:childTnLst>
+                                </p:cTn>
+                              </p:par>
+                            </p:childTnLst>
+                          </p:cTn>
+                        </p:par>
+                      </p:childTnLst>
+                    </p:cTn>
+                  </p:par>
+                  <p:par>
+                    <p:cTn id="39" fill="hold">
+                      <p:stCondLst>
+                        <p:cond delay="indefinite"/>
+                      </p:stCondLst>
+                      <p:childTnLst>
+                        <p:par>
+                          <p:cTn id="40" fill="hold">
+                            <p:stCondLst>
+                              <p:cond delay="0"/>
+                            </p:stCondLst>
+                            <p:childTnLst>
+                              <p:par>
+                                <p:cTn id="41" presetID="1" presetClass="entr" presetSubtype="0" fill="hold" nodeType="clickEffect">
+                                  <p:stCondLst>
+                                    <p:cond delay="0"/>
+                                  </p:stCondLst>
+                                  <p:childTnLst>
+                                    <p:set>
+                                      <p:cBhvr>
+                                        <p:cTn id="42" dur="1" fill="hold">
+                                          <p:stCondLst>
+                                            <p:cond delay="0"/>
+                                          </p:stCondLst>
+                                        </p:cTn>
+                                        <p:tgtEl>
+                                          <p:spTgt spid="33"/>
+                                        </p:tgtEl>
+                                        <p:attrNameLst>
+                                          <p:attrName>style.visibility</p:attrName>
+                                        </p:attrNameLst>
+                                      </p:cBhvr>
+                                      <p:to>
+                                        <p:strVal val="visible"/>
+                                      </p:to>
+                                    </p:set>
+                                  </p:childTnLst>
+                                </p:cTn>
+                              </p:par>
+                              <p:par>
+                                <p:cTn id="43" presetID="1" presetClass="entr" presetSubtype="0" fill="hold" grpId="0" nodeType="withEffect">
+                                  <p:stCondLst>
+                                    <p:cond delay="0"/>
+                                  </p:stCondLst>
+                                  <p:childTnLst>
+                                    <p:set>
+                                      <p:cBhvr>
+                                        <p:cTn id="44" dur="1" fill="hold">
+                                          <p:stCondLst>
+                                            <p:cond delay="0"/>
+                                          </p:stCondLst>
+                                        </p:cTn>
+                                        <p:tgtEl>
+                                          <p:spTgt spid="34"/>
+                                        </p:tgtEl>
+                                        <p:attrNameLst>
+                                          <p:attrName>style.visibility</p:attrName>
+                                        </p:attrNameLst>
+                                      </p:cBhvr>
+                                      <p:to>
+                                        <p:strVal val="visible"/>
+                                      </p:to>
+                                    </p:set>
+                                  </p:childTnLst>
+                                </p:cTn>
+                              </p:par>
+                              <p:par>
+                                <p:cTn id="45" presetID="1" presetClass="entr" presetSubtype="0" fill="hold" grpId="0" nodeType="withEffect">
+                                  <p:stCondLst>
+                                    <p:cond delay="0"/>
+                                  </p:stCondLst>
+                                  <p:childTnLst>
+                                    <p:set>
+                                      <p:cBhvr>
+                                        <p:cTn id="46" dur="1" fill="hold">
+                                          <p:stCondLst>
+                                            <p:cond delay="0"/>
+                                          </p:stCondLst>
+                                        </p:cTn>
+                                        <p:tgtEl>
+                                          <p:spTgt spid="46"/>
+                                        </p:tgtEl>
+                                        <p:attrNameLst>
+                                          <p:attrName>style.visibility</p:attrName>
+                                        </p:attrNameLst>
+                                      </p:cBhvr>
+                                      <p:to>
+                                        <p:strVal val="visible"/>
+                                      </p:to>
+                                    </p:set>
+                                  </p:childTnLst>
+                                </p:cTn>
+                              </p:par>
+                              <p:par>
+                                <p:cTn id="47" presetID="1" presetClass="entr" presetSubtype="0" fill="hold" grpId="0" nodeType="withEffect">
+                                  <p:stCondLst>
+                                    <p:cond delay="0"/>
+                                  </p:stCondLst>
+                                  <p:childTnLst>
+                                    <p:set>
+                                      <p:cBhvr>
+                                        <p:cTn id="48" dur="1" fill="hold">
+                                          <p:stCondLst>
+                                            <p:cond delay="0"/>
+                                          </p:stCondLst>
+                                        </p:cTn>
+                                        <p:tgtEl>
+                                          <p:spTgt spid="38"/>
+                                        </p:tgtEl>
+                                        <p:attrNameLst>
+                                          <p:attrName>style.visibility</p:attrName>
+                                        </p:attrNameLst>
+                                      </p:cBhvr>
+                                      <p:to>
+                                        <p:strVal val="visible"/>
+                                      </p:to>
+                                    </p:set>
+                                  </p:childTnLst>
+                                </p:cTn>
+                              </p:par>
+                            </p:childTnLst>
+                          </p:cTn>
+                        </p:par>
+                      </p:childTnLst>
+                    </p:cTn>
+                  </p:par>
+                  <p:par>
+                    <p:cTn id="49" fill="hold">
+                      <p:stCondLst>
+                        <p:cond delay="indefinite"/>
+                      </p:stCondLst>
+                      <p:childTnLst>
+                        <p:par>
+                          <p:cTn id="50" fill="hold">
+                            <p:stCondLst>
+                              <p:cond delay="0"/>
+                            </p:stCondLst>
+                            <p:childTnLst>
+                              <p:par>
+                                <p:cTn id="51" presetID="1" presetClass="entr" presetSubtype="0" fill="hold" grpId="0" nodeType="clickEffect">
+                                  <p:stCondLst>
+                                    <p:cond delay="0"/>
+                                  </p:stCondLst>
+                                  <p:childTnLst>
+                                    <p:set>
+                                      <p:cBhvr>
+                                        <p:cTn id="52" dur="1" fill="hold">
+                                          <p:stCondLst>
+                                            <p:cond delay="0"/>
+                                          </p:stCondLst>
+                                        </p:cTn>
+                                        <p:tgtEl>
+                                          <p:spTgt spid="18">
+                                            <p:txEl>
+                                              <p:pRg st="1" end="1"/>
+                                            </p:txEl>
+                                          </p:spTgt>
+                                        </p:tgtEl>
+                                        <p:attrNameLst>
+                                          <p:attrName>style.visibility</p:attrName>
+                                        </p:attrNameLst>
+                                      </p:cBhvr>
+                                      <p:to>
+                                        <p:strVal val="visible"/>
+                                      </p:to>
+                                    </p:set>
+                                  </p:childTnLst>
+                                </p:cTn>
+                              </p:par>
+                            </p:childTnLst>
+                          </p:cTn>
+                        </p:par>
+                      </p:childTnLst>
+                    </p:cTn>
+                  </p:par>
+                  <p:par>
+                    <p:cTn id="53" fill="hold">
+                      <p:stCondLst>
+                        <p:cond delay="indefinite"/>
+                      </p:stCondLst>
+                      <p:childTnLst>
+                        <p:par>
+                          <p:cTn id="54" fill="hold">
+                            <p:stCondLst>
+                              <p:cond delay="0"/>
+                            </p:stCondLst>
+                            <p:childTnLst>
+                              <p:par>
+                                <p:cTn id="55" presetID="1" presetClass="entr" presetSubtype="0" fill="hold" nodeType="clickEffect">
+                                  <p:stCondLst>
+                                    <p:cond delay="0"/>
+                                  </p:stCondLst>
+                                  <p:childTnLst>
+                                    <p:set>
+                                      <p:cBhvr>
+                                        <p:cTn id="56" dur="1" fill="hold">
+                                          <p:stCondLst>
+                                            <p:cond delay="0"/>
+                                          </p:stCondLst>
+                                        </p:cTn>
+                                        <p:tgtEl>
+                                          <p:spTgt spid="44"/>
+                                        </p:tgtEl>
+                                        <p:attrNameLst>
+                                          <p:attrName>style.visibility</p:attrName>
+                                        </p:attrNameLst>
+                                      </p:cBhvr>
+                                      <p:to>
+                                        <p:strVal val="visible"/>
+                                      </p:to>
+                                    </p:set>
+                                  </p:childTnLst>
+                                </p:cTn>
+                              </p:par>
+                              <p:par>
+                                <p:cTn id="57" presetID="1" presetClass="entr" presetSubtype="0" fill="hold" grpId="0" nodeType="withEffect">
+                                  <p:stCondLst>
+                                    <p:cond delay="0"/>
+                                  </p:stCondLst>
+                                  <p:childTnLst>
+                                    <p:set>
+                                      <p:cBhvr>
+                                        <p:cTn id="58" dur="1" fill="hold">
+                                          <p:stCondLst>
+                                            <p:cond delay="0"/>
+                                          </p:stCondLst>
+                                        </p:cTn>
+                                        <p:tgtEl>
+                                          <p:spTgt spid="47"/>
+                                        </p:tgtEl>
+                                        <p:attrNameLst>
+                                          <p:attrName>style.visibility</p:attrName>
+                                        </p:attrNameLst>
+                                      </p:cBhvr>
+                                      <p:to>
+                                        <p:strVal val="visible"/>
+                                      </p:to>
+                                    </p:set>
+                                  </p:childTnLst>
+                                </p:cTn>
+                              </p:par>
+                              <p:par>
+                                <p:cTn id="59" presetID="1" presetClass="entr" presetSubtype="0" fill="hold" nodeType="withEffect">
+                                  <p:stCondLst>
+                                    <p:cond delay="0"/>
+                                  </p:stCondLst>
+                                  <p:childTnLst>
+                                    <p:set>
+                                      <p:cBhvr>
+                                        <p:cTn id="60" dur="1" fill="hold">
+                                          <p:stCondLst>
+                                            <p:cond delay="0"/>
+                                          </p:stCondLst>
+                                        </p:cTn>
+                                        <p:tgtEl>
+                                          <p:spTgt spid="40"/>
+                                        </p:tgtEl>
+                                        <p:attrNameLst>
+                                          <p:attrName>style.visibility</p:attrName>
+                                        </p:attrNameLst>
+                                      </p:cBhvr>
+                                      <p:to>
+                                        <p:strVal val="visible"/>
+                                      </p:to>
+                                    </p:set>
+                                  </p:childTnLst>
+                                </p:cTn>
+                              </p:par>
+                              <p:par>
+                                <p:cTn id="61" presetID="1" presetClass="entr" presetSubtype="0" fill="hold" grpId="0" nodeType="withEffect">
+                                  <p:stCondLst>
+                                    <p:cond delay="0"/>
+                                  </p:stCondLst>
+                                  <p:childTnLst>
+                                    <p:set>
+                                      <p:cBhvr>
+                                        <p:cTn id="62" dur="1" fill="hold">
+                                          <p:stCondLst>
+                                            <p:cond delay="0"/>
+                                          </p:stCondLst>
+                                        </p:cTn>
+                                        <p:tgtEl>
+                                          <p:spTgt spid="39"/>
+                                        </p:tgtEl>
+                                        <p:attrNameLst>
+                                          <p:attrName>style.visibility</p:attrName>
+                                        </p:attrNameLst>
+                                      </p:cBhvr>
+                                      <p:to>
+                                        <p:strVal val="visible"/>
+                                      </p:to>
+                                    </p:set>
+                                  </p:childTnLst>
+                                </p:cTn>
+                              </p:par>
+                            </p:childTnLst>
+                          </p:cTn>
+                        </p:par>
+                      </p:childTnLst>
+                    </p:cTn>
+                  </p:par>
+                </p:childTnLst>
+              </p:cTn>
+              <p:prevCondLst>
+                <p:cond evt="onPrev" delay="0">
+                  <p:tgtEl>
+                    <p:sldTgt/>
+                  </p:tgtEl>
+                </p:cond>
+              </p:prevCondLst>
+              <p:nextCondLst>
+                <p:cond evt="onNext" delay="0">
+                  <p:tgtEl>
+                    <p:sldTgt/>
+                  </p:tgtEl>
+                </p:cond>
+              </p:nextCondLst>
+            </p:seq>
+          </p:childTnLst>
+        </p:cTn>
+      </p:par>
+    </p:tnLst>
+    <p:bldLst>
+      <p:bldP spid="18" grpId="0" uiExpand="1" build="p"/>
+      <p:bldP spid="27" grpId="0"/>
+      <p:bldP spid="30" grpId="0"/>
+      <p:bldP spid="31" grpId="0"/>
+      <p:bldP spid="34" grpId="0" animBg="1"/>
+      <p:bldP spid="37" grpId="0" animBg="1"/>
+      <p:bldP spid="38" grpId="0"/>
+      <p:bldP spid="39" grpId="0"/>
+      <p:bldP spid="41" grpId="0"/>
+      <p:bldP spid="42" grpId="0"/>
+      <p:bldP spid="46" grpId="0"/>
+      <p:bldP spid="47" grpId="0"/>
+      <p:bldP spid="48" grpId="0"/>
+    </p:bldLst>
+  </p:timing>
+</p:sld>
+</file>
+
+<file path=ppt/slides/slide5.xml><?xml version="1.0" encoding="utf-8"?>
+<p:sld xmlns:a="http://schemas.openxmlformats.org/drawingml/2006/main" xmlns:r="http://schemas.openxmlformats.org/officeDocument/2006/relationships" xmlns:p="http://schemas.openxmlformats.org/presentationml/2006/main">
+  <p:cSld>
+    <p:spTree>
+      <p:nvGrpSpPr>
+        <p:cNvPr id="1" name=""/>
+        <p:cNvGrpSpPr/>
+        <p:nvPr/>
+      </p:nvGrpSpPr>
+      <p:grpSpPr>
+        <a:xfrm>
+          <a:off x="0" y="0"/>
+          <a:ext cx="0" cy="0"/>
+          <a:chOff x="0" y="0"/>
+          <a:chExt cx="0" cy="0"/>
+        </a:xfrm>
+      </p:grpSpPr>
+      <p:sp>
+        <p:nvSpPr>
+          <p:cNvPr id="2" name="Title 1"/>
+          <p:cNvSpPr>
+            <a:spLocks noGrp="1"/>
+          </p:cNvSpPr>
+          <p:nvPr>
+            <p:ph type="title"/>
+          </p:nvPr>
+        </p:nvSpPr>
+        <p:spPr/>
+        <p:txBody>
+          <a:bodyPr>
+            <a:normAutofit/>
+          </a:bodyPr>
+          <a:lstStyle/>
+          <a:p>
+            <a:r>
+              <a:rPr lang="en-US" dirty="0"/>
+              <a:t>Acceleration in Polar Coordinates</a:t>
+            </a:r>
+          </a:p>
+        </p:txBody>
+      </p:sp>
+      <p:sp>
+        <p:nvSpPr>
+          <p:cNvPr id="3" name="Content Placeholder 2"/>
+          <p:cNvSpPr>
+            <a:spLocks noGrp="1"/>
+          </p:cNvSpPr>
+          <p:nvPr>
+            <p:ph idx="1"/>
+          </p:nvPr>
+        </p:nvSpPr>
+        <p:spPr>
+          <a:xfrm>
+            <a:off x="457200" y="1600199"/>
+            <a:ext cx="8229600" cy="2312247"/>
+          </a:xfrm>
+        </p:spPr>
+        <p:txBody>
+          <a:bodyPr>
+            <a:normAutofit fontScale="92500" lnSpcReduction="10000"/>
+          </a:bodyPr>
+          <a:lstStyle/>
+          <a:p>
+            <a:r>
+              <a:rPr lang="en-US" dirty="0"/>
+              <a:t>We will fill in details on the accelerations by looking back at the kinematics</a:t>
+            </a:r>
+          </a:p>
+          <a:p>
+            <a:r>
+              <a:rPr lang="en-US" dirty="0"/>
+              <a:t>When examining the kinematics of polar coordinates, we found the acceleration in r and theta directions to be...</a:t>
+            </a:r>
+          </a:p>
+          <a:p>
+            <a:pPr marL="0" indent="0">
+              <a:buNone/>
+            </a:pPr>
+            <a:endParaRPr lang="en-US" dirty="0"/>
+          </a:p>
+          <a:p>
+            <a:pPr marL="0" indent="0">
+              <a:buNone/>
+            </a:pPr>
+            <a:endParaRPr lang="en-US" dirty="0"/>
+          </a:p>
+          <a:p>
+            <a:pPr marL="0" indent="0">
+              <a:buNone/>
+            </a:pPr>
+            <a:endParaRPr lang="en-US" dirty="0"/>
+          </a:p>
+          <a:p>
+            <a:endParaRPr lang="en-US" dirty="0"/>
+          </a:p>
+        </p:txBody>
+      </p:sp>
+      <p:sp>
+        <p:nvSpPr>
+          <p:cNvPr id="4" name="Slide Number Placeholder 3"/>
+          <p:cNvSpPr>
+            <a:spLocks noGrp="1"/>
+          </p:cNvSpPr>
+          <p:nvPr>
+            <p:ph type="sldNum" sz="quarter" idx="12"/>
+          </p:nvPr>
+        </p:nvSpPr>
+        <p:spPr/>
+        <p:txBody>
+          <a:bodyPr/>
+          <a:lstStyle/>
+          <a:p>
+            <a:fld id="{929262FE-7F58-4A1E-8AF3-5A510A86DEBD}" type="slidenum">
+              <a:rPr lang="en-US" smtClean="0"/>
+              <a:t>5</a:t>
+            </a:fld>
+            <a:endParaRPr lang="en-US"/>
+          </a:p>
+        </p:txBody>
+      </p:sp>
+      <mc:AlternateContent xmlns:mc="http://schemas.openxmlformats.org/markup-compatibility/2006" xmlns:a14="http://schemas.microsoft.com/office/drawing/2010/main">
+        <mc:Choice Requires="a14">
+          <p:sp>
+            <p:nvSpPr>
+              <p:cNvPr id="5" name="Rectangle 4"/>
+              <p:cNvSpPr/>
+              <p:nvPr/>
+            </p:nvSpPr>
+            <p:spPr>
+              <a:xfrm>
+                <a:off x="4538515" y="4595154"/>
+                <a:ext cx="3081485" cy="672172"/>
+              </a:xfrm>
+              <a:prstGeom prst="rect">
+                <a:avLst/>
+              </a:prstGeom>
+            </p:spPr>
+            <p:txBody>
+              <a:bodyPr wrap="none">
+                <a:spAutoFit/>
+              </a:bodyPr>
+              <a:lstStyle/>
+              <a:p>
+                <a:pPr/>
+                <a14:m>
+                  <m:oMathPara xmlns:m="http://schemas.openxmlformats.org/officeDocument/2006/math">
+                    <m:oMathParaPr>
+                      <m:jc m:val="centerGroup"/>
+                    </m:oMathParaPr>
+                    <m:oMath xmlns:m="http://schemas.openxmlformats.org/officeDocument/2006/math">
+                      <m:sSub>
+                        <m:sSubPr>
+                          <m:ctrlPr>
+                            <a:rPr lang="en-US" sz="3600" i="1" smtClean="0">
+                              <a:latin typeface="Cambria Math" panose="02040503050406030204" pitchFamily="18" charset="0"/>
+                            </a:rPr>
+                          </m:ctrlPr>
+                        </m:sSubPr>
+                        <m:e>
+                          <m:r>
+                            <a:rPr lang="en-US" sz="3600" b="0" i="1" smtClean="0">
+                              <a:latin typeface="Cambria Math" panose="02040503050406030204" pitchFamily="18" charset="0"/>
+                            </a:rPr>
+                            <m:t>𝑎</m:t>
+                          </m:r>
+                        </m:e>
+                        <m:sub>
+                          <m:r>
+                            <a:rPr lang="en-US" sz="3600" i="1">
+                              <a:latin typeface="Cambria Math" panose="02040503050406030204" pitchFamily="18" charset="0"/>
+                              <a:ea typeface="Cambria Math" panose="02040503050406030204" pitchFamily="18" charset="0"/>
+                            </a:rPr>
+                            <m:t>𝜃</m:t>
+                          </m:r>
+                        </m:sub>
+                      </m:sSub>
+                      <m:r>
+                        <a:rPr lang="en-US" sz="3600" b="0" i="1" smtClean="0">
+                          <a:latin typeface="Cambria Math" panose="02040503050406030204" pitchFamily="18" charset="0"/>
+                        </a:rPr>
+                        <m:t>=</m:t>
+                      </m:r>
+                      <m:r>
+                        <m:rPr>
+                          <m:sty m:val="p"/>
+                        </m:rPr>
+                        <a:rPr lang="en-US" sz="3600">
+                          <a:latin typeface="Cambria Math"/>
+                        </a:rPr>
+                        <m:t>r</m:t>
+                      </m:r>
+                      <m:acc>
+                        <m:accPr>
+                          <m:chr m:val="̈"/>
+                          <m:ctrlPr>
+                            <a:rPr lang="en-US" sz="3600" i="1">
+                              <a:latin typeface="Cambria Math" panose="02040503050406030204" pitchFamily="18" charset="0"/>
+                            </a:rPr>
+                          </m:ctrlPr>
+                        </m:accPr>
+                        <m:e>
+                          <m:r>
+                            <m:rPr>
+                              <m:sty m:val="p"/>
+                            </m:rPr>
+                            <a:rPr lang="en-US" sz="3600">
+                              <a:latin typeface="Cambria Math"/>
+                              <a:ea typeface="Cambria Math"/>
+                            </a:rPr>
+                            <m:t>θ</m:t>
+                          </m:r>
+                        </m:e>
+                      </m:acc>
+                      <m:r>
+                        <a:rPr lang="en-US" sz="3600" b="1">
+                          <a:latin typeface="Cambria Math"/>
+                          <a:ea typeface="Cambria Math"/>
+                        </a:rPr>
+                        <m:t>+</m:t>
+                      </m:r>
+                      <m:r>
+                        <a:rPr lang="en-US" sz="3600">
+                          <a:latin typeface="Cambria Math"/>
+                          <a:ea typeface="Cambria Math"/>
+                        </a:rPr>
+                        <m:t>2</m:t>
+                      </m:r>
+                      <m:acc>
+                        <m:accPr>
+                          <m:chr m:val="̇"/>
+                          <m:ctrlPr>
+                            <a:rPr lang="en-US" sz="3600" b="1" i="1">
+                              <a:latin typeface="Cambria Math" panose="02040503050406030204" pitchFamily="18" charset="0"/>
+                            </a:rPr>
+                          </m:ctrlPr>
+                        </m:accPr>
+                        <m:e>
+                          <m:r>
+                            <m:rPr>
+                              <m:sty m:val="p"/>
+                            </m:rPr>
+                            <a:rPr lang="en-US" sz="3600">
+                              <a:latin typeface="Cambria Math"/>
+                            </a:rPr>
+                            <m:t>r</m:t>
+                          </m:r>
+                        </m:e>
+                      </m:acc>
+                      <m:acc>
+                        <m:accPr>
+                          <m:chr m:val="̇"/>
+                          <m:ctrlPr>
+                            <a:rPr lang="en-US" sz="3600" i="1">
+                              <a:latin typeface="Cambria Math" panose="02040503050406030204" pitchFamily="18" charset="0"/>
+                            </a:rPr>
+                          </m:ctrlPr>
+                        </m:accPr>
+                        <m:e>
+                          <m:r>
+                            <m:rPr>
+                              <m:sty m:val="p"/>
+                            </m:rPr>
+                            <a:rPr lang="en-US" sz="3600">
+                              <a:latin typeface="Cambria Math"/>
+                              <a:ea typeface="Cambria Math"/>
+                            </a:rPr>
+                            <m:t>θ</m:t>
+                          </m:r>
+                        </m:e>
+                      </m:acc>
+                    </m:oMath>
+                  </m:oMathPara>
+                </a14:m>
+                <a:endParaRPr lang="en-US" sz="2400" dirty="0"/>
+              </a:p>
+            </p:txBody>
+          </p:sp>
+        </mc:Choice>
+        <mc:Fallback xmlns="">
+          <p:sp>
+            <p:nvSpPr>
+              <p:cNvPr id="5" name="Rectangle 4"/>
+              <p:cNvSpPr>
+                <a:spLocks noRot="1" noChangeAspect="1" noMove="1" noResize="1" noEditPoints="1" noAdjustHandles="1" noChangeArrowheads="1" noChangeShapeType="1" noTextEdit="1"/>
+              </p:cNvSpPr>
+              <p:nvPr/>
+            </p:nvSpPr>
+            <p:spPr>
+              <a:xfrm>
+                <a:off x="4538515" y="4595154"/>
+                <a:ext cx="3081485" cy="672172"/>
+              </a:xfrm>
+              <a:prstGeom prst="rect">
+                <a:avLst/>
+              </a:prstGeom>
+              <a:blipFill>
+                <a:blip r:embed="rId2"/>
+                <a:stretch>
+                  <a:fillRect/>
+                </a:stretch>
+              </a:blipFill>
+            </p:spPr>
+            <p:txBody>
+              <a:bodyPr/>
+              <a:lstStyle/>
+              <a:p>
+                <a:r>
+                  <a:rPr lang="en-US">
+                    <a:noFill/>
+                  </a:rPr>
+                  <a:t> </a:t>
+                </a:r>
+              </a:p>
+            </p:txBody>
+          </p:sp>
+        </mc:Fallback>
+      </mc:AlternateContent>
+      <mc:AlternateContent xmlns:mc="http://schemas.openxmlformats.org/markup-compatibility/2006" xmlns:a14="http://schemas.microsoft.com/office/drawing/2010/main">
+        <mc:Choice Requires="a14">
+          <p:sp>
+            <p:nvSpPr>
+              <p:cNvPr id="6" name="Rectangle 5"/>
+              <p:cNvSpPr/>
+              <p:nvPr/>
+            </p:nvSpPr>
+            <p:spPr>
+              <a:xfrm>
+                <a:off x="1219200" y="4595154"/>
+                <a:ext cx="2753639" cy="672172"/>
+              </a:xfrm>
+              <a:prstGeom prst="rect">
+                <a:avLst/>
+              </a:prstGeom>
+            </p:spPr>
+            <p:txBody>
+              <a:bodyPr wrap="none">
+                <a:spAutoFit/>
+              </a:bodyPr>
+              <a:lstStyle/>
+              <a:p>
+                <a:pPr/>
+                <a14:m>
+                  <m:oMathPara xmlns:m="http://schemas.openxmlformats.org/officeDocument/2006/math">
+                    <m:oMathParaPr>
+                      <m:jc m:val="centerGroup"/>
+                    </m:oMathParaPr>
+                    <m:oMath xmlns:m="http://schemas.openxmlformats.org/officeDocument/2006/math">
+                      <m:sSub>
+                        <m:sSubPr>
+                          <m:ctrlPr>
+                            <a:rPr lang="en-US" sz="3600" i="1" smtClean="0">
+                              <a:latin typeface="Cambria Math" panose="02040503050406030204" pitchFamily="18" charset="0"/>
+                            </a:rPr>
+                          </m:ctrlPr>
+                        </m:sSubPr>
+                        <m:e>
+                          <m:r>
+                            <a:rPr lang="en-US" sz="3600" b="0" i="1" smtClean="0">
+                              <a:latin typeface="Cambria Math" panose="02040503050406030204" pitchFamily="18" charset="0"/>
+                            </a:rPr>
+                            <m:t>𝑎</m:t>
+                          </m:r>
+                        </m:e>
+                        <m:sub>
+                          <m:r>
+                            <a:rPr lang="en-US" sz="3600" b="0" i="1" smtClean="0">
+                              <a:latin typeface="Cambria Math" panose="02040503050406030204" pitchFamily="18" charset="0"/>
+                            </a:rPr>
+                            <m:t>𝑟</m:t>
+                          </m:r>
+                        </m:sub>
+                      </m:sSub>
+                      <m:r>
+                        <a:rPr lang="en-US" sz="3600" b="0" i="1" smtClean="0">
+                          <a:latin typeface="Cambria Math" panose="02040503050406030204" pitchFamily="18" charset="0"/>
+                        </a:rPr>
+                        <m:t>=</m:t>
+                      </m:r>
+                      <m:acc>
+                        <m:accPr>
+                          <m:chr m:val="̈"/>
+                          <m:ctrlPr>
+                            <a:rPr lang="en-US" sz="3600" i="1">
+                              <a:latin typeface="Cambria Math" panose="02040503050406030204" pitchFamily="18" charset="0"/>
+                            </a:rPr>
+                          </m:ctrlPr>
+                        </m:accPr>
+                        <m:e>
+                          <m:r>
+                            <m:rPr>
+                              <m:sty m:val="p"/>
+                            </m:rPr>
+                            <a:rPr lang="en-US" sz="3600">
+                              <a:latin typeface="Cambria Math"/>
+                            </a:rPr>
+                            <m:t>r</m:t>
+                          </m:r>
+                        </m:e>
+                      </m:acc>
+                      <m:r>
+                        <a:rPr lang="en-US" sz="3600">
+                          <a:latin typeface="Cambria Math"/>
+                        </a:rPr>
+                        <m:t>−</m:t>
+                      </m:r>
+                      <m:sSup>
+                        <m:sSupPr>
+                          <m:ctrlPr>
+                            <a:rPr lang="en-US" sz="3600" i="1">
+                              <a:latin typeface="Cambria Math" panose="02040503050406030204" pitchFamily="18" charset="0"/>
+                              <a:ea typeface="Cambria Math"/>
+                            </a:rPr>
+                          </m:ctrlPr>
+                        </m:sSupPr>
+                        <m:e>
+                          <m:r>
+                            <m:rPr>
+                              <m:sty m:val="p"/>
+                            </m:rPr>
+                            <a:rPr lang="en-US" sz="3600">
+                              <a:latin typeface="Cambria Math"/>
+                              <a:ea typeface="Cambria Math"/>
+                            </a:rPr>
+                            <m:t>r</m:t>
+                          </m:r>
+                          <m:acc>
+                            <m:accPr>
+                              <m:chr m:val="̇"/>
+                              <m:ctrlPr>
+                                <a:rPr lang="en-US" sz="3600" i="1">
+                                  <a:latin typeface="Cambria Math" panose="02040503050406030204" pitchFamily="18" charset="0"/>
+                                </a:rPr>
+                              </m:ctrlPr>
+                            </m:accPr>
+                            <m:e>
+                              <m:r>
+                                <m:rPr>
+                                  <m:sty m:val="p"/>
+                                </m:rPr>
+                                <a:rPr lang="en-US" sz="3600">
+                                  <a:latin typeface="Cambria Math"/>
+                                  <a:ea typeface="Cambria Math"/>
+                                </a:rPr>
+                                <m:t>θ</m:t>
+                              </m:r>
+                            </m:e>
+                          </m:acc>
+                        </m:e>
+                        <m:sup>
+                          <m:r>
+                            <a:rPr lang="en-US" sz="3600">
+                              <a:latin typeface="Cambria Math"/>
+                              <a:ea typeface="Cambria Math"/>
+                            </a:rPr>
+                            <m:t>2</m:t>
+                          </m:r>
+                        </m:sup>
+                      </m:sSup>
+                    </m:oMath>
+                  </m:oMathPara>
+                </a14:m>
+                <a:endParaRPr lang="en-US" sz="2400" dirty="0"/>
+              </a:p>
+            </p:txBody>
+          </p:sp>
+        </mc:Choice>
+        <mc:Fallback xmlns="">
+          <p:sp>
+            <p:nvSpPr>
+              <p:cNvPr id="6" name="Rectangle 5"/>
+              <p:cNvSpPr>
+                <a:spLocks noRot="1" noChangeAspect="1" noMove="1" noResize="1" noEditPoints="1" noAdjustHandles="1" noChangeArrowheads="1" noChangeShapeType="1" noTextEdit="1"/>
+              </p:cNvSpPr>
+              <p:nvPr/>
+            </p:nvSpPr>
+            <p:spPr>
+              <a:xfrm>
+                <a:off x="1219200" y="4595154"/>
+                <a:ext cx="2753639" cy="672172"/>
+              </a:xfrm>
+              <a:prstGeom prst="rect">
+                <a:avLst/>
+              </a:prstGeom>
+              <a:blipFill>
+                <a:blip r:embed="rId3"/>
+                <a:stretch>
+                  <a:fillRect/>
+                </a:stretch>
+              </a:blipFill>
+            </p:spPr>
+            <p:txBody>
+              <a:bodyPr/>
+              <a:lstStyle/>
+              <a:p>
+                <a:r>
+                  <a:rPr lang="en-US">
+                    <a:noFill/>
+                  </a:rPr>
+                  <a:t> </a:t>
+                </a:r>
+              </a:p>
+            </p:txBody>
+          </p:sp>
+        </mc:Fallback>
+      </mc:AlternateContent>
+    </p:spTree>
+    <p:extLst>
+      <p:ext uri="{BB962C8B-B14F-4D97-AF65-F5344CB8AC3E}">
+        <p14:creationId xmlns:p14="http://schemas.microsoft.com/office/powerpoint/2010/main" val="938029418"/>
+      </p:ext>
+    </p:extLst>
+  </p:cSld>
+  <p:clrMapOvr>
+    <a:masterClrMapping/>
+  </p:clrMapOvr>
+  <p:timing>
+    <p:tnLst>
+      <p:par>
+        <p:cTn id="1" dur="indefinite" restart="never" nodeType="tmRoot">
+          <p:childTnLst>
+            <p:seq concurrent="1" nextAc="seek">
+              <p:cTn id="2" dur="indefinite" nodeType="mainSeq">
+                <p:childTnLst>
+                  <p:par>
+                    <p:cTn id="3" fill="hold">
+                      <p:stCondLst>
+                        <p:cond delay="indefinite"/>
+                      </p:stCondLst>
+                      <p:childTnLst>
+                        <p:par>
+                          <p:cTn id="4" fill="hold">
+                            <p:stCondLst>
+                              <p:cond delay="0"/>
+                            </p:stCondLst>
+                            <p:childTnLst>
+                              <p:par>
+                                <p:cTn id="5" presetID="1" presetClass="entr" presetSubtype="0" fill="hold" grpId="0" nodeType="clickEffect">
+                                  <p:stCondLst>
+                                    <p:cond delay="0"/>
+                                  </p:stCondLst>
+                                  <p:childTnLst>
+                                    <p:set>
+                                      <p:cBhvr>
+                                        <p:cTn id="6" dur="1" fill="hold">
+                                          <p:stCondLst>
+                                            <p:cond delay="0"/>
+                                          </p:stCondLst>
+                                        </p:cTn>
+                                        <p:tgtEl>
+                                          <p:spTgt spid="3">
+                                            <p:txEl>
+                                              <p:pRg st="0" end="0"/>
+                                            </p:txEl>
+                                          </p:spTgt>
+                                        </p:tgtEl>
+                                        <p:attrNameLst>
+                                          <p:attrName>style.visibility</p:attrName>
+                                        </p:attrNameLst>
+                                      </p:cBhvr>
+                                      <p:to>
+                                        <p:strVal val="visible"/>
+                                      </p:to>
+                                    </p:set>
+                                  </p:childTnLst>
+                                </p:cTn>
+                              </p:par>
+                            </p:childTnLst>
+                          </p:cTn>
+                        </p:par>
+                      </p:childTnLst>
+                    </p:cTn>
+                  </p:par>
+                  <p:par>
+                    <p:cTn id="7" fill="hold">
+                      <p:stCondLst>
+                        <p:cond delay="indefinite"/>
+                      </p:stCondLst>
+                      <p:childTnLst>
+                        <p:par>
+                          <p:cTn id="8" fill="hold">
+                            <p:stCondLst>
+                              <p:cond delay="0"/>
+                            </p:stCondLst>
+                            <p:childTnLst>
+                              <p:par>
+                                <p:cTn id="9" presetID="1" presetClass="entr" presetSubtype="0" fill="hold" grpId="0" nodeType="clickEffect">
+                                  <p:stCondLst>
+                                    <p:cond delay="0"/>
+                                  </p:stCondLst>
+                                  <p:childTnLst>
+                                    <p:set>
+                                      <p:cBhvr>
+                                        <p:cTn id="10" dur="1" fill="hold">
+                                          <p:stCondLst>
+                                            <p:cond delay="0"/>
+                                          </p:stCondLst>
+                                        </p:cTn>
+                                        <p:tgtEl>
+                                          <p:spTgt spid="3">
+                                            <p:txEl>
+                                              <p:pRg st="1" end="1"/>
+                                            </p:txEl>
+                                          </p:spTgt>
+                                        </p:tgtEl>
+                                        <p:attrNameLst>
+                                          <p:attrName>style.visibility</p:attrName>
+                                        </p:attrNameLst>
+                                      </p:cBhvr>
+                                      <p:to>
+                                        <p:strVal val="visible"/>
+                                      </p:to>
+                                    </p:set>
+                                  </p:childTnLst>
+                                </p:cTn>
+                              </p:par>
+                            </p:childTnLst>
+                          </p:cTn>
+                        </p:par>
+                      </p:childTnLst>
+                    </p:cTn>
+                  </p:par>
+                  <p:par>
+                    <p:cTn id="11" fill="hold">
+                      <p:stCondLst>
+                        <p:cond delay="indefinite"/>
+                      </p:stCondLst>
+                      <p:childTnLst>
+                        <p:par>
+                          <p:cTn id="12" fill="hold">
+                            <p:stCondLst>
+                              <p:cond delay="0"/>
+                            </p:stCondLst>
+                            <p:childTnLst>
+                              <p:par>
+                                <p:cTn id="13" presetID="10" presetClass="entr" presetSubtype="0" fill="hold" grpId="0" nodeType="clickEffect">
+                                  <p:stCondLst>
+                                    <p:cond delay="0"/>
+                                  </p:stCondLst>
+                                  <p:childTnLst>
+                                    <p:set>
+                                      <p:cBhvr>
+                                        <p:cTn id="14" dur="1" fill="hold">
+                                          <p:stCondLst>
+                                            <p:cond delay="0"/>
+                                          </p:stCondLst>
+                                        </p:cTn>
+                                        <p:tgtEl>
+                                          <p:spTgt spid="6"/>
+                                        </p:tgtEl>
+                                        <p:attrNameLst>
+                                          <p:attrName>style.visibility</p:attrName>
+                                        </p:attrNameLst>
+                                      </p:cBhvr>
+                                      <p:to>
+                                        <p:strVal val="visible"/>
+                                      </p:to>
+                                    </p:set>
+                                    <p:animEffect transition="in" filter="fade">
+                                      <p:cBhvr>
+                                        <p:cTn id="15" dur="500"/>
+                                        <p:tgtEl>
+                                          <p:spTgt spid="6"/>
+                                        </p:tgtEl>
+                                      </p:cBhvr>
+                                    </p:animEffect>
+                                  </p:childTnLst>
+                                </p:cTn>
+                              </p:par>
+                            </p:childTnLst>
+                          </p:cTn>
+                        </p:par>
+                      </p:childTnLst>
+                    </p:cTn>
+                  </p:par>
+                  <p:par>
+                    <p:cTn id="16" fill="hold">
+                      <p:stCondLst>
+                        <p:cond delay="indefinite"/>
+                      </p:stCondLst>
+                      <p:childTnLst>
+                        <p:par>
+                          <p:cTn id="17" fill="hold">
+                            <p:stCondLst>
+                              <p:cond delay="0"/>
+                            </p:stCondLst>
+                            <p:childTnLst>
+                              <p:par>
+                                <p:cTn id="18" presetID="10" presetClass="entr" presetSubtype="0" fill="hold" grpId="0" nodeType="clickEffect">
+                                  <p:stCondLst>
+                                    <p:cond delay="0"/>
+                                  </p:stCondLst>
+                                  <p:childTnLst>
+                                    <p:set>
+                                      <p:cBhvr>
+                                        <p:cTn id="19" dur="1" fill="hold">
+                                          <p:stCondLst>
+                                            <p:cond delay="0"/>
+                                          </p:stCondLst>
+                                        </p:cTn>
+                                        <p:tgtEl>
+                                          <p:spTgt spid="5"/>
+                                        </p:tgtEl>
+                                        <p:attrNameLst>
+                                          <p:attrName>style.visibility</p:attrName>
+                                        </p:attrNameLst>
+                                      </p:cBhvr>
+                                      <p:to>
+                                        <p:strVal val="visible"/>
+                                      </p:to>
+                                    </p:set>
+                                    <p:animEffect transition="in" filter="fade">
+                                      <p:cBhvr>
+                                        <p:cTn id="20" dur="500"/>
+                                        <p:tgtEl>
+                                          <p:spTgt spid="5"/>
+                                        </p:tgtEl>
+                                      </p:cBhvr>
+                                    </p:animEffect>
+                                  </p:childTnLst>
+                                </p:cTn>
+                              </p:par>
+                            </p:childTnLst>
+                          </p:cTn>
+                        </p:par>
+                      </p:childTnLst>
+                    </p:cTn>
+                  </p:par>
+                </p:childTnLst>
+              </p:cTn>
+              <p:prevCondLst>
+                <p:cond evt="onPrev" delay="0">
+                  <p:tgtEl>
+                    <p:sldTgt/>
+                  </p:tgtEl>
+                </p:cond>
+              </p:prevCondLst>
+              <p:nextCondLst>
+                <p:cond evt="onNext" delay="0">
+                  <p:tgtEl>
+                    <p:sldTgt/>
+                  </p:tgtEl>
+                </p:cond>
+              </p:nextCondLst>
+            </p:seq>
+          </p:childTnLst>
+        </p:cTn>
+      </p:par>
+    </p:tnLst>
+    <p:bldLst>
+      <p:bldP spid="3" grpId="0" uiExpand="1" build="p"/>
+      <p:bldP spid="5" grpId="0"/>
+      <p:bldP spid="6" grpId="0"/>
+    </p:bldLst>
+  </p:timing>
+</p:sld>
+</file>
+
+<file path=ppt/slides/slide6.xml><?xml version="1.0" encoding="utf-8"?>
 <p:sld xmlns:a="http://schemas.openxmlformats.org/drawingml/2006/main" xmlns:r="http://schemas.openxmlformats.org/officeDocument/2006/relationships" xmlns:p="http://schemas.openxmlformats.org/presentationml/2006/main">
   <p:cSld>
     <p:spTree>
@@ -7955,7 +8184,7 @@
           <a:p>
             <a:r>
               <a:rPr lang="en-US" dirty="0"/>
-              <a:t>Solving a Work and Energy Problem</a:t>
+              <a:t>Solving a Kinetics Problem</a:t>
             </a:r>
             <a:br>
               <a:rPr lang="en-US" dirty="0"/>
@@ -7967,274 +8196,162 @@
           </a:p>
         </p:txBody>
       </p:sp>
-      <mc:AlternateContent xmlns:mc="http://schemas.openxmlformats.org/markup-compatibility/2006" xmlns:a14="http://schemas.microsoft.com/office/drawing/2010/main">
-        <mc:Choice Requires="a14">
-          <p:sp>
-            <p:nvSpPr>
-              <p:cNvPr id="3" name="Content Placeholder 2">
-                <a:extLst>
-                  <a:ext uri="{FF2B5EF4-FFF2-40B4-BE49-F238E27FC236}">
-                    <a16:creationId xmlns:a16="http://schemas.microsoft.com/office/drawing/2014/main" id="{A0280897-CDB5-4D78-9300-B055EC7031D9}"/>
-                  </a:ext>
-                </a:extLst>
-              </p:cNvPr>
-              <p:cNvSpPr>
-                <a:spLocks noGrp="1"/>
-              </p:cNvSpPr>
-              <p:nvPr>
-                <p:ph idx="1"/>
-              </p:nvPr>
-            </p:nvSpPr>
-            <p:spPr>
-              <a:xfrm>
-                <a:off x="457200" y="1600200"/>
-                <a:ext cx="8229600" cy="4648200"/>
-              </a:xfrm>
-            </p:spPr>
-            <p:txBody>
-              <a:bodyPr>
-                <a:normAutofit fontScale="70000" lnSpcReduction="20000"/>
-              </a:bodyPr>
-              <a:lstStyle/>
-              <a:p>
-                <a:r>
-                  <a:rPr lang="en-US" dirty="0"/>
-                  <a:t>Solving a work and energy involves three steps, carefully accounting for the factors at play between some initial state and some final state.</a:t>
-                </a:r>
-              </a:p>
-              <a:p>
-                <a:pPr marL="514350" indent="-514350">
-                  <a:buFont typeface="+mj-lt"/>
-                  <a:buAutoNum type="arabicPeriod"/>
-                </a:pPr>
-                <a:r>
-                  <a:rPr lang="en-US" dirty="0"/>
-                  <a:t>Set up one diagram showing the initial state and set up some other diagram for the final state.</a:t>
-                </a:r>
-              </a:p>
-              <a:p>
-                <a:pPr marL="914400" lvl="1" indent="-514350"/>
-                <a:r>
-                  <a:rPr lang="en-US" dirty="0"/>
-                  <a:t>Identify any </a:t>
-                </a:r>
-                <a:r>
-                  <a:rPr lang="en-US" dirty="0">
-                    <a:solidFill>
-                      <a:srgbClr val="FF0000"/>
-                    </a:solidFill>
-                  </a:rPr>
-                  <a:t>external</a:t>
-                </a:r>
-                <a:r>
-                  <a:rPr lang="en-US" dirty="0"/>
-                  <a:t> </a:t>
-                </a:r>
-                <a:r>
-                  <a:rPr lang="en-US" dirty="0">
-                    <a:solidFill>
-                      <a:srgbClr val="FF0000"/>
-                    </a:solidFill>
-                  </a:rPr>
-                  <a:t>forces</a:t>
-                </a:r>
-                <a:r>
-                  <a:rPr lang="en-US" dirty="0"/>
-                  <a:t> that will do work between the two states</a:t>
-                </a:r>
-              </a:p>
-              <a:p>
-                <a:pPr marL="914400" lvl="1" indent="-514350"/>
-                <a:r>
-                  <a:rPr lang="en-US" dirty="0"/>
-                  <a:t>Identify the known or unknown </a:t>
-                </a:r>
-                <a:r>
-                  <a:rPr lang="en-US" dirty="0">
-                    <a:solidFill>
-                      <a:schemeClr val="accent1"/>
-                    </a:solidFill>
-                  </a:rPr>
-                  <a:t>velocities</a:t>
-                </a:r>
-                <a:r>
-                  <a:rPr lang="en-US" dirty="0"/>
-                  <a:t> in each state</a:t>
-                </a:r>
-              </a:p>
-              <a:p>
-                <a:pPr marL="914400" lvl="1" indent="-514350"/>
-                <a:r>
-                  <a:rPr lang="en-US" dirty="0"/>
-                  <a:t>Identify the changes in </a:t>
-                </a:r>
-                <a:r>
-                  <a:rPr lang="en-US" dirty="0">
-                    <a:solidFill>
-                      <a:schemeClr val="accent1"/>
-                    </a:solidFill>
-                  </a:rPr>
-                  <a:t>height</a:t>
-                </a:r>
-                <a:r>
-                  <a:rPr lang="en-US" dirty="0"/>
-                  <a:t> if applicable</a:t>
-                </a:r>
-              </a:p>
-              <a:p>
-                <a:pPr marL="914400" lvl="1" indent="-514350"/>
-                <a:r>
-                  <a:rPr lang="en-US" dirty="0"/>
-                  <a:t>Identify the </a:t>
-                </a:r>
-                <a:r>
-                  <a:rPr lang="en-US" dirty="0">
-                    <a:solidFill>
-                      <a:schemeClr val="accent1"/>
-                    </a:solidFill>
-                  </a:rPr>
-                  <a:t>‘x’</a:t>
-                </a:r>
-                <a:r>
-                  <a:rPr lang="en-US" dirty="0"/>
-                  <a:t> values for the initial and final values if applicable</a:t>
-                </a:r>
-              </a:p>
-              <a:p>
-                <a:pPr marL="514350" indent="-514350">
-                  <a:buFont typeface="+mj-lt"/>
-                  <a:buAutoNum type="arabicPeriod"/>
-                </a:pPr>
-                <a:r>
-                  <a:rPr lang="en-US" dirty="0"/>
-                  <a:t>Use the diagram to put together the single conservation of energy equation, with included known and unknown values.</a:t>
-                </a:r>
-              </a:p>
-              <a:p>
-                <a:pPr marL="914400" lvl="1" indent="-514350"/>
-                <a14:m>
-                  <m:oMath xmlns:m="http://schemas.openxmlformats.org/officeDocument/2006/math">
-                    <m:r>
-                      <m:rPr>
-                        <m:sty m:val="p"/>
-                      </m:rPr>
-                      <a:rPr lang="en-US">
-                        <a:latin typeface="Cambria Math"/>
-                      </a:rPr>
-                      <m:t>W</m:t>
-                    </m:r>
-                    <m:r>
-                      <a:rPr lang="en-US">
-                        <a:latin typeface="Cambria Math"/>
-                      </a:rPr>
-                      <m:t>=∆</m:t>
-                    </m:r>
-                    <m:r>
-                      <m:rPr>
-                        <m:sty m:val="p"/>
-                      </m:rPr>
-                      <a:rPr lang="en-US">
-                        <a:latin typeface="Cambria Math"/>
-                        <a:ea typeface="Cambria Math"/>
-                      </a:rPr>
-                      <m:t>KE</m:t>
-                    </m:r>
-                    <m:r>
-                      <a:rPr lang="en-US">
-                        <a:latin typeface="Cambria Math"/>
-                        <a:ea typeface="Cambria Math"/>
-                      </a:rPr>
-                      <m:t>+∆</m:t>
-                    </m:r>
-                    <m:r>
-                      <m:rPr>
-                        <m:sty m:val="p"/>
-                      </m:rPr>
-                      <a:rPr lang="en-US">
-                        <a:latin typeface="Cambria Math"/>
-                        <a:ea typeface="Cambria Math"/>
-                      </a:rPr>
-                      <m:t>PE</m:t>
-                    </m:r>
-                  </m:oMath>
-                </a14:m>
-                <a:endParaRPr lang="en-US" dirty="0"/>
-              </a:p>
-              <a:p>
-                <a:pPr marL="914400" lvl="1" indent="-514350"/>
-                <a:r>
-                  <a:rPr lang="en-US" dirty="0"/>
-                  <a:t>If you have more than one unknown you will need to come up with additional equations relating the unknowns you have.</a:t>
-                </a:r>
-              </a:p>
-              <a:p>
-                <a:pPr marL="514350" indent="-514350">
-                  <a:buFont typeface="+mj-lt"/>
-                  <a:buAutoNum type="arabicPeriod"/>
-                </a:pPr>
-                <a:r>
-                  <a:rPr lang="en-US" dirty="0"/>
-                  <a:t>Solve the equations for the unknown quantity</a:t>
-                </a:r>
-              </a:p>
-              <a:p>
-                <a:pPr marL="514350" indent="-514350">
-                  <a:buFont typeface="+mj-lt"/>
-                  <a:buAutoNum type="arabicPeriod"/>
-                </a:pPr>
-                <a:endParaRPr lang="en-US" dirty="0"/>
-              </a:p>
-            </p:txBody>
-          </p:sp>
-        </mc:Choice>
-        <mc:Fallback xmlns="">
-          <p:sp>
-            <p:nvSpPr>
-              <p:cNvPr id="3" name="Content Placeholder 2">
-                <a:extLst>
-                  <a:ext uri="{FF2B5EF4-FFF2-40B4-BE49-F238E27FC236}">
-                    <a16:creationId xmlns:a16="http://schemas.microsoft.com/office/drawing/2014/main" id="{A0280897-CDB5-4D78-9300-B055EC7031D9}"/>
-                  </a:ext>
-                </a:extLst>
-              </p:cNvPr>
-              <p:cNvSpPr>
-                <a:spLocks noGrp="1" noRot="1" noChangeAspect="1" noMove="1" noResize="1" noEditPoints="1" noAdjustHandles="1" noChangeArrowheads="1" noChangeShapeType="1" noTextEdit="1"/>
-              </p:cNvSpPr>
-              <p:nvPr>
-                <p:ph idx="1"/>
-              </p:nvPr>
-            </p:nvSpPr>
-            <p:spPr>
-              <a:xfrm>
-                <a:off x="457200" y="1600200"/>
-                <a:ext cx="8229600" cy="4648200"/>
-              </a:xfrm>
-              <a:blipFill>
-                <a:blip r:embed="rId2"/>
-                <a:stretch>
-                  <a:fillRect l="-963" t="-2231" r="-1333" b="-1181"/>
-                </a:stretch>
-              </a:blipFill>
-            </p:spPr>
-            <p:txBody>
-              <a:bodyPr/>
-              <a:lstStyle/>
-              <a:p>
-                <a:r>
-                  <a:rPr lang="en-US">
-                    <a:noFill/>
-                  </a:rPr>
-                  <a:t> </a:t>
-                </a:r>
-              </a:p>
-            </p:txBody>
-          </p:sp>
-        </mc:Fallback>
-      </mc:AlternateContent>
+      <p:sp>
+        <p:nvSpPr>
+          <p:cNvPr id="3" name="Content Placeholder 2">
+            <a:extLst>
+              <a:ext uri="{FF2B5EF4-FFF2-40B4-BE49-F238E27FC236}">
+                <a16:creationId xmlns:a16="http://schemas.microsoft.com/office/drawing/2014/main" id="{A0280897-CDB5-4D78-9300-B055EC7031D9}"/>
+              </a:ext>
+            </a:extLst>
+          </p:cNvPr>
+          <p:cNvSpPr>
+            <a:spLocks noGrp="1"/>
+          </p:cNvSpPr>
+          <p:nvPr>
+            <p:ph idx="1"/>
+          </p:nvPr>
+        </p:nvSpPr>
+        <p:spPr>
+          <a:xfrm>
+            <a:off x="457200" y="1600200"/>
+            <a:ext cx="8229600" cy="4648200"/>
+          </a:xfrm>
+        </p:spPr>
+        <p:txBody>
+          <a:bodyPr>
+            <a:normAutofit fontScale="77500" lnSpcReduction="20000"/>
+          </a:bodyPr>
+          <a:lstStyle/>
+          <a:p>
+            <a:r>
+              <a:rPr lang="en-US" dirty="0"/>
+              <a:t>The process used in solving a kinetics problem is similar to solving a problem in statics and consists of three steps.</a:t>
+            </a:r>
+          </a:p>
+          <a:p>
+            <a:pPr marL="514350" indent="-514350">
+              <a:buFont typeface="+mj-lt"/>
+              <a:buAutoNum type="arabicPeriod"/>
+            </a:pPr>
+            <a:r>
+              <a:rPr lang="en-US" dirty="0"/>
+              <a:t>Set up a </a:t>
+            </a:r>
+            <a:r>
+              <a:rPr lang="en-US" b="1" dirty="0"/>
+              <a:t>free body diagram</a:t>
+            </a:r>
+            <a:r>
+              <a:rPr lang="en-US" dirty="0"/>
+              <a:t>.</a:t>
+            </a:r>
+          </a:p>
+          <a:p>
+            <a:pPr marL="914400" lvl="1" indent="-514350"/>
+            <a:r>
+              <a:rPr lang="en-US" dirty="0"/>
+              <a:t>Draw the body separated from it’s surroundings</a:t>
+            </a:r>
+          </a:p>
+          <a:p>
+            <a:pPr marL="914400" lvl="1" indent="-514350"/>
+            <a:r>
+              <a:rPr lang="en-US" dirty="0"/>
+              <a:t>Draw in all the known and unknown forces (</a:t>
+            </a:r>
+            <a:r>
+              <a:rPr lang="en-US" dirty="0">
+                <a:solidFill>
+                  <a:srgbClr val="FF0000"/>
+                </a:solidFill>
+              </a:rPr>
+              <a:t>I use red for forces</a:t>
+            </a:r>
+            <a:r>
+              <a:rPr lang="en-US" dirty="0"/>
+              <a:t>) as well as key dimensions and angles (</a:t>
+            </a:r>
+            <a:r>
+              <a:rPr lang="en-US" dirty="0">
+                <a:solidFill>
+                  <a:schemeClr val="accent1"/>
+                </a:solidFill>
+              </a:rPr>
+              <a:t>I use blue for dimensions and angles</a:t>
+            </a:r>
+            <a:r>
+              <a:rPr lang="en-US" dirty="0"/>
+              <a:t>)</a:t>
+            </a:r>
+          </a:p>
+          <a:p>
+            <a:pPr marL="914400" lvl="1" indent="-514350"/>
+            <a:r>
+              <a:rPr lang="en-US" dirty="0"/>
+              <a:t>Draw in the acceleration vector (</a:t>
+            </a:r>
+            <a:r>
+              <a:rPr lang="en-US" dirty="0">
+                <a:solidFill>
+                  <a:schemeClr val="accent1"/>
+                </a:solidFill>
+              </a:rPr>
+              <a:t>I use a blue dashed vector for this</a:t>
+            </a:r>
+            <a:r>
+              <a:rPr lang="en-US" dirty="0"/>
+              <a:t>)</a:t>
+            </a:r>
+          </a:p>
+          <a:p>
+            <a:pPr marL="514350" indent="-514350">
+              <a:buFont typeface="+mj-lt"/>
+              <a:buAutoNum type="arabicPeriod"/>
+            </a:pPr>
+            <a:r>
+              <a:rPr lang="en-US" dirty="0"/>
+              <a:t>Use the free body diagram to write out your </a:t>
+            </a:r>
+            <a:r>
+              <a:rPr lang="en-US" b="1" dirty="0"/>
+              <a:t>equations of motion</a:t>
+            </a:r>
+            <a:r>
+              <a:rPr lang="en-US" dirty="0"/>
+              <a:t>, breaking all forces and accelerations down into r and theta components</a:t>
+            </a:r>
+          </a:p>
+          <a:p>
+            <a:pPr marL="914400" lvl="1" indent="-514350"/>
+            <a:r>
+              <a:rPr lang="en-US" dirty="0"/>
+              <a:t>These may be supplemented with kinematics equations.</a:t>
+            </a:r>
+          </a:p>
+          <a:p>
+            <a:pPr marL="514350" indent="-514350">
+              <a:buFont typeface="+mj-lt"/>
+              <a:buAutoNum type="arabicPeriod"/>
+            </a:pPr>
+            <a:r>
+              <a:rPr lang="en-US" dirty="0"/>
+              <a:t>Solve the equations for any unknowns.</a:t>
+            </a:r>
+          </a:p>
+          <a:p>
+            <a:pPr marL="514350" indent="-514350">
+              <a:buFont typeface="+mj-lt"/>
+              <a:buAutoNum type="arabicPeriod"/>
+            </a:pPr>
+            <a:endParaRPr lang="en-US" dirty="0"/>
+          </a:p>
+        </p:txBody>
+      </p:sp>
     </p:spTree>
     <p:extLst>
       <p:ext uri="{BB962C8B-B14F-4D97-AF65-F5344CB8AC3E}">
-        <p14:creationId xmlns:p14="http://schemas.microsoft.com/office/powerpoint/2010/main" val="1540654682"/>
+        <p14:creationId xmlns:p14="http://schemas.microsoft.com/office/powerpoint/2010/main" val="2175471731"/>
       </p:ext>
     </p:extLst>
   </p:cSld>
@@ -8434,15 +8551,33 @@
                                   </p:childTnLst>
                                 </p:cTn>
                               </p:par>
+                            </p:childTnLst>
+                          </p:cTn>
+                        </p:par>
+                      </p:childTnLst>
+                    </p:cTn>
+                  </p:par>
+                  <p:par>
+                    <p:cTn id="17" fill="hold">
+                      <p:stCondLst>
+                        <p:cond delay="indefinite"/>
+                      </p:stCondLst>
+                      <p:childTnLst>
+                        <p:par>
+                          <p:cTn id="18" fill="hold">
+                            <p:stCondLst>
+                              <p:cond delay="0"/>
+                            </p:stCondLst>
+                            <p:childTnLst>
                               <p:par>
-                                <p:cTn id="17" presetID="1" presetClass="entr" presetSubtype="0" fill="hold" grpId="0" nodeType="withEffect">
+                                <p:cTn id="19" presetID="1" presetClass="entr" presetSubtype="0" fill="hold" grpId="0" nodeType="clickEffect">
                                   <p:stCondLst>
                                     <p:cond delay="0"/>
                                   </p:stCondLst>
                                   <p:childTnLst>
                                     <p:set>
                                       <p:cBhvr>
-                                        <p:cTn id="18" dur="1" fill="hold">
+                                        <p:cTn id="20" dur="1" fill="hold">
                                           <p:stCondLst>
                                             <p:cond delay="0"/>
                                           </p:stCondLst>
@@ -8465,26 +8600,8 @@
                                   </p:childTnLst>
                                 </p:cTn>
                               </p:par>
-                            </p:childTnLst>
-                          </p:cTn>
-                        </p:par>
-                      </p:childTnLst>
-                    </p:cTn>
-                  </p:par>
-                  <p:par>
-                    <p:cTn id="19" fill="hold">
-                      <p:stCondLst>
-                        <p:cond delay="indefinite"/>
-                      </p:stCondLst>
-                      <p:childTnLst>
-                        <p:par>
-                          <p:cTn id="20" fill="hold">
-                            <p:stCondLst>
-                              <p:cond delay="0"/>
-                            </p:stCondLst>
-                            <p:childTnLst>
                               <p:par>
-                                <p:cTn id="21" presetID="1" presetClass="entr" presetSubtype="0" fill="hold" grpId="0" nodeType="clickEffect">
+                                <p:cTn id="21" presetID="1" presetClass="entr" presetSubtype="0" fill="hold" grpId="0" nodeType="withEffect">
                                   <p:stCondLst>
                                     <p:cond delay="0"/>
                                   </p:stCondLst>
@@ -8514,39 +8631,26 @@
                                   </p:childTnLst>
                                 </p:cTn>
                               </p:par>
+                            </p:childTnLst>
+                          </p:cTn>
+                        </p:par>
+                      </p:childTnLst>
+                    </p:cTn>
+                  </p:par>
+                  <p:par>
+                    <p:cTn id="23" fill="hold">
+                      <p:stCondLst>
+                        <p:cond delay="indefinite"/>
+                      </p:stCondLst>
+                      <p:childTnLst>
+                        <p:par>
+                          <p:cTn id="24" fill="hold">
+                            <p:stCondLst>
+                              <p:cond delay="0"/>
+                            </p:stCondLst>
+                            <p:childTnLst>
                               <p:par>
-                                <p:cTn id="23" presetID="1" presetClass="entr" presetSubtype="0" fill="hold" grpId="0" nodeType="withEffect">
-                                  <p:stCondLst>
-                                    <p:cond delay="0"/>
-                                  </p:stCondLst>
-                                  <p:childTnLst>
-                                    <p:set>
-                                      <p:cBhvr>
-                                        <p:cTn id="24" dur="1" fill="hold">
-                                          <p:stCondLst>
-                                            <p:cond delay="0"/>
-                                          </p:stCondLst>
-                                        </p:cTn>
-                                        <p:tgtEl>
-                                          <p:spTgt spid="3">
-                                            <p:txEl>
-                                              <p:pRg st="7" end="7"/>
-                                            </p:txEl>
-                                          </p:spTgt>
-                                        </p:tgtEl>
-                                        <p:attrNameLst>
-                                          <p:attrName>style.visibility</p:attrName>
-                                        </p:attrNameLst>
-                                      </p:cBhvr>
-                                      <p:to>
-                                        <p:strVal val="visible"/>
-                                      </p:to>
-                                    </p:set>
-                                  </p:childTnLst>
-                                </p:cTn>
-                              </p:par>
-                              <p:par>
-                                <p:cTn id="25" presetID="1" presetClass="entr" presetSubtype="0" fill="hold" grpId="0" nodeType="withEffect">
+                                <p:cTn id="25" presetID="1" presetClass="entr" presetSubtype="0" fill="hold" grpId="0" nodeType="clickEffect">
                                   <p:stCondLst>
                                     <p:cond delay="0"/>
                                   </p:stCondLst>
@@ -8561,56 +8665,7 @@
                                         <p:tgtEl>
                                           <p:spTgt spid="3">
                                             <p:txEl>
-                                              <p:pRg st="8" end="8"/>
-                                            </p:txEl>
-                                          </p:spTgt>
-                                        </p:tgtEl>
-                                        <p:attrNameLst>
-                                          <p:attrName>style.visibility</p:attrName>
-                                        </p:attrNameLst>
-                                      </p:cBhvr>
-                                      <p:to>
-                                        <p:strVal val="visible"/>
-                                      </p:to>
-                                    </p:set>
-                                  </p:childTnLst>
-                                </p:cTn>
-                              </p:par>
-                            </p:childTnLst>
-                          </p:cTn>
-                        </p:par>
-                      </p:childTnLst>
-                    </p:cTn>
-                  </p:par>
-                  <p:par>
-                    <p:cTn id="27" fill="hold">
-                      <p:stCondLst>
-                        <p:cond delay="indefinite"/>
-                      </p:stCondLst>
-                      <p:childTnLst>
-                        <p:par>
-                          <p:cTn id="28" fill="hold">
-                            <p:stCondLst>
-                              <p:cond delay="0"/>
-                            </p:stCondLst>
-                            <p:childTnLst>
-                              <p:par>
-                                <p:cTn id="29" presetID="1" presetClass="entr" presetSubtype="0" fill="hold" grpId="0" nodeType="clickEffect">
-                                  <p:stCondLst>
-                                    <p:cond delay="0"/>
-                                  </p:stCondLst>
-                                  <p:childTnLst>
-                                    <p:set>
-                                      <p:cBhvr>
-                                        <p:cTn id="30" dur="1" fill="hold">
-                                          <p:stCondLst>
-                                            <p:cond delay="0"/>
-                                          </p:stCondLst>
-                                        </p:cTn>
-                                        <p:tgtEl>
-                                          <p:spTgt spid="3">
-                                            <p:txEl>
-                                              <p:pRg st="9" end="9"/>
+                                              <p:pRg st="7" end="7"/>
                                             </p:txEl>
                                           </p:spTgt>
                                         </p:tgtEl>
@@ -8659,7 +8714,7 @@
 </p:sld>
 </file>
 
-<file path=ppt/slides/slide8.xml><?xml version="1.0" encoding="utf-8"?>
+<file path=ppt/slides/slide7.xml><?xml version="1.0" encoding="utf-8"?>
 <p:sld xmlns:a="http://schemas.openxmlformats.org/drawingml/2006/main" xmlns:r="http://schemas.openxmlformats.org/officeDocument/2006/relationships" xmlns:p="http://schemas.openxmlformats.org/presentationml/2006/main">
   <p:cSld>
     <p:spTree>
@@ -8733,7 +8788,7 @@
 </p:sld>
 </file>
 
-<file path=ppt/slides/slide9.xml><?xml version="1.0" encoding="utf-8"?>
+<file path=ppt/slides/slide8.xml><?xml version="1.0" encoding="utf-8"?>
 <p:sld xmlns:a="http://schemas.openxmlformats.org/drawingml/2006/main" xmlns:r="http://schemas.openxmlformats.org/officeDocument/2006/relationships" xmlns:p="http://schemas.openxmlformats.org/presentationml/2006/main">
   <p:cSld>
     <p:spTree>
@@ -8769,7 +8824,7 @@
           <a:p>
             <a:r>
               <a:rPr lang="en-US" dirty="0"/>
-              <a:t>Work and Energy for Systems of Particles Worked Example</a:t>
+              <a:t>Kinetics with Polar Coordinates Worked Example</a:t>
             </a:r>
           </a:p>
         </p:txBody>
@@ -8786,19 +8841,33 @@
         </p:nvSpPr>
         <p:spPr>
           <a:xfrm>
-            <a:off x="457200" y="1600201"/>
-            <a:ext cx="8229600" cy="1828800"/>
+            <a:off x="507364" y="1588453"/>
+            <a:ext cx="4724400" cy="4507548"/>
           </a:xfrm>
         </p:spPr>
         <p:txBody>
           <a:bodyPr>
-            <a:normAutofit fontScale="85000" lnSpcReduction="10000"/>
+            <a:normAutofit fontScale="77500" lnSpcReduction="20000"/>
           </a:bodyPr>
           <a:lstStyle/>
           <a:p>
             <a:r>
               <a:rPr lang="en-US" dirty="0"/>
-              <a:t>Two blocks are connected by a massless rope and a frictionless pulley as shown below.  If the coefficient of friction between block A and the surface is .4, what is the speed of the blocks after block A has moved 6 ft?</a:t>
+              <a:t>A device consists of two ½ kg masses tethered to a central shaft. The tethers are each .75 meters long and each tether currently makes 25-degree angle with the central shaft. Assume the central shaft is spinning at a constant rate.</a:t>
+            </a:r>
+          </a:p>
+          <a:p>
+            <a:pPr lvl="1"/>
+            <a:r>
+              <a:rPr lang="en-US" dirty="0"/>
+              <a:t>What is the rate at which the shaft is spinning?</a:t>
+            </a:r>
+          </a:p>
+          <a:p>
+            <a:pPr lvl="1"/>
+            <a:r>
+              <a:rPr lang="en-US" dirty="0"/>
+              <a:t>If we want it to spin at exactly 100 rpm, what should the angle of the tethers be? </a:t>
             </a:r>
           </a:p>
         </p:txBody>
@@ -8813,125 +8882,79 @@
             <p:ph type="sldNum" sz="quarter" idx="12"/>
           </p:nvPr>
         </p:nvSpPr>
-        <p:spPr/>
+        <p:spPr>
+          <a:xfrm>
+            <a:off x="1219200" y="6192837"/>
+            <a:ext cx="2133600" cy="365125"/>
+          </a:xfrm>
+        </p:spPr>
         <p:txBody>
           <a:bodyPr/>
           <a:lstStyle/>
           <a:p>
             <a:fld id="{929262FE-7F58-4A1E-8AF3-5A510A86DEBD}" type="slidenum">
               <a:rPr lang="en-US" smtClean="0"/>
-              <a:t>9</a:t>
+              <a:t>8</a:t>
             </a:fld>
             <a:endParaRPr lang="en-US"/>
           </a:p>
         </p:txBody>
       </p:sp>
-      <p:sp>
-        <p:nvSpPr>
-          <p:cNvPr id="6" name="Rectangle 5"/>
-          <p:cNvSpPr/>
+      <p:cxnSp>
+        <p:nvCxnSpPr>
+          <p:cNvPr id="6" name="Straight Connector 5">
+            <a:extLst>
+              <a:ext uri="{FF2B5EF4-FFF2-40B4-BE49-F238E27FC236}">
+                <a16:creationId xmlns:a16="http://schemas.microsoft.com/office/drawing/2014/main" id="{3FE2241E-CC43-450D-B68E-740612774FDB}"/>
+              </a:ext>
+            </a:extLst>
+          </p:cNvPr>
+          <p:cNvCxnSpPr>
+            <a:cxnSpLocks/>
+            <a:endCxn id="14" idx="2"/>
+          </p:cNvCxnSpPr>
           <p:nvPr/>
-        </p:nvSpPr>
+        </p:nvCxnSpPr>
         <p:spPr>
-          <a:xfrm>
-            <a:off x="1981200" y="3352800"/>
-            <a:ext cx="1828800" cy="1219200"/>
+          <a:xfrm flipV="1">
+            <a:off x="5727064" y="2067560"/>
+            <a:ext cx="1208406" cy="2345453"/>
           </a:xfrm>
-          <a:prstGeom prst="rect">
+          <a:prstGeom prst="line">
             <a:avLst/>
           </a:prstGeom>
         </p:spPr>
         <p:style>
-          <a:lnRef idx="1">
+          <a:lnRef idx="2">
             <a:schemeClr val="dk1"/>
           </a:lnRef>
-          <a:fillRef idx="2">
+          <a:fillRef idx="0">
             <a:schemeClr val="dk1"/>
           </a:fillRef>
           <a:effectRef idx="1">
             <a:schemeClr val="dk1"/>
           </a:effectRef>
           <a:fontRef idx="minor">
-            <a:schemeClr val="dk1"/>
+            <a:schemeClr val="tx1"/>
           </a:fontRef>
         </p:style>
-        <p:txBody>
-          <a:bodyPr rtlCol="0" anchor="ctr"/>
-          <a:lstStyle/>
-          <a:p>
-            <a:pPr algn="ctr"/>
-            <a:r>
-              <a:rPr lang="en-US" dirty="0"/>
-              <a:t>A</a:t>
-            </a:r>
-          </a:p>
-          <a:p>
-            <a:pPr algn="ctr"/>
-            <a:r>
-              <a:rPr lang="en-US" dirty="0"/>
-              <a:t>10 lbs</a:t>
-            </a:r>
-          </a:p>
-        </p:txBody>
-      </p:sp>
+      </p:cxnSp>
       <p:sp>
         <p:nvSpPr>
-          <p:cNvPr id="7" name="Rectangle 6"/>
+          <p:cNvPr id="10" name="Oval 9">
+            <a:extLst>
+              <a:ext uri="{FF2B5EF4-FFF2-40B4-BE49-F238E27FC236}">
+                <a16:creationId xmlns:a16="http://schemas.microsoft.com/office/drawing/2014/main" id="{F85D4C1B-A54C-4E07-BFEA-E8983512D75B}"/>
+              </a:ext>
+            </a:extLst>
+          </p:cNvPr>
           <p:cNvSpPr/>
           <p:nvPr/>
         </p:nvSpPr>
         <p:spPr>
           <a:xfrm>
-            <a:off x="5867400" y="5334000"/>
-            <a:ext cx="914400" cy="1066800"/>
-          </a:xfrm>
-          <a:prstGeom prst="rect">
-            <a:avLst/>
-          </a:prstGeom>
-        </p:spPr>
-        <p:style>
-          <a:lnRef idx="1">
-            <a:schemeClr val="dk1"/>
-          </a:lnRef>
-          <a:fillRef idx="2">
-            <a:schemeClr val="dk1"/>
-          </a:fillRef>
-          <a:effectRef idx="1">
-            <a:schemeClr val="dk1"/>
-          </a:effectRef>
-          <a:fontRef idx="minor">
-            <a:schemeClr val="dk1"/>
-          </a:fontRef>
-        </p:style>
-        <p:txBody>
-          <a:bodyPr rtlCol="0" anchor="ctr"/>
-          <a:lstStyle/>
-          <a:p>
-            <a:pPr algn="ctr"/>
-            <a:r>
-              <a:rPr lang="en-US" dirty="0"/>
-              <a:t>B</a:t>
-            </a:r>
-          </a:p>
-          <a:p>
-            <a:pPr algn="ctr"/>
-            <a:r>
-              <a:rPr lang="en-US" dirty="0"/>
-              <a:t>5 lbs</a:t>
-            </a:r>
-          </a:p>
-        </p:txBody>
-      </p:sp>
-      <p:sp>
-        <p:nvSpPr>
-          <p:cNvPr id="8" name="Oval 7"/>
-          <p:cNvSpPr/>
-          <p:nvPr/>
-        </p:nvSpPr>
-        <p:spPr>
-          <a:xfrm>
-            <a:off x="5715000" y="3962400"/>
-            <a:ext cx="609600" cy="609600"/>
+            <a:off x="5574664" y="4246880"/>
+            <a:ext cx="304800" cy="304800"/>
           </a:xfrm>
           <a:prstGeom prst="ellipse">
             <a:avLst/>
@@ -8960,84 +8983,68 @@
           </a:p>
         </p:txBody>
       </p:sp>
-      <p:cxnSp>
-        <p:nvCxnSpPr>
-          <p:cNvPr id="12" name="Straight Connector 11"/>
-          <p:cNvCxnSpPr>
-            <a:stCxn id="8" idx="0"/>
-            <a:endCxn id="6" idx="3"/>
-          </p:cNvCxnSpPr>
+      <p:sp>
+        <p:nvSpPr>
+          <p:cNvPr id="12" name="Cylinder 11">
+            <a:extLst>
+              <a:ext uri="{FF2B5EF4-FFF2-40B4-BE49-F238E27FC236}">
+                <a16:creationId xmlns:a16="http://schemas.microsoft.com/office/drawing/2014/main" id="{A45A8D47-F7A3-4CA4-BE24-B75E95C9AA55}"/>
+              </a:ext>
+            </a:extLst>
+          </p:cNvPr>
+          <p:cNvSpPr/>
           <p:nvPr/>
-        </p:nvCxnSpPr>
+        </p:nvSpPr>
         <p:spPr>
-          <a:xfrm flipH="1">
-            <a:off x="3810000" y="3962400"/>
-            <a:ext cx="2209800" cy="0"/>
+          <a:xfrm>
+            <a:off x="6986270" y="2057400"/>
+            <a:ext cx="228600" cy="4419600"/>
           </a:xfrm>
-          <a:prstGeom prst="line">
+          <a:prstGeom prst="can">
             <a:avLst/>
           </a:prstGeom>
         </p:spPr>
         <p:style>
-          <a:lnRef idx="2">
+          <a:lnRef idx="1">
             <a:schemeClr val="dk1"/>
           </a:lnRef>
-          <a:fillRef idx="0">
+          <a:fillRef idx="2">
             <a:schemeClr val="dk1"/>
           </a:fillRef>
           <a:effectRef idx="1">
             <a:schemeClr val="dk1"/>
           </a:effectRef>
           <a:fontRef idx="minor">
-            <a:schemeClr val="tx1"/>
+            <a:schemeClr val="dk1"/>
           </a:fontRef>
         </p:style>
-      </p:cxnSp>
-      <p:cxnSp>
-        <p:nvCxnSpPr>
-          <p:cNvPr id="14" name="Straight Connector 13"/>
-          <p:cNvCxnSpPr>
-            <a:stCxn id="8" idx="6"/>
-            <a:endCxn id="7" idx="0"/>
-          </p:cNvCxnSpPr>
-          <p:nvPr/>
-        </p:nvCxnSpPr>
-        <p:spPr>
-          <a:xfrm>
-            <a:off x="6324600" y="4267200"/>
-            <a:ext cx="0" cy="1066800"/>
-          </a:xfrm>
-          <a:prstGeom prst="line">
-            <a:avLst/>
-          </a:prstGeom>
-        </p:spPr>
-        <p:style>
-          <a:lnRef idx="2">
-            <a:schemeClr val="dk1"/>
-          </a:lnRef>
-          <a:fillRef idx="0">
-            <a:schemeClr val="dk1"/>
-          </a:fillRef>
-          <a:effectRef idx="1">
-            <a:schemeClr val="dk1"/>
-          </a:effectRef>
-          <a:fontRef idx="minor">
-            <a:schemeClr val="tx1"/>
-          </a:fontRef>
-        </p:style>
-      </p:cxnSp>
+        <p:txBody>
+          <a:bodyPr rtlCol="0" anchor="ctr"/>
+          <a:lstStyle/>
+          <a:p>
+            <a:pPr algn="ctr"/>
+            <a:endParaRPr lang="en-US"/>
+          </a:p>
+        </p:txBody>
+      </p:sp>
       <p:sp>
         <p:nvSpPr>
-          <p:cNvPr id="24" name="Rounded Rectangle 23"/>
+          <p:cNvPr id="14" name="Cylinder 13">
+            <a:extLst>
+              <a:ext uri="{FF2B5EF4-FFF2-40B4-BE49-F238E27FC236}">
+                <a16:creationId xmlns:a16="http://schemas.microsoft.com/office/drawing/2014/main" id="{D0130D2E-7648-42C9-A2FC-D1C74B668E0A}"/>
+              </a:ext>
+            </a:extLst>
+          </p:cNvPr>
           <p:cNvSpPr/>
           <p:nvPr/>
         </p:nvSpPr>
         <p:spPr>
-          <a:xfrm rot="2700000">
-            <a:off x="5538106" y="3986728"/>
-            <a:ext cx="266700" cy="1295400"/>
+          <a:xfrm>
+            <a:off x="6935470" y="1951275"/>
+            <a:ext cx="328930" cy="232569"/>
           </a:xfrm>
-          <a:prstGeom prst="roundRect">
+          <a:prstGeom prst="can">
             <a:avLst>
               <a:gd name="adj" fmla="val 50000"/>
             </a:avLst>
@@ -9068,33 +9075,44 @@
       </p:sp>
       <p:sp>
         <p:nvSpPr>
-          <p:cNvPr id="25" name="Oval 24"/>
+          <p:cNvPr id="11" name="Arc 10">
+            <a:extLst>
+              <a:ext uri="{FF2B5EF4-FFF2-40B4-BE49-F238E27FC236}">
+                <a16:creationId xmlns:a16="http://schemas.microsoft.com/office/drawing/2014/main" id="{C568013C-798F-4881-9EE4-635827D01C1A}"/>
+              </a:ext>
+            </a:extLst>
+          </p:cNvPr>
           <p:cNvSpPr/>
           <p:nvPr/>
         </p:nvSpPr>
         <p:spPr>
-          <a:xfrm>
-            <a:off x="5981700" y="4229100"/>
-            <a:ext cx="76200" cy="76200"/>
+          <a:xfrm flipH="1">
+            <a:off x="6224269" y="5179219"/>
+            <a:ext cx="1752600" cy="381000"/>
           </a:xfrm>
-          <a:prstGeom prst="ellipse">
-            <a:avLst/>
+          <a:prstGeom prst="arc">
+            <a:avLst>
+              <a:gd name="adj1" fmla="val 20369547"/>
+              <a:gd name="adj2" fmla="val 11692172"/>
+            </a:avLst>
           </a:prstGeom>
+          <a:ln>
+            <a:headEnd type="none" w="med" len="med"/>
+            <a:tailEnd type="arrow" w="med" len="med"/>
+          </a:ln>
         </p:spPr>
         <p:style>
-          <a:lnRef idx="2">
-            <a:schemeClr val="dk1">
-              <a:shade val="50000"/>
-            </a:schemeClr>
+          <a:lnRef idx="1">
+            <a:schemeClr val="accent1"/>
           </a:lnRef>
-          <a:fillRef idx="1">
-            <a:schemeClr val="dk1"/>
+          <a:fillRef idx="0">
+            <a:schemeClr val="accent1"/>
           </a:fillRef>
           <a:effectRef idx="0">
-            <a:schemeClr val="dk1"/>
+            <a:schemeClr val="accent1"/>
           </a:effectRef>
           <a:fontRef idx="minor">
-            <a:schemeClr val="lt1"/>
+            <a:schemeClr val="tx1"/>
           </a:fontRef>
         </p:style>
         <p:txBody>
@@ -9106,12 +9124,531 @@
           </a:p>
         </p:txBody>
       </p:sp>
+      <p:grpSp>
+        <p:nvGrpSpPr>
+          <p:cNvPr id="22" name="Group 21">
+            <a:extLst>
+              <a:ext uri="{FF2B5EF4-FFF2-40B4-BE49-F238E27FC236}">
+                <a16:creationId xmlns:a16="http://schemas.microsoft.com/office/drawing/2014/main" id="{0E2A0F4B-55D2-4C01-BEB9-7B7A3E8987FA}"/>
+              </a:ext>
+            </a:extLst>
+          </p:cNvPr>
+          <p:cNvGrpSpPr/>
+          <p:nvPr/>
+        </p:nvGrpSpPr>
+        <p:grpSpPr>
+          <a:xfrm flipH="1">
+            <a:off x="7275830" y="2067560"/>
+            <a:ext cx="1360806" cy="2484120"/>
+            <a:chOff x="5727064" y="2219960"/>
+            <a:chExt cx="1360806" cy="2484120"/>
+          </a:xfrm>
+        </p:grpSpPr>
+        <p:cxnSp>
+          <p:nvCxnSpPr>
+            <p:cNvPr id="23" name="Straight Connector 22">
+              <a:extLst>
+                <a:ext uri="{FF2B5EF4-FFF2-40B4-BE49-F238E27FC236}">
+                  <a16:creationId xmlns:a16="http://schemas.microsoft.com/office/drawing/2014/main" id="{0B935228-737C-4D53-B51D-72C001DFC492}"/>
+                </a:ext>
+              </a:extLst>
+            </p:cNvPr>
+            <p:cNvCxnSpPr>
+              <a:cxnSpLocks/>
+            </p:cNvCxnSpPr>
+            <p:nvPr/>
+          </p:nvCxnSpPr>
+          <p:spPr>
+            <a:xfrm flipV="1">
+              <a:off x="5879464" y="2219960"/>
+              <a:ext cx="1208406" cy="2345453"/>
+            </a:xfrm>
+            <a:prstGeom prst="line">
+              <a:avLst/>
+            </a:prstGeom>
+          </p:spPr>
+          <p:style>
+            <a:lnRef idx="2">
+              <a:schemeClr val="dk1"/>
+            </a:lnRef>
+            <a:fillRef idx="0">
+              <a:schemeClr val="dk1"/>
+            </a:fillRef>
+            <a:effectRef idx="1">
+              <a:schemeClr val="dk1"/>
+            </a:effectRef>
+            <a:fontRef idx="minor">
+              <a:schemeClr val="tx1"/>
+            </a:fontRef>
+          </p:style>
+        </p:cxnSp>
+        <p:sp>
+          <p:nvSpPr>
+            <p:cNvPr id="24" name="Oval 23">
+              <a:extLst>
+                <a:ext uri="{FF2B5EF4-FFF2-40B4-BE49-F238E27FC236}">
+                  <a16:creationId xmlns:a16="http://schemas.microsoft.com/office/drawing/2014/main" id="{E136D654-AEF3-44C2-AE9C-2FA25541A71C}"/>
+                </a:ext>
+              </a:extLst>
+            </p:cNvPr>
+            <p:cNvSpPr/>
+            <p:nvPr/>
+          </p:nvSpPr>
+          <p:spPr>
+            <a:xfrm>
+              <a:off x="5727064" y="4399280"/>
+              <a:ext cx="304800" cy="304800"/>
+            </a:xfrm>
+            <a:prstGeom prst="ellipse">
+              <a:avLst/>
+            </a:prstGeom>
+          </p:spPr>
+          <p:style>
+            <a:lnRef idx="1">
+              <a:schemeClr val="dk1"/>
+            </a:lnRef>
+            <a:fillRef idx="2">
+              <a:schemeClr val="dk1"/>
+            </a:fillRef>
+            <a:effectRef idx="1">
+              <a:schemeClr val="dk1"/>
+            </a:effectRef>
+            <a:fontRef idx="minor">
+              <a:schemeClr val="dk1"/>
+            </a:fontRef>
+          </p:style>
+          <p:txBody>
+            <a:bodyPr rtlCol="0" anchor="ctr"/>
+            <a:lstStyle/>
+            <a:p>
+              <a:pPr algn="ctr"/>
+              <a:endParaRPr lang="en-US"/>
+            </a:p>
+          </p:txBody>
+        </p:sp>
+      </p:grpSp>
       <p:sp>
         <p:nvSpPr>
-          <p:cNvPr id="13" name="Snip and Round Single Corner Rectangle 9">
+          <p:cNvPr id="26" name="Arc 25">
             <a:extLst>
               <a:ext uri="{FF2B5EF4-FFF2-40B4-BE49-F238E27FC236}">
-                <a16:creationId xmlns:a16="http://schemas.microsoft.com/office/drawing/2014/main" id="{B6752830-4682-4D8B-A36E-8F41EA70B063}"/>
+                <a16:creationId xmlns:a16="http://schemas.microsoft.com/office/drawing/2014/main" id="{16AC4B0B-27CD-4D52-A911-BE23C243E833}"/>
+              </a:ext>
+            </a:extLst>
+          </p:cNvPr>
+          <p:cNvSpPr/>
+          <p:nvPr/>
+        </p:nvSpPr>
+        <p:spPr>
+          <a:xfrm flipH="1">
+            <a:off x="6314440" y="1322784"/>
+            <a:ext cx="1600200" cy="1600200"/>
+          </a:xfrm>
+          <a:prstGeom prst="arc">
+            <a:avLst>
+              <a:gd name="adj1" fmla="val 5440549"/>
+              <a:gd name="adj2" fmla="val 7672768"/>
+            </a:avLst>
+          </a:prstGeom>
+        </p:spPr>
+        <p:style>
+          <a:lnRef idx="1">
+            <a:schemeClr val="accent1"/>
+          </a:lnRef>
+          <a:fillRef idx="0">
+            <a:schemeClr val="accent1"/>
+          </a:fillRef>
+          <a:effectRef idx="0">
+            <a:schemeClr val="accent1"/>
+          </a:effectRef>
+          <a:fontRef idx="minor">
+            <a:schemeClr val="tx1"/>
+          </a:fontRef>
+        </p:style>
+        <p:txBody>
+          <a:bodyPr rtlCol="0" anchor="ctr"/>
+          <a:lstStyle/>
+          <a:p>
+            <a:pPr algn="ctr"/>
+            <a:endParaRPr lang="en-US"/>
+          </a:p>
+        </p:txBody>
+      </p:sp>
+      <mc:AlternateContent xmlns:mc="http://schemas.openxmlformats.org/markup-compatibility/2006" xmlns:a14="http://schemas.microsoft.com/office/drawing/2010/main">
+        <mc:Choice Requires="a14">
+          <p:sp>
+            <p:nvSpPr>
+              <p:cNvPr id="25" name="TextBox 24">
+                <a:extLst>
+                  <a:ext uri="{FF2B5EF4-FFF2-40B4-BE49-F238E27FC236}">
+                    <a16:creationId xmlns:a16="http://schemas.microsoft.com/office/drawing/2014/main" id="{2DA13785-B429-4A14-92D1-6C66C9171461}"/>
+                  </a:ext>
+                </a:extLst>
+              </p:cNvPr>
+              <p:cNvSpPr txBox="1"/>
+              <p:nvPr/>
+            </p:nvSpPr>
+            <p:spPr>
+              <a:xfrm>
+                <a:off x="7317776" y="3029087"/>
+                <a:ext cx="422039" cy="276999"/>
+              </a:xfrm>
+              <a:prstGeom prst="rect">
+                <a:avLst/>
+              </a:prstGeom>
+              <a:noFill/>
+            </p:spPr>
+            <p:txBody>
+              <a:bodyPr wrap="none" lIns="0" tIns="0" rIns="0" bIns="0" rtlCol="0">
+                <a:spAutoFit/>
+              </a:bodyPr>
+              <a:lstStyle/>
+              <a:p>
+                <a:pPr/>
+                <a14:m>
+                  <m:oMathPara xmlns:m="http://schemas.openxmlformats.org/officeDocument/2006/math">
+                    <m:oMathParaPr>
+                      <m:jc m:val="centerGroup"/>
+                    </m:oMathParaPr>
+                    <m:oMath xmlns:m="http://schemas.openxmlformats.org/officeDocument/2006/math">
+                      <m:sSup>
+                        <m:sSupPr>
+                          <m:ctrlPr>
+                            <a:rPr lang="en-US" i="1" smtClean="0">
+                              <a:solidFill>
+                                <a:srgbClr val="0070C0"/>
+                              </a:solidFill>
+                              <a:latin typeface="Cambria Math" panose="02040503050406030204" pitchFamily="18" charset="0"/>
+                            </a:rPr>
+                          </m:ctrlPr>
+                        </m:sSupPr>
+                        <m:e>
+                          <m:r>
+                            <a:rPr lang="en-US" b="0" i="1" smtClean="0">
+                              <a:solidFill>
+                                <a:srgbClr val="0070C0"/>
+                              </a:solidFill>
+                              <a:latin typeface="Cambria Math" panose="02040503050406030204" pitchFamily="18" charset="0"/>
+                            </a:rPr>
+                            <m:t>25</m:t>
+                          </m:r>
+                        </m:e>
+                        <m:sup>
+                          <m:r>
+                            <a:rPr lang="en-US" b="0" i="1" smtClean="0">
+                              <a:solidFill>
+                                <a:srgbClr val="0070C0"/>
+                              </a:solidFill>
+                              <a:latin typeface="Cambria Math" panose="02040503050406030204" pitchFamily="18" charset="0"/>
+                            </a:rPr>
+                            <m:t>𝑜</m:t>
+                          </m:r>
+                        </m:sup>
+                      </m:sSup>
+                    </m:oMath>
+                  </m:oMathPara>
+                </a14:m>
+                <a:endParaRPr lang="en-US" dirty="0"/>
+              </a:p>
+            </p:txBody>
+          </p:sp>
+        </mc:Choice>
+        <mc:Fallback xmlns="">
+          <p:sp>
+            <p:nvSpPr>
+              <p:cNvPr id="25" name="TextBox 24">
+                <a:extLst>
+                  <a:ext uri="{FF2B5EF4-FFF2-40B4-BE49-F238E27FC236}">
+                    <a16:creationId xmlns:a16="http://schemas.microsoft.com/office/drawing/2014/main" id="{2DA13785-B429-4A14-92D1-6C66C9171461}"/>
+                  </a:ext>
+                </a:extLst>
+              </p:cNvPr>
+              <p:cNvSpPr txBox="1">
+                <a:spLocks noRot="1" noChangeAspect="1" noMove="1" noResize="1" noEditPoints="1" noAdjustHandles="1" noChangeArrowheads="1" noChangeShapeType="1" noTextEdit="1"/>
+              </p:cNvSpPr>
+              <p:nvPr/>
+            </p:nvSpPr>
+            <p:spPr>
+              <a:xfrm>
+                <a:off x="7317776" y="3029087"/>
+                <a:ext cx="422039" cy="276999"/>
+              </a:xfrm>
+              <a:prstGeom prst="rect">
+                <a:avLst/>
+              </a:prstGeom>
+              <a:blipFill>
+                <a:blip r:embed="rId2"/>
+                <a:stretch>
+                  <a:fillRect l="-12857" r="-1429" b="-8889"/>
+                </a:stretch>
+              </a:blipFill>
+            </p:spPr>
+            <p:txBody>
+              <a:bodyPr/>
+              <a:lstStyle/>
+              <a:p>
+                <a:r>
+                  <a:rPr lang="en-US">
+                    <a:noFill/>
+                  </a:rPr>
+                  <a:t> </a:t>
+                </a:r>
+              </a:p>
+            </p:txBody>
+          </p:sp>
+        </mc:Fallback>
+      </mc:AlternateContent>
+      <mc:AlternateContent xmlns:mc="http://schemas.openxmlformats.org/markup-compatibility/2006" xmlns:a14="http://schemas.microsoft.com/office/drawing/2010/main">
+        <mc:Choice Requires="a14">
+          <p:sp>
+            <p:nvSpPr>
+              <p:cNvPr id="29" name="TextBox 28">
+                <a:extLst>
+                  <a:ext uri="{FF2B5EF4-FFF2-40B4-BE49-F238E27FC236}">
+                    <a16:creationId xmlns:a16="http://schemas.microsoft.com/office/drawing/2014/main" id="{31CA489A-5A43-4E7E-9ABE-3C990F15DA2B}"/>
+                  </a:ext>
+                </a:extLst>
+              </p:cNvPr>
+              <p:cNvSpPr txBox="1"/>
+              <p:nvPr/>
+            </p:nvSpPr>
+            <p:spPr>
+              <a:xfrm>
+                <a:off x="7914640" y="5529739"/>
+                <a:ext cx="524503" cy="289823"/>
+              </a:xfrm>
+              <a:prstGeom prst="rect">
+                <a:avLst/>
+              </a:prstGeom>
+              <a:noFill/>
+            </p:spPr>
+            <p:txBody>
+              <a:bodyPr wrap="none" lIns="0" tIns="0" rIns="0" bIns="0" rtlCol="0">
+                <a:spAutoFit/>
+              </a:bodyPr>
+              <a:lstStyle/>
+              <a:p>
+                <a:pPr/>
+                <a14:m>
+                  <m:oMathPara xmlns:m="http://schemas.openxmlformats.org/officeDocument/2006/math">
+                    <m:oMathParaPr>
+                      <m:jc m:val="centerGroup"/>
+                    </m:oMathParaPr>
+                    <m:oMath xmlns:m="http://schemas.openxmlformats.org/officeDocument/2006/math">
+                      <m:acc>
+                        <m:accPr>
+                          <m:chr m:val="̇"/>
+                          <m:ctrlPr>
+                            <a:rPr lang="en-US" i="1" smtClean="0">
+                              <a:solidFill>
+                                <a:srgbClr val="0070C0"/>
+                              </a:solidFill>
+                              <a:latin typeface="Cambria Math" panose="02040503050406030204" pitchFamily="18" charset="0"/>
+                            </a:rPr>
+                          </m:ctrlPr>
+                        </m:accPr>
+                        <m:e>
+                          <m:r>
+                            <a:rPr lang="en-US" i="1" smtClean="0">
+                              <a:solidFill>
+                                <a:srgbClr val="0070C0"/>
+                              </a:solidFill>
+                              <a:latin typeface="Cambria Math" panose="02040503050406030204" pitchFamily="18" charset="0"/>
+                              <a:ea typeface="Cambria Math" panose="02040503050406030204" pitchFamily="18" charset="0"/>
+                            </a:rPr>
+                            <m:t>𝜃</m:t>
+                          </m:r>
+                        </m:e>
+                      </m:acc>
+                      <m:r>
+                        <a:rPr lang="en-US" b="0" i="1" smtClean="0">
+                          <a:solidFill>
+                            <a:srgbClr val="0070C0"/>
+                          </a:solidFill>
+                          <a:latin typeface="Cambria Math" panose="02040503050406030204" pitchFamily="18" charset="0"/>
+                        </a:rPr>
+                        <m:t>=?</m:t>
+                      </m:r>
+                    </m:oMath>
+                  </m:oMathPara>
+                </a14:m>
+                <a:endParaRPr lang="en-US" dirty="0"/>
+              </a:p>
+            </p:txBody>
+          </p:sp>
+        </mc:Choice>
+        <mc:Fallback xmlns="">
+          <p:sp>
+            <p:nvSpPr>
+              <p:cNvPr id="29" name="TextBox 28">
+                <a:extLst>
+                  <a:ext uri="{FF2B5EF4-FFF2-40B4-BE49-F238E27FC236}">
+                    <a16:creationId xmlns:a16="http://schemas.microsoft.com/office/drawing/2014/main" id="{31CA489A-5A43-4E7E-9ABE-3C990F15DA2B}"/>
+                  </a:ext>
+                </a:extLst>
+              </p:cNvPr>
+              <p:cNvSpPr txBox="1">
+                <a:spLocks noRot="1" noChangeAspect="1" noMove="1" noResize="1" noEditPoints="1" noAdjustHandles="1" noChangeArrowheads="1" noChangeShapeType="1" noTextEdit="1"/>
+              </p:cNvSpPr>
+              <p:nvPr/>
+            </p:nvSpPr>
+            <p:spPr>
+              <a:xfrm>
+                <a:off x="7914640" y="5529739"/>
+                <a:ext cx="524503" cy="289823"/>
+              </a:xfrm>
+              <a:prstGeom prst="rect">
+                <a:avLst/>
+              </a:prstGeom>
+              <a:blipFill>
+                <a:blip r:embed="rId3"/>
+                <a:stretch>
+                  <a:fillRect l="-9302" t="-10417" r="-10465" b="-8333"/>
+                </a:stretch>
+              </a:blipFill>
+            </p:spPr>
+            <p:txBody>
+              <a:bodyPr/>
+              <a:lstStyle/>
+              <a:p>
+                <a:r>
+                  <a:rPr lang="en-US">
+                    <a:noFill/>
+                  </a:rPr>
+                  <a:t> </a:t>
+                </a:r>
+              </a:p>
+            </p:txBody>
+          </p:sp>
+        </mc:Fallback>
+      </mc:AlternateContent>
+    </p:spTree>
+    <p:extLst>
+      <p:ext uri="{BB962C8B-B14F-4D97-AF65-F5344CB8AC3E}">
+        <p14:creationId xmlns:p14="http://schemas.microsoft.com/office/powerpoint/2010/main" val="1991096255"/>
+      </p:ext>
+    </p:extLst>
+  </p:cSld>
+  <p:clrMapOvr>
+    <a:masterClrMapping/>
+  </p:clrMapOvr>
+</p:sld>
+</file>
+
+<file path=ppt/slides/slide9.xml><?xml version="1.0" encoding="utf-8"?>
+<p:sld xmlns:a="http://schemas.openxmlformats.org/drawingml/2006/main" xmlns:r="http://schemas.openxmlformats.org/officeDocument/2006/relationships" xmlns:p="http://schemas.openxmlformats.org/presentationml/2006/main">
+  <p:cSld>
+    <p:spTree>
+      <p:nvGrpSpPr>
+        <p:cNvPr id="1" name=""/>
+        <p:cNvGrpSpPr/>
+        <p:nvPr/>
+      </p:nvGrpSpPr>
+      <p:grpSpPr>
+        <a:xfrm>
+          <a:off x="0" y="0"/>
+          <a:ext cx="0" cy="0"/>
+          <a:chOff x="0" y="0"/>
+          <a:chExt cx="0" cy="0"/>
+        </a:xfrm>
+      </p:grpSpPr>
+      <p:grpSp>
+        <p:nvGrpSpPr>
+          <p:cNvPr id="7" name="Group 6"/>
+          <p:cNvGrpSpPr/>
+          <p:nvPr/>
+        </p:nvGrpSpPr>
+        <p:grpSpPr>
+          <a:xfrm rot="2729368">
+            <a:off x="6516009" y="2463760"/>
+            <a:ext cx="838200" cy="3657600"/>
+            <a:chOff x="5715000" y="2286000"/>
+            <a:chExt cx="838200" cy="3657600"/>
+          </a:xfrm>
+        </p:grpSpPr>
+        <p:sp>
+          <p:nvSpPr>
+            <p:cNvPr id="5" name="Rectangle 4"/>
+            <p:cNvSpPr/>
+            <p:nvPr/>
+          </p:nvSpPr>
+          <p:spPr>
+            <a:xfrm>
+              <a:off x="6019800" y="2286000"/>
+              <a:ext cx="228600" cy="3657600"/>
+            </a:xfrm>
+            <a:prstGeom prst="rect">
+              <a:avLst/>
+            </a:prstGeom>
+          </p:spPr>
+          <p:style>
+            <a:lnRef idx="1">
+              <a:schemeClr val="dk1"/>
+            </a:lnRef>
+            <a:fillRef idx="2">
+              <a:schemeClr val="dk1"/>
+            </a:fillRef>
+            <a:effectRef idx="1">
+              <a:schemeClr val="dk1"/>
+            </a:effectRef>
+            <a:fontRef idx="minor">
+              <a:schemeClr val="dk1"/>
+            </a:fontRef>
+          </p:style>
+          <p:txBody>
+            <a:bodyPr rtlCol="0" anchor="ctr"/>
+            <a:lstStyle/>
+            <a:p>
+              <a:pPr algn="ctr"/>
+              <a:endParaRPr lang="en-US"/>
+            </a:p>
+          </p:txBody>
+        </p:sp>
+        <p:sp>
+          <p:nvSpPr>
+            <p:cNvPr id="6" name="Rectangle 5"/>
+            <p:cNvSpPr/>
+            <p:nvPr/>
+          </p:nvSpPr>
+          <p:spPr>
+            <a:xfrm>
+              <a:off x="5715000" y="3657600"/>
+              <a:ext cx="838200" cy="457200"/>
+            </a:xfrm>
+            <a:prstGeom prst="rect">
+              <a:avLst/>
+            </a:prstGeom>
+          </p:spPr>
+          <p:style>
+            <a:lnRef idx="1">
+              <a:schemeClr val="dk1"/>
+            </a:lnRef>
+            <a:fillRef idx="2">
+              <a:schemeClr val="dk1"/>
+            </a:fillRef>
+            <a:effectRef idx="1">
+              <a:schemeClr val="dk1"/>
+            </a:effectRef>
+            <a:fontRef idx="minor">
+              <a:schemeClr val="dk1"/>
+            </a:fontRef>
+          </p:style>
+          <p:txBody>
+            <a:bodyPr rtlCol="0" anchor="ctr"/>
+            <a:lstStyle/>
+            <a:p>
+              <a:pPr algn="ctr"/>
+              <a:endParaRPr lang="en-US"/>
+            </a:p>
+          </p:txBody>
+        </p:sp>
+      </p:grpSp>
+      <p:sp>
+        <p:nvSpPr>
+          <p:cNvPr id="8" name="Oval 7">
+            <a:extLst>
+              <a:ext uri="{FF2B5EF4-FFF2-40B4-BE49-F238E27FC236}">
+                <a16:creationId xmlns:a16="http://schemas.microsoft.com/office/drawing/2014/main" id="{DB728D8E-38D9-4BF5-A320-955EF4E3CD84}"/>
               </a:ext>
             </a:extLst>
           </p:cNvPr>
@@ -9120,42 +9657,25 @@
         </p:nvSpPr>
         <p:spPr>
           <a:xfrm>
-            <a:off x="0" y="4572000"/>
-            <a:ext cx="5715000" cy="2286000"/>
+            <a:off x="4969324" y="4877978"/>
+            <a:ext cx="1371600" cy="1371600"/>
           </a:xfrm>
-          <a:prstGeom prst="snipRoundRect">
-            <a:avLst>
-              <a:gd name="adj1" fmla="val 0"/>
-              <a:gd name="adj2" fmla="val 28667"/>
-            </a:avLst>
+          <a:prstGeom prst="ellipse">
+            <a:avLst/>
           </a:prstGeom>
-          <a:solidFill>
-            <a:schemeClr val="bg2">
-              <a:lumMod val="75000"/>
-            </a:schemeClr>
-          </a:solidFill>
-          <a:ln>
-            <a:solidFill>
-              <a:schemeClr val="bg2">
-                <a:lumMod val="25000"/>
-              </a:schemeClr>
-            </a:solidFill>
-          </a:ln>
         </p:spPr>
         <p:style>
-          <a:lnRef idx="2">
-            <a:schemeClr val="accent6">
-              <a:shade val="50000"/>
-            </a:schemeClr>
+          <a:lnRef idx="1">
+            <a:schemeClr val="dk1"/>
           </a:lnRef>
-          <a:fillRef idx="1">
-            <a:schemeClr val="accent6"/>
+          <a:fillRef idx="2">
+            <a:schemeClr val="dk1"/>
           </a:fillRef>
-          <a:effectRef idx="0">
-            <a:schemeClr val="accent6"/>
+          <a:effectRef idx="1">
+            <a:schemeClr val="dk1"/>
           </a:effectRef>
           <a:fontRef idx="minor">
-            <a:schemeClr val="lt1"/>
+            <a:schemeClr val="dk1"/>
           </a:fontRef>
         </p:style>
         <p:txBody>
@@ -9167,10 +9687,436 @@
           </a:p>
         </p:txBody>
       </p:sp>
+      <p:sp>
+        <p:nvSpPr>
+          <p:cNvPr id="2" name="Title 1"/>
+          <p:cNvSpPr>
+            <a:spLocks noGrp="1"/>
+          </p:cNvSpPr>
+          <p:nvPr>
+            <p:ph type="title"/>
+          </p:nvPr>
+        </p:nvSpPr>
+        <p:spPr/>
+        <p:txBody>
+          <a:bodyPr>
+            <a:normAutofit fontScale="90000"/>
+          </a:bodyPr>
+          <a:lstStyle/>
+          <a:p>
+            <a:r>
+              <a:rPr lang="en-US" dirty="0"/>
+              <a:t>Kinetics with Polar Coordinates Practice Problem</a:t>
+            </a:r>
+          </a:p>
+        </p:txBody>
+      </p:sp>
+      <p:sp>
+        <p:nvSpPr>
+          <p:cNvPr id="3" name="Content Placeholder 2"/>
+          <p:cNvSpPr>
+            <a:spLocks noGrp="1"/>
+          </p:cNvSpPr>
+          <p:nvPr>
+            <p:ph idx="1"/>
+          </p:nvPr>
+        </p:nvSpPr>
+        <p:spPr>
+          <a:xfrm>
+            <a:off x="457200" y="1600200"/>
+            <a:ext cx="4423728" cy="4525963"/>
+          </a:xfrm>
+        </p:spPr>
+        <p:txBody>
+          <a:bodyPr>
+            <a:normAutofit fontScale="70000" lnSpcReduction="20000"/>
+          </a:bodyPr>
+          <a:lstStyle/>
+          <a:p>
+            <a:r>
+              <a:rPr lang="en-US" dirty="0"/>
+              <a:t>A catapult design consists of a steel weight on a frictionless rod. The rod spins at a constant rate of 4 radians per second and when theta is 45 degrees from horizontal, the 30 lb weight is released from its position 2 ft from the center of rotation of the shaft.</a:t>
+            </a:r>
+          </a:p>
+          <a:p>
+            <a:r>
+              <a:rPr lang="en-US" dirty="0"/>
+              <a:t>What is the force the shaft exerts on the weight at the instant before and the instant after it is released?</a:t>
+            </a:r>
+          </a:p>
+          <a:p>
+            <a:r>
+              <a:rPr lang="en-US" dirty="0"/>
+              <a:t>What is the acceleration of the weight along the shaft the instant after it is released?</a:t>
+            </a:r>
+          </a:p>
+        </p:txBody>
+      </p:sp>
+      <p:sp>
+        <p:nvSpPr>
+          <p:cNvPr id="4" name="Slide Number Placeholder 3"/>
+          <p:cNvSpPr>
+            <a:spLocks noGrp="1"/>
+          </p:cNvSpPr>
+          <p:nvPr>
+            <p:ph type="sldNum" sz="quarter" idx="12"/>
+          </p:nvPr>
+        </p:nvSpPr>
+        <p:spPr/>
+        <p:txBody>
+          <a:bodyPr/>
+          <a:lstStyle/>
+          <a:p>
+            <a:fld id="{929262FE-7F58-4A1E-8AF3-5A510A86DEBD}" type="slidenum">
+              <a:rPr lang="en-US" smtClean="0"/>
+              <a:t>9</a:t>
+            </a:fld>
+            <a:endParaRPr lang="en-US"/>
+          </a:p>
+        </p:txBody>
+      </p:sp>
+      <p:cxnSp>
+        <p:nvCxnSpPr>
+          <p:cNvPr id="9" name="Straight Connector 8"/>
+          <p:cNvCxnSpPr/>
+          <p:nvPr/>
+        </p:nvCxnSpPr>
+        <p:spPr>
+          <a:xfrm flipH="1">
+            <a:off x="5638800" y="5551714"/>
+            <a:ext cx="3124200" cy="10886"/>
+          </a:xfrm>
+          <a:prstGeom prst="line">
+            <a:avLst/>
+          </a:prstGeom>
+        </p:spPr>
+        <p:style>
+          <a:lnRef idx="1">
+            <a:schemeClr val="accent1"/>
+          </a:lnRef>
+          <a:fillRef idx="0">
+            <a:schemeClr val="accent1"/>
+          </a:fillRef>
+          <a:effectRef idx="0">
+            <a:schemeClr val="accent1"/>
+          </a:effectRef>
+          <a:fontRef idx="minor">
+            <a:schemeClr val="tx1"/>
+          </a:fontRef>
+        </p:style>
+      </p:cxnSp>
+      <p:sp>
+        <p:nvSpPr>
+          <p:cNvPr id="10" name="Arc 9"/>
+          <p:cNvSpPr/>
+          <p:nvPr/>
+        </p:nvSpPr>
+        <p:spPr>
+          <a:xfrm flipH="1">
+            <a:off x="4855024" y="4757058"/>
+            <a:ext cx="1600200" cy="1600200"/>
+          </a:xfrm>
+          <a:prstGeom prst="arc">
+            <a:avLst>
+              <a:gd name="adj1" fmla="val 10822919"/>
+              <a:gd name="adj2" fmla="val 13320944"/>
+            </a:avLst>
+          </a:prstGeom>
+        </p:spPr>
+        <p:style>
+          <a:lnRef idx="1">
+            <a:schemeClr val="accent1"/>
+          </a:lnRef>
+          <a:fillRef idx="0">
+            <a:schemeClr val="accent1"/>
+          </a:fillRef>
+          <a:effectRef idx="0">
+            <a:schemeClr val="accent1"/>
+          </a:effectRef>
+          <a:fontRef idx="minor">
+            <a:schemeClr val="tx1"/>
+          </a:fontRef>
+        </p:style>
+        <p:txBody>
+          <a:bodyPr rtlCol="0" anchor="ctr"/>
+          <a:lstStyle/>
+          <a:p>
+            <a:pPr algn="ctr"/>
+            <a:endParaRPr lang="en-US"/>
+          </a:p>
+        </p:txBody>
+      </p:sp>
+      <mc:AlternateContent xmlns:mc="http://schemas.openxmlformats.org/markup-compatibility/2006" xmlns:a14="http://schemas.microsoft.com/office/drawing/2010/main">
+        <mc:Choice Requires="a14">
+          <p:sp>
+            <p:nvSpPr>
+              <p:cNvPr id="11" name="TextBox 10"/>
+              <p:cNvSpPr txBox="1"/>
+              <p:nvPr/>
+            </p:nvSpPr>
+            <p:spPr>
+              <a:xfrm>
+                <a:off x="6400800" y="5039380"/>
+                <a:ext cx="478914" cy="523220"/>
+              </a:xfrm>
+              <a:prstGeom prst="rect">
+                <a:avLst/>
+              </a:prstGeom>
+              <a:noFill/>
+            </p:spPr>
+            <p:txBody>
+              <a:bodyPr wrap="none" rtlCol="0">
+                <a:spAutoFit/>
+              </a:bodyPr>
+              <a:lstStyle/>
+              <a:p>
+                <a:pPr/>
+                <a14:m>
+                  <m:oMathPara xmlns:m="http://schemas.openxmlformats.org/officeDocument/2006/math">
+                    <m:oMathParaPr>
+                      <m:jc m:val="centerGroup"/>
+                    </m:oMathParaPr>
+                    <m:oMath xmlns:m="http://schemas.openxmlformats.org/officeDocument/2006/math">
+                      <m:r>
+                        <a:rPr lang="en-US" sz="2800" i="1" smtClean="0">
+                          <a:solidFill>
+                            <a:schemeClr val="accent1"/>
+                          </a:solidFill>
+                          <a:latin typeface="Cambria Math"/>
+                          <a:ea typeface="Cambria Math"/>
+                        </a:rPr>
+                        <m:t>𝜃</m:t>
+                      </m:r>
+                    </m:oMath>
+                  </m:oMathPara>
+                </a14:m>
+                <a:endParaRPr lang="en-US" dirty="0">
+                  <a:solidFill>
+                    <a:schemeClr val="accent1"/>
+                  </a:solidFill>
+                </a:endParaRPr>
+              </a:p>
+            </p:txBody>
+          </p:sp>
+        </mc:Choice>
+        <mc:Fallback xmlns="">
+          <p:sp>
+            <p:nvSpPr>
+              <p:cNvPr id="11" name="TextBox 10"/>
+              <p:cNvSpPr txBox="1">
+                <a:spLocks noRot="1" noChangeAspect="1" noMove="1" noResize="1" noEditPoints="1" noAdjustHandles="1" noChangeArrowheads="1" noChangeShapeType="1" noTextEdit="1"/>
+              </p:cNvSpPr>
+              <p:nvPr/>
+            </p:nvSpPr>
+            <p:spPr>
+              <a:xfrm>
+                <a:off x="6400800" y="5039380"/>
+                <a:ext cx="478914" cy="523220"/>
+              </a:xfrm>
+              <a:prstGeom prst="rect">
+                <a:avLst/>
+              </a:prstGeom>
+              <a:blipFill rotWithShape="1">
+                <a:blip r:embed="rId2"/>
+                <a:stretch>
+                  <a:fillRect/>
+                </a:stretch>
+              </a:blipFill>
+            </p:spPr>
+            <p:txBody>
+              <a:bodyPr/>
+              <a:lstStyle/>
+              <a:p>
+                <a:r>
+                  <a:rPr lang="en-US">
+                    <a:noFill/>
+                  </a:rPr>
+                  <a:t> </a:t>
+                </a:r>
+              </a:p>
+            </p:txBody>
+          </p:sp>
+        </mc:Fallback>
+      </mc:AlternateContent>
+      <p:cxnSp>
+        <p:nvCxnSpPr>
+          <p:cNvPr id="13" name="Straight Connector 12"/>
+          <p:cNvCxnSpPr/>
+          <p:nvPr/>
+        </p:nvCxnSpPr>
+        <p:spPr>
+          <a:xfrm flipH="1" flipV="1">
+            <a:off x="5334000" y="5181600"/>
+            <a:ext cx="216823" cy="228600"/>
+          </a:xfrm>
+          <a:prstGeom prst="line">
+            <a:avLst/>
+          </a:prstGeom>
+        </p:spPr>
+        <p:style>
+          <a:lnRef idx="1">
+            <a:schemeClr val="accent1"/>
+          </a:lnRef>
+          <a:fillRef idx="0">
+            <a:schemeClr val="accent1"/>
+          </a:fillRef>
+          <a:effectRef idx="0">
+            <a:schemeClr val="accent1"/>
+          </a:effectRef>
+          <a:fontRef idx="minor">
+            <a:schemeClr val="tx1"/>
+          </a:fontRef>
+        </p:style>
+      </p:cxnSp>
+      <p:cxnSp>
+        <p:nvCxnSpPr>
+          <p:cNvPr id="14" name="Straight Connector 13"/>
+          <p:cNvCxnSpPr/>
+          <p:nvPr/>
+        </p:nvCxnSpPr>
+        <p:spPr>
+          <a:xfrm flipV="1">
+            <a:off x="5442411" y="4088758"/>
+            <a:ext cx="1263189" cy="1207142"/>
+          </a:xfrm>
+          <a:prstGeom prst="line">
+            <a:avLst/>
+          </a:prstGeom>
+        </p:spPr>
+        <p:style>
+          <a:lnRef idx="1">
+            <a:schemeClr val="accent1"/>
+          </a:lnRef>
+          <a:fillRef idx="0">
+            <a:schemeClr val="accent1"/>
+          </a:fillRef>
+          <a:effectRef idx="0">
+            <a:schemeClr val="accent1"/>
+          </a:effectRef>
+          <a:fontRef idx="minor">
+            <a:schemeClr val="tx1"/>
+          </a:fontRef>
+        </p:style>
+      </p:cxnSp>
+      <p:sp>
+        <p:nvSpPr>
+          <p:cNvPr id="19" name="TextBox 18"/>
+          <p:cNvSpPr txBox="1"/>
+          <p:nvPr/>
+        </p:nvSpPr>
+        <p:spPr>
+          <a:xfrm>
+            <a:off x="5686170" y="4431268"/>
+            <a:ext cx="502061" cy="369332"/>
+          </a:xfrm>
+          <a:prstGeom prst="rect">
+            <a:avLst/>
+          </a:prstGeom>
+          <a:solidFill>
+            <a:schemeClr val="bg1"/>
+          </a:solidFill>
+        </p:spPr>
+        <p:txBody>
+          <a:bodyPr wrap="none" rtlCol="0">
+            <a:spAutoFit/>
+          </a:bodyPr>
+          <a:lstStyle/>
+          <a:p>
+            <a:r>
+              <a:rPr lang="en-US" dirty="0">
+                <a:solidFill>
+                  <a:schemeClr val="accent1"/>
+                </a:solidFill>
+              </a:rPr>
+              <a:t>2 ft</a:t>
+            </a:r>
+          </a:p>
+        </p:txBody>
+      </p:sp>
+      <p:sp>
+        <p:nvSpPr>
+          <p:cNvPr id="20" name="Arc 19"/>
+          <p:cNvSpPr/>
+          <p:nvPr/>
+        </p:nvSpPr>
+        <p:spPr>
+          <a:xfrm flipH="1">
+            <a:off x="2819400" y="2808514"/>
+            <a:ext cx="5486400" cy="5486400"/>
+          </a:xfrm>
+          <a:prstGeom prst="arc">
+            <a:avLst>
+              <a:gd name="adj1" fmla="val 10822919"/>
+              <a:gd name="adj2" fmla="val 14677704"/>
+            </a:avLst>
+          </a:prstGeom>
+          <a:ln>
+            <a:headEnd type="none" w="med" len="med"/>
+            <a:tailEnd type="arrow" w="med" len="med"/>
+          </a:ln>
+        </p:spPr>
+        <p:style>
+          <a:lnRef idx="1">
+            <a:schemeClr val="accent1"/>
+          </a:lnRef>
+          <a:fillRef idx="0">
+            <a:schemeClr val="accent1"/>
+          </a:fillRef>
+          <a:effectRef idx="0">
+            <a:schemeClr val="accent1"/>
+          </a:effectRef>
+          <a:fontRef idx="minor">
+            <a:schemeClr val="tx1"/>
+          </a:fontRef>
+        </p:style>
+        <p:txBody>
+          <a:bodyPr rtlCol="0" anchor="ctr"/>
+          <a:lstStyle/>
+          <a:p>
+            <a:pPr algn="ctr"/>
+            <a:endParaRPr lang="en-US"/>
+          </a:p>
+        </p:txBody>
+      </p:sp>
+      <p:sp>
+        <p:nvSpPr>
+          <p:cNvPr id="22" name="TextBox 21"/>
+          <p:cNvSpPr txBox="1"/>
+          <p:nvPr/>
+        </p:nvSpPr>
+        <p:spPr>
+          <a:xfrm>
+            <a:off x="6965539" y="2590800"/>
+            <a:ext cx="837537" cy="369332"/>
+          </a:xfrm>
+          <a:prstGeom prst="rect">
+            <a:avLst/>
+          </a:prstGeom>
+          <a:solidFill>
+            <a:schemeClr val="bg1"/>
+          </a:solidFill>
+        </p:spPr>
+        <p:txBody>
+          <a:bodyPr wrap="none" rtlCol="0">
+            <a:spAutoFit/>
+          </a:bodyPr>
+          <a:lstStyle/>
+          <a:p>
+            <a:r>
+              <a:rPr lang="en-US" dirty="0">
+                <a:solidFill>
+                  <a:schemeClr val="accent1"/>
+                </a:solidFill>
+              </a:rPr>
+              <a:t>4 rad/s</a:t>
+            </a:r>
+          </a:p>
+        </p:txBody>
+      </p:sp>
     </p:spTree>
     <p:extLst>
       <p:ext uri="{BB962C8B-B14F-4D97-AF65-F5344CB8AC3E}">
-        <p14:creationId xmlns:p14="http://schemas.microsoft.com/office/powerpoint/2010/main" val="3621166157"/>
+        <p14:creationId xmlns:p14="http://schemas.microsoft.com/office/powerpoint/2010/main" val="833981762"/>
       </p:ext>
     </p:extLst>
   </p:cSld>
